--- a/Analyse/Hugo/Support Revue 1 Hugo.pptx
+++ b/Analyse/Hugo/Support Revue 1 Hugo.pptx
@@ -2,18 +2,31 @@
 <file path=ppt/presentation.xml><?xml version="1.0" encoding="utf-8"?>
 <p:presentation xmlns:a="http://schemas.openxmlformats.org/drawingml/2006/main" xmlns:r="http://schemas.openxmlformats.org/officeDocument/2006/relationships" xmlns:p="http://schemas.openxmlformats.org/presentationml/2006/main" saveSubsetFonts="1">
   <p:sldMasterIdLst>
-    <p:sldMasterId id="2147483648" r:id="rId1"/>
+    <p:sldMasterId id="2147483735" r:id="rId1"/>
   </p:sldMasterIdLst>
+  <p:notesMasterIdLst>
+    <p:notesMasterId r:id="rId13"/>
+  </p:notesMasterIdLst>
   <p:sldIdLst>
-    <p:sldId id="256" r:id="rId2"/>
+    <p:sldId id="257" r:id="rId2"/>
+    <p:sldId id="267" r:id="rId3"/>
+    <p:sldId id="258" r:id="rId4"/>
+    <p:sldId id="259" r:id="rId5"/>
+    <p:sldId id="261" r:id="rId6"/>
+    <p:sldId id="260" r:id="rId7"/>
+    <p:sldId id="262" r:id="rId8"/>
+    <p:sldId id="263" r:id="rId9"/>
+    <p:sldId id="264" r:id="rId10"/>
+    <p:sldId id="265" r:id="rId11"/>
+    <p:sldId id="268" r:id="rId12"/>
   </p:sldIdLst>
   <p:sldSz cx="12192000" cy="6858000"/>
   <p:notesSz cx="6858000" cy="9144000"/>
   <p:defaultTextStyle>
     <a:defPPr>
-      <a:defRPr lang="fr-FR"/>
+      <a:defRPr lang="en-US"/>
     </a:defPPr>
-    <a:lvl1pPr marL="0" algn="l" defTabSz="914400" rtl="0" eaLnBrk="1" latinLnBrk="0" hangingPunct="1">
+    <a:lvl1pPr marL="0" algn="l" defTabSz="457200" rtl="0" eaLnBrk="1" latinLnBrk="0" hangingPunct="1">
       <a:defRPr sz="1800" kern="1200">
         <a:solidFill>
           <a:schemeClr val="tx1"/>
@@ -23,7 +36,7 @@
         <a:cs typeface="+mn-cs"/>
       </a:defRPr>
     </a:lvl1pPr>
-    <a:lvl2pPr marL="457200" algn="l" defTabSz="914400" rtl="0" eaLnBrk="1" latinLnBrk="0" hangingPunct="1">
+    <a:lvl2pPr marL="457200" algn="l" defTabSz="457200" rtl="0" eaLnBrk="1" latinLnBrk="0" hangingPunct="1">
       <a:defRPr sz="1800" kern="1200">
         <a:solidFill>
           <a:schemeClr val="tx1"/>
@@ -33,7 +46,7 @@
         <a:cs typeface="+mn-cs"/>
       </a:defRPr>
     </a:lvl2pPr>
-    <a:lvl3pPr marL="914400" algn="l" defTabSz="914400" rtl="0" eaLnBrk="1" latinLnBrk="0" hangingPunct="1">
+    <a:lvl3pPr marL="914400" algn="l" defTabSz="457200" rtl="0" eaLnBrk="1" latinLnBrk="0" hangingPunct="1">
       <a:defRPr sz="1800" kern="1200">
         <a:solidFill>
           <a:schemeClr val="tx1"/>
@@ -43,7 +56,7 @@
         <a:cs typeface="+mn-cs"/>
       </a:defRPr>
     </a:lvl3pPr>
-    <a:lvl4pPr marL="1371600" algn="l" defTabSz="914400" rtl="0" eaLnBrk="1" latinLnBrk="0" hangingPunct="1">
+    <a:lvl4pPr marL="1371600" algn="l" defTabSz="457200" rtl="0" eaLnBrk="1" latinLnBrk="0" hangingPunct="1">
       <a:defRPr sz="1800" kern="1200">
         <a:solidFill>
           <a:schemeClr val="tx1"/>
@@ -53,7 +66,7 @@
         <a:cs typeface="+mn-cs"/>
       </a:defRPr>
     </a:lvl4pPr>
-    <a:lvl5pPr marL="1828800" algn="l" defTabSz="914400" rtl="0" eaLnBrk="1" latinLnBrk="0" hangingPunct="1">
+    <a:lvl5pPr marL="1828800" algn="l" defTabSz="457200" rtl="0" eaLnBrk="1" latinLnBrk="0" hangingPunct="1">
       <a:defRPr sz="1800" kern="1200">
         <a:solidFill>
           <a:schemeClr val="tx1"/>
@@ -63,7 +76,7 @@
         <a:cs typeface="+mn-cs"/>
       </a:defRPr>
     </a:lvl5pPr>
-    <a:lvl6pPr marL="2286000" algn="l" defTabSz="914400" rtl="0" eaLnBrk="1" latinLnBrk="0" hangingPunct="1">
+    <a:lvl6pPr marL="2286000" algn="l" defTabSz="457200" rtl="0" eaLnBrk="1" latinLnBrk="0" hangingPunct="1">
       <a:defRPr sz="1800" kern="1200">
         <a:solidFill>
           <a:schemeClr val="tx1"/>
@@ -73,7 +86,7 @@
         <a:cs typeface="+mn-cs"/>
       </a:defRPr>
     </a:lvl6pPr>
-    <a:lvl7pPr marL="2743200" algn="l" defTabSz="914400" rtl="0" eaLnBrk="1" latinLnBrk="0" hangingPunct="1">
+    <a:lvl7pPr marL="2743200" algn="l" defTabSz="457200" rtl="0" eaLnBrk="1" latinLnBrk="0" hangingPunct="1">
       <a:defRPr sz="1800" kern="1200">
         <a:solidFill>
           <a:schemeClr val="tx1"/>
@@ -83,7 +96,7 @@
         <a:cs typeface="+mn-cs"/>
       </a:defRPr>
     </a:lvl7pPr>
-    <a:lvl8pPr marL="3200400" algn="l" defTabSz="914400" rtl="0" eaLnBrk="1" latinLnBrk="0" hangingPunct="1">
+    <a:lvl8pPr marL="3200400" algn="l" defTabSz="457200" rtl="0" eaLnBrk="1" latinLnBrk="0" hangingPunct="1">
       <a:defRPr sz="1800" kern="1200">
         <a:solidFill>
           <a:schemeClr val="tx1"/>
@@ -93,7 +106,7 @@
         <a:cs typeface="+mn-cs"/>
       </a:defRPr>
     </a:lvl8pPr>
-    <a:lvl9pPr marL="3657600" algn="l" defTabSz="914400" rtl="0" eaLnBrk="1" latinLnBrk="0" hangingPunct="1">
+    <a:lvl9pPr marL="3657600" algn="l" defTabSz="457200" rtl="0" eaLnBrk="1" latinLnBrk="0" hangingPunct="1">
       <a:defRPr sz="1800" kern="1200">
         <a:solidFill>
           <a:schemeClr val="tx1"/>
@@ -104,7 +117,1236 @@
       </a:defRPr>
     </a:lvl9pPr>
   </p:defaultTextStyle>
+  <p:extLst>
+    <p:ext uri="{EFAFB233-063F-42B5-8137-9DF3F51BA10A}">
+      <p15:sldGuideLst xmlns:p15="http://schemas.microsoft.com/office/powerpoint/2012/main"/>
+    </p:ext>
+  </p:extLst>
 </p:presentation>
+</file>
+
+<file path=ppt/notesMasters/notesMaster1.xml><?xml version="1.0" encoding="utf-8"?>
+<p:notesMaster xmlns:a="http://schemas.openxmlformats.org/drawingml/2006/main" xmlns:r="http://schemas.openxmlformats.org/officeDocument/2006/relationships" xmlns:p="http://schemas.openxmlformats.org/presentationml/2006/main">
+  <p:cSld>
+    <p:bg>
+      <p:bgRef idx="1001">
+        <a:schemeClr val="bg1"/>
+      </p:bgRef>
+    </p:bg>
+    <p:spTree>
+      <p:nvGrpSpPr>
+        <p:cNvPr id="1" name=""/>
+        <p:cNvGrpSpPr/>
+        <p:nvPr/>
+      </p:nvGrpSpPr>
+      <p:grpSpPr>
+        <a:xfrm>
+          <a:off x="0" y="0"/>
+          <a:ext cx="0" cy="0"/>
+          <a:chOff x="0" y="0"/>
+          <a:chExt cx="0" cy="0"/>
+        </a:xfrm>
+      </p:grpSpPr>
+      <p:sp>
+        <p:nvSpPr>
+          <p:cNvPr id="2" name="Espace réservé de l'en-tête 1"/>
+          <p:cNvSpPr>
+            <a:spLocks noGrp="1"/>
+          </p:cNvSpPr>
+          <p:nvPr>
+            <p:ph type="hdr" sz="quarter"/>
+          </p:nvPr>
+        </p:nvSpPr>
+        <p:spPr>
+          <a:xfrm>
+            <a:off x="0" y="0"/>
+            <a:ext cx="2971800" cy="458788"/>
+          </a:xfrm>
+          <a:prstGeom prst="rect">
+            <a:avLst/>
+          </a:prstGeom>
+        </p:spPr>
+        <p:txBody>
+          <a:bodyPr vert="horz" lIns="91440" tIns="45720" rIns="91440" bIns="45720" rtlCol="0"/>
+          <a:lstStyle>
+            <a:lvl1pPr algn="l">
+              <a:defRPr sz="1200"/>
+            </a:lvl1pPr>
+          </a:lstStyle>
+          <a:p>
+            <a:endParaRPr lang="fr-FR"/>
+          </a:p>
+        </p:txBody>
+      </p:sp>
+      <p:sp>
+        <p:nvSpPr>
+          <p:cNvPr id="3" name="Espace réservé de la date 2"/>
+          <p:cNvSpPr>
+            <a:spLocks noGrp="1"/>
+          </p:cNvSpPr>
+          <p:nvPr>
+            <p:ph type="dt" idx="1"/>
+          </p:nvPr>
+        </p:nvSpPr>
+        <p:spPr>
+          <a:xfrm>
+            <a:off x="3884613" y="0"/>
+            <a:ext cx="2971800" cy="458788"/>
+          </a:xfrm>
+          <a:prstGeom prst="rect">
+            <a:avLst/>
+          </a:prstGeom>
+        </p:spPr>
+        <p:txBody>
+          <a:bodyPr vert="horz" lIns="91440" tIns="45720" rIns="91440" bIns="45720" rtlCol="0"/>
+          <a:lstStyle>
+            <a:lvl1pPr algn="r">
+              <a:defRPr sz="1200"/>
+            </a:lvl1pPr>
+          </a:lstStyle>
+          <a:p>
+            <a:fld id="{E6A04A7B-8A66-401A-B137-6B9469FF3979}" type="datetimeFigureOut">
+              <a:rPr lang="fr-FR" smtClean="0"/>
+              <a:t>31/05/2022</a:t>
+            </a:fld>
+            <a:endParaRPr lang="fr-FR"/>
+          </a:p>
+        </p:txBody>
+      </p:sp>
+      <p:sp>
+        <p:nvSpPr>
+          <p:cNvPr id="4" name="Espace réservé de l'image des diapositives 3"/>
+          <p:cNvSpPr>
+            <a:spLocks noGrp="1" noRot="1" noChangeAspect="1"/>
+          </p:cNvSpPr>
+          <p:nvPr>
+            <p:ph type="sldImg" idx="2"/>
+          </p:nvPr>
+        </p:nvSpPr>
+        <p:spPr>
+          <a:xfrm>
+            <a:off x="685800" y="1143000"/>
+            <a:ext cx="5486400" cy="3086100"/>
+          </a:xfrm>
+          <a:prstGeom prst="rect">
+            <a:avLst/>
+          </a:prstGeom>
+          <a:noFill/>
+          <a:ln w="12700">
+            <a:solidFill>
+              <a:prstClr val="black"/>
+            </a:solidFill>
+          </a:ln>
+        </p:spPr>
+        <p:txBody>
+          <a:bodyPr vert="horz" lIns="91440" tIns="45720" rIns="91440" bIns="45720" rtlCol="0" anchor="ctr"/>
+          <a:lstStyle/>
+          <a:p>
+            <a:endParaRPr lang="fr-FR"/>
+          </a:p>
+        </p:txBody>
+      </p:sp>
+      <p:sp>
+        <p:nvSpPr>
+          <p:cNvPr id="5" name="Espace réservé des notes 4"/>
+          <p:cNvSpPr>
+            <a:spLocks noGrp="1"/>
+          </p:cNvSpPr>
+          <p:nvPr>
+            <p:ph type="body" sz="quarter" idx="3"/>
+          </p:nvPr>
+        </p:nvSpPr>
+        <p:spPr>
+          <a:xfrm>
+            <a:off x="685800" y="4400550"/>
+            <a:ext cx="5486400" cy="3600450"/>
+          </a:xfrm>
+          <a:prstGeom prst="rect">
+            <a:avLst/>
+          </a:prstGeom>
+        </p:spPr>
+        <p:txBody>
+          <a:bodyPr vert="horz" lIns="91440" tIns="45720" rIns="91440" bIns="45720" rtlCol="0"/>
+          <a:lstStyle/>
+          <a:p>
+            <a:pPr lvl="0"/>
+            <a:r>
+              <a:rPr lang="fr-FR"/>
+              <a:t>Cliquez pour modifier les styles du texte du masque</a:t>
+            </a:r>
+          </a:p>
+          <a:p>
+            <a:pPr lvl="1"/>
+            <a:r>
+              <a:rPr lang="fr-FR"/>
+              <a:t>Deuxième niveau</a:t>
+            </a:r>
+          </a:p>
+          <a:p>
+            <a:pPr lvl="2"/>
+            <a:r>
+              <a:rPr lang="fr-FR"/>
+              <a:t>Troisième niveau</a:t>
+            </a:r>
+          </a:p>
+          <a:p>
+            <a:pPr lvl="3"/>
+            <a:r>
+              <a:rPr lang="fr-FR"/>
+              <a:t>Quatrième niveau</a:t>
+            </a:r>
+          </a:p>
+          <a:p>
+            <a:pPr lvl="4"/>
+            <a:r>
+              <a:rPr lang="fr-FR"/>
+              <a:t>Cinquième niveau</a:t>
+            </a:r>
+          </a:p>
+        </p:txBody>
+      </p:sp>
+      <p:sp>
+        <p:nvSpPr>
+          <p:cNvPr id="6" name="Espace réservé du pied de page 5"/>
+          <p:cNvSpPr>
+            <a:spLocks noGrp="1"/>
+          </p:cNvSpPr>
+          <p:nvPr>
+            <p:ph type="ftr" sz="quarter" idx="4"/>
+          </p:nvPr>
+        </p:nvSpPr>
+        <p:spPr>
+          <a:xfrm>
+            <a:off x="0" y="8685213"/>
+            <a:ext cx="2971800" cy="458787"/>
+          </a:xfrm>
+          <a:prstGeom prst="rect">
+            <a:avLst/>
+          </a:prstGeom>
+        </p:spPr>
+        <p:txBody>
+          <a:bodyPr vert="horz" lIns="91440" tIns="45720" rIns="91440" bIns="45720" rtlCol="0" anchor="b"/>
+          <a:lstStyle>
+            <a:lvl1pPr algn="l">
+              <a:defRPr sz="1200"/>
+            </a:lvl1pPr>
+          </a:lstStyle>
+          <a:p>
+            <a:endParaRPr lang="fr-FR"/>
+          </a:p>
+        </p:txBody>
+      </p:sp>
+      <p:sp>
+        <p:nvSpPr>
+          <p:cNvPr id="7" name="Espace réservé du numéro de diapositive 6"/>
+          <p:cNvSpPr>
+            <a:spLocks noGrp="1"/>
+          </p:cNvSpPr>
+          <p:nvPr>
+            <p:ph type="sldNum" sz="quarter" idx="5"/>
+          </p:nvPr>
+        </p:nvSpPr>
+        <p:spPr>
+          <a:xfrm>
+            <a:off x="3884613" y="8685213"/>
+            <a:ext cx="2971800" cy="458787"/>
+          </a:xfrm>
+          <a:prstGeom prst="rect">
+            <a:avLst/>
+          </a:prstGeom>
+        </p:spPr>
+        <p:txBody>
+          <a:bodyPr vert="horz" lIns="91440" tIns="45720" rIns="91440" bIns="45720" rtlCol="0" anchor="b"/>
+          <a:lstStyle>
+            <a:lvl1pPr algn="r">
+              <a:defRPr sz="1200"/>
+            </a:lvl1pPr>
+          </a:lstStyle>
+          <a:p>
+            <a:fld id="{99F03A00-06DD-470A-9FF6-82699D062A01}" type="slidenum">
+              <a:rPr lang="fr-FR" smtClean="0"/>
+              <a:t>‹N°›</a:t>
+            </a:fld>
+            <a:endParaRPr lang="fr-FR"/>
+          </a:p>
+        </p:txBody>
+      </p:sp>
+    </p:spTree>
+    <p:extLst>
+      <p:ext uri="{BB962C8B-B14F-4D97-AF65-F5344CB8AC3E}">
+        <p14:creationId xmlns:p14="http://schemas.microsoft.com/office/powerpoint/2010/main" val="4270544858"/>
+      </p:ext>
+    </p:extLst>
+  </p:cSld>
+  <p:clrMap bg1="lt1" tx1="dk1" bg2="lt2" tx2="dk2" accent1="accent1" accent2="accent2" accent3="accent3" accent4="accent4" accent5="accent5" accent6="accent6" hlink="hlink" folHlink="folHlink"/>
+  <p:notesStyle>
+    <a:lvl1pPr marL="0" algn="l" defTabSz="914400" rtl="0" eaLnBrk="1" latinLnBrk="0" hangingPunct="1">
+      <a:defRPr sz="1200" kern="1200">
+        <a:solidFill>
+          <a:schemeClr val="tx1"/>
+        </a:solidFill>
+        <a:latin typeface="+mn-lt"/>
+        <a:ea typeface="+mn-ea"/>
+        <a:cs typeface="+mn-cs"/>
+      </a:defRPr>
+    </a:lvl1pPr>
+    <a:lvl2pPr marL="457200" algn="l" defTabSz="914400" rtl="0" eaLnBrk="1" latinLnBrk="0" hangingPunct="1">
+      <a:defRPr sz="1200" kern="1200">
+        <a:solidFill>
+          <a:schemeClr val="tx1"/>
+        </a:solidFill>
+        <a:latin typeface="+mn-lt"/>
+        <a:ea typeface="+mn-ea"/>
+        <a:cs typeface="+mn-cs"/>
+      </a:defRPr>
+    </a:lvl2pPr>
+    <a:lvl3pPr marL="914400" algn="l" defTabSz="914400" rtl="0" eaLnBrk="1" latinLnBrk="0" hangingPunct="1">
+      <a:defRPr sz="1200" kern="1200">
+        <a:solidFill>
+          <a:schemeClr val="tx1"/>
+        </a:solidFill>
+        <a:latin typeface="+mn-lt"/>
+        <a:ea typeface="+mn-ea"/>
+        <a:cs typeface="+mn-cs"/>
+      </a:defRPr>
+    </a:lvl3pPr>
+    <a:lvl4pPr marL="1371600" algn="l" defTabSz="914400" rtl="0" eaLnBrk="1" latinLnBrk="0" hangingPunct="1">
+      <a:defRPr sz="1200" kern="1200">
+        <a:solidFill>
+          <a:schemeClr val="tx1"/>
+        </a:solidFill>
+        <a:latin typeface="+mn-lt"/>
+        <a:ea typeface="+mn-ea"/>
+        <a:cs typeface="+mn-cs"/>
+      </a:defRPr>
+    </a:lvl4pPr>
+    <a:lvl5pPr marL="1828800" algn="l" defTabSz="914400" rtl="0" eaLnBrk="1" latinLnBrk="0" hangingPunct="1">
+      <a:defRPr sz="1200" kern="1200">
+        <a:solidFill>
+          <a:schemeClr val="tx1"/>
+        </a:solidFill>
+        <a:latin typeface="+mn-lt"/>
+        <a:ea typeface="+mn-ea"/>
+        <a:cs typeface="+mn-cs"/>
+      </a:defRPr>
+    </a:lvl5pPr>
+    <a:lvl6pPr marL="2286000" algn="l" defTabSz="914400" rtl="0" eaLnBrk="1" latinLnBrk="0" hangingPunct="1">
+      <a:defRPr sz="1200" kern="1200">
+        <a:solidFill>
+          <a:schemeClr val="tx1"/>
+        </a:solidFill>
+        <a:latin typeface="+mn-lt"/>
+        <a:ea typeface="+mn-ea"/>
+        <a:cs typeface="+mn-cs"/>
+      </a:defRPr>
+    </a:lvl6pPr>
+    <a:lvl7pPr marL="2743200" algn="l" defTabSz="914400" rtl="0" eaLnBrk="1" latinLnBrk="0" hangingPunct="1">
+      <a:defRPr sz="1200" kern="1200">
+        <a:solidFill>
+          <a:schemeClr val="tx1"/>
+        </a:solidFill>
+        <a:latin typeface="+mn-lt"/>
+        <a:ea typeface="+mn-ea"/>
+        <a:cs typeface="+mn-cs"/>
+      </a:defRPr>
+    </a:lvl7pPr>
+    <a:lvl8pPr marL="3200400" algn="l" defTabSz="914400" rtl="0" eaLnBrk="1" latinLnBrk="0" hangingPunct="1">
+      <a:defRPr sz="1200" kern="1200">
+        <a:solidFill>
+          <a:schemeClr val="tx1"/>
+        </a:solidFill>
+        <a:latin typeface="+mn-lt"/>
+        <a:ea typeface="+mn-ea"/>
+        <a:cs typeface="+mn-cs"/>
+      </a:defRPr>
+    </a:lvl8pPr>
+    <a:lvl9pPr marL="3657600" algn="l" defTabSz="914400" rtl="0" eaLnBrk="1" latinLnBrk="0" hangingPunct="1">
+      <a:defRPr sz="1200" kern="1200">
+        <a:solidFill>
+          <a:schemeClr val="tx1"/>
+        </a:solidFill>
+        <a:latin typeface="+mn-lt"/>
+        <a:ea typeface="+mn-ea"/>
+        <a:cs typeface="+mn-cs"/>
+      </a:defRPr>
+    </a:lvl9pPr>
+  </p:notesStyle>
+</p:notesMaster>
+</file>
+
+<file path=ppt/notesSlides/notesSlide1.xml><?xml version="1.0" encoding="utf-8"?>
+<p:notes xmlns:a="http://schemas.openxmlformats.org/drawingml/2006/main" xmlns:r="http://schemas.openxmlformats.org/officeDocument/2006/relationships" xmlns:p="http://schemas.openxmlformats.org/presentationml/2006/main">
+  <p:cSld>
+    <p:spTree>
+      <p:nvGrpSpPr>
+        <p:cNvPr id="1" name=""/>
+        <p:cNvGrpSpPr/>
+        <p:nvPr/>
+      </p:nvGrpSpPr>
+      <p:grpSpPr>
+        <a:xfrm>
+          <a:off x="0" y="0"/>
+          <a:ext cx="0" cy="0"/>
+          <a:chOff x="0" y="0"/>
+          <a:chExt cx="0" cy="0"/>
+        </a:xfrm>
+      </p:grpSpPr>
+      <p:sp>
+        <p:nvSpPr>
+          <p:cNvPr id="2" name="Espace réservé de l'image des diapositives 1"/>
+          <p:cNvSpPr>
+            <a:spLocks noGrp="1" noRot="1" noChangeAspect="1"/>
+          </p:cNvSpPr>
+          <p:nvPr>
+            <p:ph type="sldImg"/>
+          </p:nvPr>
+        </p:nvSpPr>
+        <p:spPr/>
+      </p:sp>
+      <p:sp>
+        <p:nvSpPr>
+          <p:cNvPr id="3" name="Espace réservé des notes 2"/>
+          <p:cNvSpPr>
+            <a:spLocks noGrp="1"/>
+          </p:cNvSpPr>
+          <p:nvPr>
+            <p:ph type="body" idx="1"/>
+          </p:nvPr>
+        </p:nvSpPr>
+        <p:spPr/>
+        <p:txBody>
+          <a:bodyPr/>
+          <a:lstStyle/>
+          <a:p>
+            <a:r>
+              <a:rPr lang="fr-FR" dirty="0"/>
+              <a:t>Présentation du Projet</a:t>
+            </a:r>
+          </a:p>
+        </p:txBody>
+      </p:sp>
+      <p:sp>
+        <p:nvSpPr>
+          <p:cNvPr id="4" name="Espace réservé du numéro de diapositive 3"/>
+          <p:cNvSpPr>
+            <a:spLocks noGrp="1"/>
+          </p:cNvSpPr>
+          <p:nvPr>
+            <p:ph type="sldNum" sz="quarter" idx="5"/>
+          </p:nvPr>
+        </p:nvSpPr>
+        <p:spPr/>
+        <p:txBody>
+          <a:bodyPr/>
+          <a:lstStyle/>
+          <a:p>
+            <a:fld id="{99F03A00-06DD-470A-9FF6-82699D062A01}" type="slidenum">
+              <a:rPr lang="fr-FR" smtClean="0"/>
+              <a:t>1</a:t>
+            </a:fld>
+            <a:endParaRPr lang="fr-FR"/>
+          </a:p>
+        </p:txBody>
+      </p:sp>
+    </p:spTree>
+    <p:extLst>
+      <p:ext uri="{BB962C8B-B14F-4D97-AF65-F5344CB8AC3E}">
+        <p14:creationId xmlns:p14="http://schemas.microsoft.com/office/powerpoint/2010/main" val="1469949982"/>
+      </p:ext>
+    </p:extLst>
+  </p:cSld>
+  <p:clrMapOvr>
+    <a:masterClrMapping/>
+  </p:clrMapOvr>
+</p:notes>
+</file>
+
+<file path=ppt/notesSlides/notesSlide10.xml><?xml version="1.0" encoding="utf-8"?>
+<p:notes xmlns:a="http://schemas.openxmlformats.org/drawingml/2006/main" xmlns:r="http://schemas.openxmlformats.org/officeDocument/2006/relationships" xmlns:p="http://schemas.openxmlformats.org/presentationml/2006/main">
+  <p:cSld>
+    <p:spTree>
+      <p:nvGrpSpPr>
+        <p:cNvPr id="1" name=""/>
+        <p:cNvGrpSpPr/>
+        <p:nvPr/>
+      </p:nvGrpSpPr>
+      <p:grpSpPr>
+        <a:xfrm>
+          <a:off x="0" y="0"/>
+          <a:ext cx="0" cy="0"/>
+          <a:chOff x="0" y="0"/>
+          <a:chExt cx="0" cy="0"/>
+        </a:xfrm>
+      </p:grpSpPr>
+      <p:sp>
+        <p:nvSpPr>
+          <p:cNvPr id="2" name="Espace réservé de l'image des diapositives 1"/>
+          <p:cNvSpPr>
+            <a:spLocks noGrp="1" noRot="1" noChangeAspect="1"/>
+          </p:cNvSpPr>
+          <p:nvPr>
+            <p:ph type="sldImg"/>
+          </p:nvPr>
+        </p:nvSpPr>
+        <p:spPr/>
+      </p:sp>
+      <p:sp>
+        <p:nvSpPr>
+          <p:cNvPr id="3" name="Espace réservé des notes 2"/>
+          <p:cNvSpPr>
+            <a:spLocks noGrp="1"/>
+          </p:cNvSpPr>
+          <p:nvPr>
+            <p:ph type="body" idx="1"/>
+          </p:nvPr>
+        </p:nvSpPr>
+        <p:spPr/>
+        <p:txBody>
+          <a:bodyPr/>
+          <a:lstStyle/>
+          <a:p>
+            <a:r>
+              <a:rPr lang="fr-FR" dirty="0"/>
+              <a:t>Si le projet été a refaire explication + Apport personnel du projet</a:t>
+            </a:r>
+          </a:p>
+        </p:txBody>
+      </p:sp>
+      <p:sp>
+        <p:nvSpPr>
+          <p:cNvPr id="4" name="Espace réservé du numéro de diapositive 3"/>
+          <p:cNvSpPr>
+            <a:spLocks noGrp="1"/>
+          </p:cNvSpPr>
+          <p:nvPr>
+            <p:ph type="sldNum" sz="quarter" idx="5"/>
+          </p:nvPr>
+        </p:nvSpPr>
+        <p:spPr/>
+        <p:txBody>
+          <a:bodyPr/>
+          <a:lstStyle/>
+          <a:p>
+            <a:fld id="{99F03A00-06DD-470A-9FF6-82699D062A01}" type="slidenum">
+              <a:rPr lang="fr-FR" smtClean="0"/>
+              <a:t>11</a:t>
+            </a:fld>
+            <a:endParaRPr lang="fr-FR"/>
+          </a:p>
+        </p:txBody>
+      </p:sp>
+    </p:spTree>
+    <p:extLst>
+      <p:ext uri="{BB962C8B-B14F-4D97-AF65-F5344CB8AC3E}">
+        <p14:creationId xmlns:p14="http://schemas.microsoft.com/office/powerpoint/2010/main" val="2683063371"/>
+      </p:ext>
+    </p:extLst>
+  </p:cSld>
+  <p:clrMapOvr>
+    <a:masterClrMapping/>
+  </p:clrMapOvr>
+</p:notes>
+</file>
+
+<file path=ppt/notesSlides/notesSlide2.xml><?xml version="1.0" encoding="utf-8"?>
+<p:notes xmlns:a="http://schemas.openxmlformats.org/drawingml/2006/main" xmlns:r="http://schemas.openxmlformats.org/officeDocument/2006/relationships" xmlns:p="http://schemas.openxmlformats.org/presentationml/2006/main">
+  <p:cSld>
+    <p:spTree>
+      <p:nvGrpSpPr>
+        <p:cNvPr id="1" name=""/>
+        <p:cNvGrpSpPr/>
+        <p:nvPr/>
+      </p:nvGrpSpPr>
+      <p:grpSpPr>
+        <a:xfrm>
+          <a:off x="0" y="0"/>
+          <a:ext cx="0" cy="0"/>
+          <a:chOff x="0" y="0"/>
+          <a:chExt cx="0" cy="0"/>
+        </a:xfrm>
+      </p:grpSpPr>
+      <p:sp>
+        <p:nvSpPr>
+          <p:cNvPr id="2" name="Espace réservé de l'image des diapositives 1"/>
+          <p:cNvSpPr>
+            <a:spLocks noGrp="1" noRot="1" noChangeAspect="1"/>
+          </p:cNvSpPr>
+          <p:nvPr>
+            <p:ph type="sldImg"/>
+          </p:nvPr>
+        </p:nvSpPr>
+        <p:spPr/>
+      </p:sp>
+      <p:sp>
+        <p:nvSpPr>
+          <p:cNvPr id="3" name="Espace réservé des notes 2"/>
+          <p:cNvSpPr>
+            <a:spLocks noGrp="1"/>
+          </p:cNvSpPr>
+          <p:nvPr>
+            <p:ph type="body" idx="1"/>
+          </p:nvPr>
+        </p:nvSpPr>
+        <p:spPr/>
+        <p:txBody>
+          <a:bodyPr/>
+          <a:lstStyle/>
+          <a:p>
+            <a:r>
+              <a:rPr lang="fr-FR" dirty="0"/>
+              <a:t>Principe du fonctionnement du projet explication sur schéma</a:t>
+            </a:r>
+          </a:p>
+        </p:txBody>
+      </p:sp>
+      <p:sp>
+        <p:nvSpPr>
+          <p:cNvPr id="4" name="Espace réservé du numéro de diapositive 3"/>
+          <p:cNvSpPr>
+            <a:spLocks noGrp="1"/>
+          </p:cNvSpPr>
+          <p:nvPr>
+            <p:ph type="sldNum" sz="quarter" idx="5"/>
+          </p:nvPr>
+        </p:nvSpPr>
+        <p:spPr/>
+        <p:txBody>
+          <a:bodyPr/>
+          <a:lstStyle/>
+          <a:p>
+            <a:fld id="{99F03A00-06DD-470A-9FF6-82699D062A01}" type="slidenum">
+              <a:rPr lang="fr-FR" smtClean="0"/>
+              <a:t>3</a:t>
+            </a:fld>
+            <a:endParaRPr lang="fr-FR"/>
+          </a:p>
+        </p:txBody>
+      </p:sp>
+    </p:spTree>
+    <p:extLst>
+      <p:ext uri="{BB962C8B-B14F-4D97-AF65-F5344CB8AC3E}">
+        <p14:creationId xmlns:p14="http://schemas.microsoft.com/office/powerpoint/2010/main" val="3818908133"/>
+      </p:ext>
+    </p:extLst>
+  </p:cSld>
+  <p:clrMapOvr>
+    <a:masterClrMapping/>
+  </p:clrMapOvr>
+</p:notes>
+</file>
+
+<file path=ppt/notesSlides/notesSlide3.xml><?xml version="1.0" encoding="utf-8"?>
+<p:notes xmlns:a="http://schemas.openxmlformats.org/drawingml/2006/main" xmlns:r="http://schemas.openxmlformats.org/officeDocument/2006/relationships" xmlns:p="http://schemas.openxmlformats.org/presentationml/2006/main">
+  <p:cSld>
+    <p:spTree>
+      <p:nvGrpSpPr>
+        <p:cNvPr id="1" name=""/>
+        <p:cNvGrpSpPr/>
+        <p:nvPr/>
+      </p:nvGrpSpPr>
+      <p:grpSpPr>
+        <a:xfrm>
+          <a:off x="0" y="0"/>
+          <a:ext cx="0" cy="0"/>
+          <a:chOff x="0" y="0"/>
+          <a:chExt cx="0" cy="0"/>
+        </a:xfrm>
+      </p:grpSpPr>
+      <p:sp>
+        <p:nvSpPr>
+          <p:cNvPr id="2" name="Espace réservé de l'image des diapositives 1"/>
+          <p:cNvSpPr>
+            <a:spLocks noGrp="1" noRot="1" noChangeAspect="1"/>
+          </p:cNvSpPr>
+          <p:nvPr>
+            <p:ph type="sldImg"/>
+          </p:nvPr>
+        </p:nvSpPr>
+        <p:spPr/>
+      </p:sp>
+      <p:sp>
+        <p:nvSpPr>
+          <p:cNvPr id="3" name="Espace réservé des notes 2"/>
+          <p:cNvSpPr>
+            <a:spLocks noGrp="1"/>
+          </p:cNvSpPr>
+          <p:nvPr>
+            <p:ph type="body" idx="1"/>
+          </p:nvPr>
+        </p:nvSpPr>
+        <p:spPr/>
+        <p:txBody>
+          <a:bodyPr/>
+          <a:lstStyle/>
+          <a:p>
+            <a:r>
+              <a:rPr lang="fr-FR" dirty="0"/>
+              <a:t>Partie physique du projet détaillé</a:t>
+            </a:r>
+          </a:p>
+        </p:txBody>
+      </p:sp>
+      <p:sp>
+        <p:nvSpPr>
+          <p:cNvPr id="4" name="Espace réservé du numéro de diapositive 3"/>
+          <p:cNvSpPr>
+            <a:spLocks noGrp="1"/>
+          </p:cNvSpPr>
+          <p:nvPr>
+            <p:ph type="sldNum" sz="quarter" idx="5"/>
+          </p:nvPr>
+        </p:nvSpPr>
+        <p:spPr/>
+        <p:txBody>
+          <a:bodyPr/>
+          <a:lstStyle/>
+          <a:p>
+            <a:fld id="{99F03A00-06DD-470A-9FF6-82699D062A01}" type="slidenum">
+              <a:rPr lang="fr-FR" smtClean="0"/>
+              <a:t>4</a:t>
+            </a:fld>
+            <a:endParaRPr lang="fr-FR"/>
+          </a:p>
+        </p:txBody>
+      </p:sp>
+    </p:spTree>
+    <p:extLst>
+      <p:ext uri="{BB962C8B-B14F-4D97-AF65-F5344CB8AC3E}">
+        <p14:creationId xmlns:p14="http://schemas.microsoft.com/office/powerpoint/2010/main" val="2480438327"/>
+      </p:ext>
+    </p:extLst>
+  </p:cSld>
+  <p:clrMapOvr>
+    <a:masterClrMapping/>
+  </p:clrMapOvr>
+</p:notes>
+</file>
+
+<file path=ppt/notesSlides/notesSlide4.xml><?xml version="1.0" encoding="utf-8"?>
+<p:notes xmlns:a="http://schemas.openxmlformats.org/drawingml/2006/main" xmlns:r="http://schemas.openxmlformats.org/officeDocument/2006/relationships" xmlns:p="http://schemas.openxmlformats.org/presentationml/2006/main">
+  <p:cSld>
+    <p:spTree>
+      <p:nvGrpSpPr>
+        <p:cNvPr id="1" name=""/>
+        <p:cNvGrpSpPr/>
+        <p:nvPr/>
+      </p:nvGrpSpPr>
+      <p:grpSpPr>
+        <a:xfrm>
+          <a:off x="0" y="0"/>
+          <a:ext cx="0" cy="0"/>
+          <a:chOff x="0" y="0"/>
+          <a:chExt cx="0" cy="0"/>
+        </a:xfrm>
+      </p:grpSpPr>
+      <p:sp>
+        <p:nvSpPr>
+          <p:cNvPr id="2" name="Espace réservé de l'image des diapositives 1"/>
+          <p:cNvSpPr>
+            <a:spLocks noGrp="1" noRot="1" noChangeAspect="1"/>
+          </p:cNvSpPr>
+          <p:nvPr>
+            <p:ph type="sldImg"/>
+          </p:nvPr>
+        </p:nvSpPr>
+        <p:spPr/>
+      </p:sp>
+      <p:sp>
+        <p:nvSpPr>
+          <p:cNvPr id="3" name="Espace réservé des notes 2"/>
+          <p:cNvSpPr>
+            <a:spLocks noGrp="1"/>
+          </p:cNvSpPr>
+          <p:nvPr>
+            <p:ph type="body" idx="1"/>
+          </p:nvPr>
+        </p:nvSpPr>
+        <p:spPr/>
+        <p:txBody>
+          <a:bodyPr/>
+          <a:lstStyle/>
+          <a:p>
+            <a:r>
+              <a:rPr lang="fr-FR" dirty="0"/>
+              <a:t>Choix des composants + Explication Potentiomètre qui simule les pompes</a:t>
+            </a:r>
+          </a:p>
+        </p:txBody>
+      </p:sp>
+      <p:sp>
+        <p:nvSpPr>
+          <p:cNvPr id="4" name="Espace réservé du numéro de diapositive 3"/>
+          <p:cNvSpPr>
+            <a:spLocks noGrp="1"/>
+          </p:cNvSpPr>
+          <p:nvPr>
+            <p:ph type="sldNum" sz="quarter" idx="5"/>
+          </p:nvPr>
+        </p:nvSpPr>
+        <p:spPr/>
+        <p:txBody>
+          <a:bodyPr/>
+          <a:lstStyle/>
+          <a:p>
+            <a:fld id="{99F03A00-06DD-470A-9FF6-82699D062A01}" type="slidenum">
+              <a:rPr lang="fr-FR" smtClean="0"/>
+              <a:t>5</a:t>
+            </a:fld>
+            <a:endParaRPr lang="fr-FR"/>
+          </a:p>
+        </p:txBody>
+      </p:sp>
+    </p:spTree>
+    <p:extLst>
+      <p:ext uri="{BB962C8B-B14F-4D97-AF65-F5344CB8AC3E}">
+        <p14:creationId xmlns:p14="http://schemas.microsoft.com/office/powerpoint/2010/main" val="2095333980"/>
+      </p:ext>
+    </p:extLst>
+  </p:cSld>
+  <p:clrMapOvr>
+    <a:masterClrMapping/>
+  </p:clrMapOvr>
+</p:notes>
+</file>
+
+<file path=ppt/notesSlides/notesSlide5.xml><?xml version="1.0" encoding="utf-8"?>
+<p:notes xmlns:a="http://schemas.openxmlformats.org/drawingml/2006/main" xmlns:r="http://schemas.openxmlformats.org/officeDocument/2006/relationships" xmlns:p="http://schemas.openxmlformats.org/presentationml/2006/main">
+  <p:cSld>
+    <p:spTree>
+      <p:nvGrpSpPr>
+        <p:cNvPr id="1" name=""/>
+        <p:cNvGrpSpPr/>
+        <p:nvPr/>
+      </p:nvGrpSpPr>
+      <p:grpSpPr>
+        <a:xfrm>
+          <a:off x="0" y="0"/>
+          <a:ext cx="0" cy="0"/>
+          <a:chOff x="0" y="0"/>
+          <a:chExt cx="0" cy="0"/>
+        </a:xfrm>
+      </p:grpSpPr>
+      <p:sp>
+        <p:nvSpPr>
+          <p:cNvPr id="2" name="Espace réservé de l'image des diapositives 1"/>
+          <p:cNvSpPr>
+            <a:spLocks noGrp="1" noRot="1" noChangeAspect="1"/>
+          </p:cNvSpPr>
+          <p:nvPr>
+            <p:ph type="sldImg"/>
+          </p:nvPr>
+        </p:nvSpPr>
+        <p:spPr/>
+      </p:sp>
+      <p:sp>
+        <p:nvSpPr>
+          <p:cNvPr id="3" name="Espace réservé des notes 2"/>
+          <p:cNvSpPr>
+            <a:spLocks noGrp="1"/>
+          </p:cNvSpPr>
+          <p:nvPr>
+            <p:ph type="body" idx="1"/>
+          </p:nvPr>
+        </p:nvSpPr>
+        <p:spPr/>
+        <p:txBody>
+          <a:bodyPr/>
+          <a:lstStyle/>
+          <a:p>
+            <a:r>
+              <a:rPr lang="fr-FR" dirty="0"/>
+              <a:t>Photo + Explication des branchement</a:t>
+            </a:r>
+          </a:p>
+        </p:txBody>
+      </p:sp>
+      <p:sp>
+        <p:nvSpPr>
+          <p:cNvPr id="4" name="Espace réservé du numéro de diapositive 3"/>
+          <p:cNvSpPr>
+            <a:spLocks noGrp="1"/>
+          </p:cNvSpPr>
+          <p:nvPr>
+            <p:ph type="sldNum" sz="quarter" idx="5"/>
+          </p:nvPr>
+        </p:nvSpPr>
+        <p:spPr/>
+        <p:txBody>
+          <a:bodyPr/>
+          <a:lstStyle/>
+          <a:p>
+            <a:fld id="{99F03A00-06DD-470A-9FF6-82699D062A01}" type="slidenum">
+              <a:rPr lang="fr-FR" smtClean="0"/>
+              <a:t>6</a:t>
+            </a:fld>
+            <a:endParaRPr lang="fr-FR"/>
+          </a:p>
+        </p:txBody>
+      </p:sp>
+    </p:spTree>
+    <p:extLst>
+      <p:ext uri="{BB962C8B-B14F-4D97-AF65-F5344CB8AC3E}">
+        <p14:creationId xmlns:p14="http://schemas.microsoft.com/office/powerpoint/2010/main" val="2626851980"/>
+      </p:ext>
+    </p:extLst>
+  </p:cSld>
+  <p:clrMapOvr>
+    <a:masterClrMapping/>
+  </p:clrMapOvr>
+</p:notes>
+</file>
+
+<file path=ppt/notesSlides/notesSlide6.xml><?xml version="1.0" encoding="utf-8"?>
+<p:notes xmlns:a="http://schemas.openxmlformats.org/drawingml/2006/main" xmlns:r="http://schemas.openxmlformats.org/officeDocument/2006/relationships" xmlns:p="http://schemas.openxmlformats.org/presentationml/2006/main">
+  <p:cSld>
+    <p:spTree>
+      <p:nvGrpSpPr>
+        <p:cNvPr id="1" name=""/>
+        <p:cNvGrpSpPr/>
+        <p:nvPr/>
+      </p:nvGrpSpPr>
+      <p:grpSpPr>
+        <a:xfrm>
+          <a:off x="0" y="0"/>
+          <a:ext cx="0" cy="0"/>
+          <a:chOff x="0" y="0"/>
+          <a:chExt cx="0" cy="0"/>
+        </a:xfrm>
+      </p:grpSpPr>
+      <p:sp>
+        <p:nvSpPr>
+          <p:cNvPr id="2" name="Espace réservé de l'image des diapositives 1"/>
+          <p:cNvSpPr>
+            <a:spLocks noGrp="1" noRot="1" noChangeAspect="1"/>
+          </p:cNvSpPr>
+          <p:nvPr>
+            <p:ph type="sldImg"/>
+          </p:nvPr>
+        </p:nvSpPr>
+        <p:spPr/>
+      </p:sp>
+      <p:sp>
+        <p:nvSpPr>
+          <p:cNvPr id="3" name="Espace réservé des notes 2"/>
+          <p:cNvSpPr>
+            <a:spLocks noGrp="1"/>
+          </p:cNvSpPr>
+          <p:nvPr>
+            <p:ph type="body" idx="1"/>
+          </p:nvPr>
+        </p:nvSpPr>
+        <p:spPr/>
+        <p:txBody>
+          <a:bodyPr/>
+          <a:lstStyle/>
+          <a:p>
+            <a:r>
+              <a:rPr lang="fr-FR" dirty="0"/>
+              <a:t>Explication de la fonctionnalité</a:t>
+            </a:r>
+          </a:p>
+        </p:txBody>
+      </p:sp>
+      <p:sp>
+        <p:nvSpPr>
+          <p:cNvPr id="4" name="Espace réservé du numéro de diapositive 3"/>
+          <p:cNvSpPr>
+            <a:spLocks noGrp="1"/>
+          </p:cNvSpPr>
+          <p:nvPr>
+            <p:ph type="sldNum" sz="quarter" idx="5"/>
+          </p:nvPr>
+        </p:nvSpPr>
+        <p:spPr/>
+        <p:txBody>
+          <a:bodyPr/>
+          <a:lstStyle/>
+          <a:p>
+            <a:fld id="{99F03A00-06DD-470A-9FF6-82699D062A01}" type="slidenum">
+              <a:rPr lang="fr-FR" smtClean="0"/>
+              <a:t>7</a:t>
+            </a:fld>
+            <a:endParaRPr lang="fr-FR"/>
+          </a:p>
+        </p:txBody>
+      </p:sp>
+    </p:spTree>
+    <p:extLst>
+      <p:ext uri="{BB962C8B-B14F-4D97-AF65-F5344CB8AC3E}">
+        <p14:creationId xmlns:p14="http://schemas.microsoft.com/office/powerpoint/2010/main" val="3192396730"/>
+      </p:ext>
+    </p:extLst>
+  </p:cSld>
+  <p:clrMapOvr>
+    <a:masterClrMapping/>
+  </p:clrMapOvr>
+</p:notes>
+</file>
+
+<file path=ppt/notesSlides/notesSlide7.xml><?xml version="1.0" encoding="utf-8"?>
+<p:notes xmlns:a="http://schemas.openxmlformats.org/drawingml/2006/main" xmlns:r="http://schemas.openxmlformats.org/officeDocument/2006/relationships" xmlns:p="http://schemas.openxmlformats.org/presentationml/2006/main">
+  <p:cSld>
+    <p:spTree>
+      <p:nvGrpSpPr>
+        <p:cNvPr id="1" name=""/>
+        <p:cNvGrpSpPr/>
+        <p:nvPr/>
+      </p:nvGrpSpPr>
+      <p:grpSpPr>
+        <a:xfrm>
+          <a:off x="0" y="0"/>
+          <a:ext cx="0" cy="0"/>
+          <a:chOff x="0" y="0"/>
+          <a:chExt cx="0" cy="0"/>
+        </a:xfrm>
+      </p:grpSpPr>
+      <p:sp>
+        <p:nvSpPr>
+          <p:cNvPr id="2" name="Espace réservé de l'image des diapositives 1"/>
+          <p:cNvSpPr>
+            <a:spLocks noGrp="1" noRot="1" noChangeAspect="1"/>
+          </p:cNvSpPr>
+          <p:nvPr>
+            <p:ph type="sldImg"/>
+          </p:nvPr>
+        </p:nvSpPr>
+        <p:spPr/>
+      </p:sp>
+      <p:sp>
+        <p:nvSpPr>
+          <p:cNvPr id="3" name="Espace réservé des notes 2"/>
+          <p:cNvSpPr>
+            <a:spLocks noGrp="1"/>
+          </p:cNvSpPr>
+          <p:nvPr>
+            <p:ph type="body" idx="1"/>
+          </p:nvPr>
+        </p:nvSpPr>
+        <p:spPr/>
+        <p:txBody>
+          <a:bodyPr/>
+          <a:lstStyle/>
+          <a:p>
+            <a:r>
+              <a:rPr lang="fr-FR" dirty="0"/>
+              <a:t>Explication du code côté client</a:t>
+            </a:r>
+          </a:p>
+        </p:txBody>
+      </p:sp>
+      <p:sp>
+        <p:nvSpPr>
+          <p:cNvPr id="4" name="Espace réservé du numéro de diapositive 3"/>
+          <p:cNvSpPr>
+            <a:spLocks noGrp="1"/>
+          </p:cNvSpPr>
+          <p:nvPr>
+            <p:ph type="sldNum" sz="quarter" idx="5"/>
+          </p:nvPr>
+        </p:nvSpPr>
+        <p:spPr/>
+        <p:txBody>
+          <a:bodyPr/>
+          <a:lstStyle/>
+          <a:p>
+            <a:fld id="{99F03A00-06DD-470A-9FF6-82699D062A01}" type="slidenum">
+              <a:rPr lang="fr-FR" smtClean="0"/>
+              <a:t>8</a:t>
+            </a:fld>
+            <a:endParaRPr lang="fr-FR"/>
+          </a:p>
+        </p:txBody>
+      </p:sp>
+    </p:spTree>
+    <p:extLst>
+      <p:ext uri="{BB962C8B-B14F-4D97-AF65-F5344CB8AC3E}">
+        <p14:creationId xmlns:p14="http://schemas.microsoft.com/office/powerpoint/2010/main" val="1863844886"/>
+      </p:ext>
+    </p:extLst>
+  </p:cSld>
+  <p:clrMapOvr>
+    <a:masterClrMapping/>
+  </p:clrMapOvr>
+</p:notes>
+</file>
+
+<file path=ppt/notesSlides/notesSlide8.xml><?xml version="1.0" encoding="utf-8"?>
+<p:notes xmlns:a="http://schemas.openxmlformats.org/drawingml/2006/main" xmlns:r="http://schemas.openxmlformats.org/officeDocument/2006/relationships" xmlns:p="http://schemas.openxmlformats.org/presentationml/2006/main">
+  <p:cSld>
+    <p:spTree>
+      <p:nvGrpSpPr>
+        <p:cNvPr id="1" name=""/>
+        <p:cNvGrpSpPr/>
+        <p:nvPr/>
+      </p:nvGrpSpPr>
+      <p:grpSpPr>
+        <a:xfrm>
+          <a:off x="0" y="0"/>
+          <a:ext cx="0" cy="0"/>
+          <a:chOff x="0" y="0"/>
+          <a:chExt cx="0" cy="0"/>
+        </a:xfrm>
+      </p:grpSpPr>
+      <p:sp>
+        <p:nvSpPr>
+          <p:cNvPr id="2" name="Espace réservé de l'image des diapositives 1"/>
+          <p:cNvSpPr>
+            <a:spLocks noGrp="1" noRot="1" noChangeAspect="1"/>
+          </p:cNvSpPr>
+          <p:nvPr>
+            <p:ph type="sldImg"/>
+          </p:nvPr>
+        </p:nvSpPr>
+        <p:spPr/>
+      </p:sp>
+      <p:sp>
+        <p:nvSpPr>
+          <p:cNvPr id="3" name="Espace réservé des notes 2"/>
+          <p:cNvSpPr>
+            <a:spLocks noGrp="1"/>
+          </p:cNvSpPr>
+          <p:nvPr>
+            <p:ph type="body" idx="1"/>
+          </p:nvPr>
+        </p:nvSpPr>
+        <p:spPr/>
+        <p:txBody>
+          <a:bodyPr/>
+          <a:lstStyle/>
+          <a:p>
+            <a:r>
+              <a:rPr lang="fr-FR" dirty="0"/>
+              <a:t>Explication du code côté serveur </a:t>
+            </a:r>
+            <a:r>
+              <a:rPr lang="fr-FR" dirty="0" err="1"/>
+              <a:t>NodeJs</a:t>
+            </a:r>
+            <a:endParaRPr lang="fr-FR" dirty="0"/>
+          </a:p>
+        </p:txBody>
+      </p:sp>
+      <p:sp>
+        <p:nvSpPr>
+          <p:cNvPr id="4" name="Espace réservé du numéro de diapositive 3"/>
+          <p:cNvSpPr>
+            <a:spLocks noGrp="1"/>
+          </p:cNvSpPr>
+          <p:nvPr>
+            <p:ph type="sldNum" sz="quarter" idx="5"/>
+          </p:nvPr>
+        </p:nvSpPr>
+        <p:spPr/>
+        <p:txBody>
+          <a:bodyPr/>
+          <a:lstStyle/>
+          <a:p>
+            <a:fld id="{99F03A00-06DD-470A-9FF6-82699D062A01}" type="slidenum">
+              <a:rPr lang="fr-FR" smtClean="0"/>
+              <a:t>9</a:t>
+            </a:fld>
+            <a:endParaRPr lang="fr-FR"/>
+          </a:p>
+        </p:txBody>
+      </p:sp>
+    </p:spTree>
+    <p:extLst>
+      <p:ext uri="{BB962C8B-B14F-4D97-AF65-F5344CB8AC3E}">
+        <p14:creationId xmlns:p14="http://schemas.microsoft.com/office/powerpoint/2010/main" val="3949198579"/>
+      </p:ext>
+    </p:extLst>
+  </p:cSld>
+  <p:clrMapOvr>
+    <a:masterClrMapping/>
+  </p:clrMapOvr>
+</p:notes>
+</file>
+
+<file path=ppt/notesSlides/notesSlide9.xml><?xml version="1.0" encoding="utf-8"?>
+<p:notes xmlns:a="http://schemas.openxmlformats.org/drawingml/2006/main" xmlns:r="http://schemas.openxmlformats.org/officeDocument/2006/relationships" xmlns:p="http://schemas.openxmlformats.org/presentationml/2006/main">
+  <p:cSld>
+    <p:spTree>
+      <p:nvGrpSpPr>
+        <p:cNvPr id="1" name=""/>
+        <p:cNvGrpSpPr/>
+        <p:nvPr/>
+      </p:nvGrpSpPr>
+      <p:grpSpPr>
+        <a:xfrm>
+          <a:off x="0" y="0"/>
+          <a:ext cx="0" cy="0"/>
+          <a:chOff x="0" y="0"/>
+          <a:chExt cx="0" cy="0"/>
+        </a:xfrm>
+      </p:grpSpPr>
+      <p:sp>
+        <p:nvSpPr>
+          <p:cNvPr id="2" name="Espace réservé de l'image des diapositives 1"/>
+          <p:cNvSpPr>
+            <a:spLocks noGrp="1" noRot="1" noChangeAspect="1"/>
+          </p:cNvSpPr>
+          <p:nvPr>
+            <p:ph type="sldImg"/>
+          </p:nvPr>
+        </p:nvSpPr>
+        <p:spPr/>
+      </p:sp>
+      <p:sp>
+        <p:nvSpPr>
+          <p:cNvPr id="3" name="Espace réservé des notes 2"/>
+          <p:cNvSpPr>
+            <a:spLocks noGrp="1"/>
+          </p:cNvSpPr>
+          <p:nvPr>
+            <p:ph type="body" idx="1"/>
+          </p:nvPr>
+        </p:nvSpPr>
+        <p:spPr/>
+        <p:txBody>
+          <a:bodyPr/>
+          <a:lstStyle/>
+          <a:p>
+            <a:r>
+              <a:rPr lang="fr-FR" dirty="0"/>
+              <a:t>Explication Middleware</a:t>
+            </a:r>
+          </a:p>
+        </p:txBody>
+      </p:sp>
+      <p:sp>
+        <p:nvSpPr>
+          <p:cNvPr id="4" name="Espace réservé du numéro de diapositive 3"/>
+          <p:cNvSpPr>
+            <a:spLocks noGrp="1"/>
+          </p:cNvSpPr>
+          <p:nvPr>
+            <p:ph type="sldNum" sz="quarter" idx="5"/>
+          </p:nvPr>
+        </p:nvSpPr>
+        <p:spPr/>
+        <p:txBody>
+          <a:bodyPr/>
+          <a:lstStyle/>
+          <a:p>
+            <a:fld id="{99F03A00-06DD-470A-9FF6-82699D062A01}" type="slidenum">
+              <a:rPr lang="fr-FR" smtClean="0"/>
+              <a:t>10</a:t>
+            </a:fld>
+            <a:endParaRPr lang="fr-FR"/>
+          </a:p>
+        </p:txBody>
+      </p:sp>
+    </p:spTree>
+    <p:extLst>
+      <p:ext uri="{BB962C8B-B14F-4D97-AF65-F5344CB8AC3E}">
+        <p14:creationId xmlns:p14="http://schemas.microsoft.com/office/powerpoint/2010/main" val="4131530655"/>
+      </p:ext>
+    </p:extLst>
+  </p:cSld>
+  <p:clrMapOvr>
+    <a:masterClrMapping/>
+  </p:clrMapOvr>
+</p:notes>
 </file>
 
 <file path=ppt/slideLayouts/slideLayout1.xml><?xml version="1.0" encoding="utf-8"?>
@@ -126,13 +1368,111 @@
       </p:grpSpPr>
       <p:sp>
         <p:nvSpPr>
-          <p:cNvPr id="2" name="Titre 1">
-            <a:extLst>
-              <a:ext uri="{FF2B5EF4-FFF2-40B4-BE49-F238E27FC236}">
-                <a16:creationId xmlns:a16="http://schemas.microsoft.com/office/drawing/2014/main" id="{09651028-1A75-5D70-E1CB-1435A97F62E3}"/>
-              </a:ext>
-            </a:extLst>
-          </p:cNvPr>
+          <p:cNvPr id="11" name="Freeform 6"/>
+          <p:cNvSpPr/>
+          <p:nvPr/>
+        </p:nvSpPr>
+        <p:spPr bwMode="auto">
+          <a:xfrm>
+            <a:off x="0" y="-3175"/>
+            <a:ext cx="12192000" cy="5203825"/>
+          </a:xfrm>
+          <a:custGeom>
+            <a:avLst/>
+            <a:gdLst/>
+            <a:ahLst/>
+            <a:cxnLst/>
+            <a:rect l="0" t="0" r="r" b="b"/>
+            <a:pathLst>
+              <a:path w="5760" h="3278">
+                <a:moveTo>
+                  <a:pt x="5760" y="0"/>
+                </a:moveTo>
+                <a:lnTo>
+                  <a:pt x="0" y="0"/>
+                </a:lnTo>
+                <a:lnTo>
+                  <a:pt x="0" y="3090"/>
+                </a:lnTo>
+                <a:lnTo>
+                  <a:pt x="943" y="3090"/>
+                </a:lnTo>
+                <a:lnTo>
+                  <a:pt x="1123" y="3270"/>
+                </a:lnTo>
+                <a:lnTo>
+                  <a:pt x="1123" y="3270"/>
+                </a:lnTo>
+                <a:lnTo>
+                  <a:pt x="1127" y="3272"/>
+                </a:lnTo>
+                <a:lnTo>
+                  <a:pt x="1133" y="3275"/>
+                </a:lnTo>
+                <a:lnTo>
+                  <a:pt x="1139" y="3278"/>
+                </a:lnTo>
+                <a:lnTo>
+                  <a:pt x="1144" y="3278"/>
+                </a:lnTo>
+                <a:lnTo>
+                  <a:pt x="1150" y="3278"/>
+                </a:lnTo>
+                <a:lnTo>
+                  <a:pt x="1155" y="3275"/>
+                </a:lnTo>
+                <a:lnTo>
+                  <a:pt x="1161" y="3272"/>
+                </a:lnTo>
+                <a:lnTo>
+                  <a:pt x="1165" y="3270"/>
+                </a:lnTo>
+                <a:lnTo>
+                  <a:pt x="1345" y="3090"/>
+                </a:lnTo>
+                <a:lnTo>
+                  <a:pt x="5760" y="3090"/>
+                </a:lnTo>
+                <a:lnTo>
+                  <a:pt x="5760" y="0"/>
+                </a:lnTo>
+                <a:close/>
+              </a:path>
+            </a:pathLst>
+          </a:custGeom>
+          <a:ln/>
+          <a:effectLst/>
+          <a:extLst>
+            <a:ext uri="{91240B29-F687-4f45-9708-019B960494DF}">
+              <a14:hiddenLine xmlns="" xmlns:a14="http://schemas.microsoft.com/office/drawing/2010/main" w="9525">
+                <a:solidFill>
+                  <a:srgbClr val="000000"/>
+                </a:solidFill>
+                <a:round/>
+                <a:headEnd/>
+                <a:tailEnd/>
+              </a14:hiddenLine>
+            </a:ext>
+          </a:extLst>
+        </p:spPr>
+        <p:style>
+          <a:lnRef idx="1">
+            <a:schemeClr val="accent1"/>
+          </a:lnRef>
+          <a:fillRef idx="3">
+            <a:schemeClr val="accent1"/>
+          </a:fillRef>
+          <a:effectRef idx="2">
+            <a:schemeClr val="accent1"/>
+          </a:effectRef>
+          <a:fontRef idx="minor">
+            <a:schemeClr val="lt1"/>
+          </a:fontRef>
+        </p:style>
+      </p:sp>
+      <p:sp>
+        <p:nvSpPr>
+          <p:cNvPr id="2" name="Title 1"/>
           <p:cNvSpPr>
             <a:spLocks noGrp="1"/>
           </p:cNvSpPr>
@@ -142,15 +1482,15 @@
         </p:nvSpPr>
         <p:spPr>
           <a:xfrm>
-            <a:off x="1524000" y="1122363"/>
-            <a:ext cx="9144000" cy="2387600"/>
+            <a:off x="810001" y="1449147"/>
+            <a:ext cx="10572000" cy="2971051"/>
           </a:xfrm>
         </p:spPr>
         <p:txBody>
-          <a:bodyPr anchor="b"/>
+          <a:bodyPr/>
           <a:lstStyle>
-            <a:lvl1pPr algn="ctr">
-              <a:defRPr sz="6000"/>
+            <a:lvl1pPr>
+              <a:defRPr sz="5400"/>
             </a:lvl1pPr>
           </a:lstStyle>
           <a:p>
@@ -158,18 +1498,13 @@
               <a:rPr lang="fr-FR"/>
               <a:t>Modifiez le style du titre</a:t>
             </a:r>
-          </a:p>
-        </p:txBody>
-      </p:sp>
-      <p:sp>
-        <p:nvSpPr>
-          <p:cNvPr id="3" name="Sous-titre 2">
-            <a:extLst>
-              <a:ext uri="{FF2B5EF4-FFF2-40B4-BE49-F238E27FC236}">
-                <a16:creationId xmlns:a16="http://schemas.microsoft.com/office/drawing/2014/main" id="{2CB0AA18-1D83-76F1-E2CD-69E9B72BB1EA}"/>
-              </a:ext>
-            </a:extLst>
-          </p:cNvPr>
+            <a:endParaRPr lang="en-US" dirty="0"/>
+          </a:p>
+        </p:txBody>
+      </p:sp>
+      <p:sp>
+        <p:nvSpPr>
+          <p:cNvPr id="3" name="Subtitle 2"/>
           <p:cNvSpPr>
             <a:spLocks noGrp="1"/>
           </p:cNvSpPr>
@@ -179,48 +1514,100 @@
         </p:nvSpPr>
         <p:spPr>
           <a:xfrm>
-            <a:off x="1524000" y="3602038"/>
-            <a:ext cx="9144000" cy="1655762"/>
+            <a:off x="810001" y="5280847"/>
+            <a:ext cx="10572000" cy="434974"/>
           </a:xfrm>
         </p:spPr>
         <p:txBody>
-          <a:bodyPr/>
+          <a:bodyPr anchor="t"/>
           <a:lstStyle>
-            <a:lvl1pPr marL="0" indent="0" algn="ctr">
+            <a:lvl1pPr marL="0" indent="0" algn="l">
               <a:buNone/>
-              <a:defRPr sz="2400"/>
+              <a:defRPr>
+                <a:solidFill>
+                  <a:schemeClr val="tx1"/>
+                </a:solidFill>
+              </a:defRPr>
             </a:lvl1pPr>
             <a:lvl2pPr marL="457200" indent="0" algn="ctr">
               <a:buNone/>
-              <a:defRPr sz="2000"/>
+              <a:defRPr>
+                <a:solidFill>
+                  <a:schemeClr val="tx1">
+                    <a:tint val="75000"/>
+                  </a:schemeClr>
+                </a:solidFill>
+              </a:defRPr>
             </a:lvl2pPr>
             <a:lvl3pPr marL="914400" indent="0" algn="ctr">
               <a:buNone/>
-              <a:defRPr sz="1800"/>
+              <a:defRPr>
+                <a:solidFill>
+                  <a:schemeClr val="tx1">
+                    <a:tint val="75000"/>
+                  </a:schemeClr>
+                </a:solidFill>
+              </a:defRPr>
             </a:lvl3pPr>
             <a:lvl4pPr marL="1371600" indent="0" algn="ctr">
               <a:buNone/>
-              <a:defRPr sz="1600"/>
+              <a:defRPr>
+                <a:solidFill>
+                  <a:schemeClr val="tx1">
+                    <a:tint val="75000"/>
+                  </a:schemeClr>
+                </a:solidFill>
+              </a:defRPr>
             </a:lvl4pPr>
             <a:lvl5pPr marL="1828800" indent="0" algn="ctr">
               <a:buNone/>
-              <a:defRPr sz="1600"/>
+              <a:defRPr>
+                <a:solidFill>
+                  <a:schemeClr val="tx1">
+                    <a:tint val="75000"/>
+                  </a:schemeClr>
+                </a:solidFill>
+              </a:defRPr>
             </a:lvl5pPr>
             <a:lvl6pPr marL="2286000" indent="0" algn="ctr">
               <a:buNone/>
-              <a:defRPr sz="1600"/>
+              <a:defRPr>
+                <a:solidFill>
+                  <a:schemeClr val="tx1">
+                    <a:tint val="75000"/>
+                  </a:schemeClr>
+                </a:solidFill>
+              </a:defRPr>
             </a:lvl6pPr>
             <a:lvl7pPr marL="2743200" indent="0" algn="ctr">
               <a:buNone/>
-              <a:defRPr sz="1600"/>
+              <a:defRPr>
+                <a:solidFill>
+                  <a:schemeClr val="tx1">
+                    <a:tint val="75000"/>
+                  </a:schemeClr>
+                </a:solidFill>
+              </a:defRPr>
             </a:lvl7pPr>
             <a:lvl8pPr marL="3200400" indent="0" algn="ctr">
               <a:buNone/>
-              <a:defRPr sz="1600"/>
+              <a:defRPr>
+                <a:solidFill>
+                  <a:schemeClr val="tx1">
+                    <a:tint val="75000"/>
+                  </a:schemeClr>
+                </a:solidFill>
+              </a:defRPr>
             </a:lvl8pPr>
             <a:lvl9pPr marL="3657600" indent="0" algn="ctr">
               <a:buNone/>
-              <a:defRPr sz="1600"/>
+              <a:defRPr>
+                <a:solidFill>
+                  <a:schemeClr val="tx1">
+                    <a:tint val="75000"/>
+                  </a:schemeClr>
+                </a:solidFill>
+              </a:defRPr>
             </a:lvl9pPr>
           </a:lstStyle>
           <a:p>
@@ -228,18 +1615,13 @@
               <a:rPr lang="fr-FR"/>
               <a:t>Modifiez le style des sous-titres du masque</a:t>
             </a:r>
-          </a:p>
-        </p:txBody>
-      </p:sp>
-      <p:sp>
-        <p:nvSpPr>
-          <p:cNvPr id="4" name="Espace réservé de la date 3">
-            <a:extLst>
-              <a:ext uri="{FF2B5EF4-FFF2-40B4-BE49-F238E27FC236}">
-                <a16:creationId xmlns:a16="http://schemas.microsoft.com/office/drawing/2014/main" id="{46923F08-7AFE-2A9E-0EA5-D41BEB6F9C69}"/>
-              </a:ext>
-            </a:extLst>
-          </p:cNvPr>
+            <a:endParaRPr lang="en-US" dirty="0"/>
+          </a:p>
+        </p:txBody>
+      </p:sp>
+      <p:sp>
+        <p:nvSpPr>
+          <p:cNvPr id="4" name="Date Placeholder 3"/>
           <p:cNvSpPr>
             <a:spLocks noGrp="1"/>
           </p:cNvSpPr>
@@ -254,7 +1636,7 @@
           <a:p>
             <a:fld id="{3572FE47-6DCF-4D33-AF1C-75BFD88E8F80}" type="datetimeFigureOut">
               <a:rPr lang="fr-FR" smtClean="0"/>
-              <a:t>30/05/2022</a:t>
+              <a:t>31/05/2022</a:t>
             </a:fld>
             <a:endParaRPr lang="fr-FR"/>
           </a:p>
@@ -262,13 +1644,7 @@
       </p:sp>
       <p:sp>
         <p:nvSpPr>
-          <p:cNvPr id="5" name="Espace réservé du pied de page 4">
-            <a:extLst>
-              <a:ext uri="{FF2B5EF4-FFF2-40B4-BE49-F238E27FC236}">
-                <a16:creationId xmlns:a16="http://schemas.microsoft.com/office/drawing/2014/main" id="{361F8EBB-C928-FE55-26FC-BFEBFFCFF720}"/>
-              </a:ext>
-            </a:extLst>
-          </p:cNvPr>
+          <p:cNvPr id="5" name="Footer Placeholder 4"/>
           <p:cNvSpPr>
             <a:spLocks noGrp="1"/>
           </p:cNvSpPr>
@@ -287,13 +1663,7 @@
       </p:sp>
       <p:sp>
         <p:nvSpPr>
-          <p:cNvPr id="6" name="Espace réservé du numéro de diapositive 5">
-            <a:extLst>
-              <a:ext uri="{FF2B5EF4-FFF2-40B4-BE49-F238E27FC236}">
-                <a16:creationId xmlns:a16="http://schemas.microsoft.com/office/drawing/2014/main" id="{F0D9AE47-C9FA-F6BB-63C8-B7E69768D362}"/>
-              </a:ext>
-            </a:extLst>
-          </p:cNvPr>
+          <p:cNvPr id="6" name="Slide Number Placeholder 5"/>
           <p:cNvSpPr>
             <a:spLocks noGrp="1"/>
           </p:cNvSpPr>
@@ -317,7 +1687,7 @@
     </p:spTree>
     <p:extLst>
       <p:ext uri="{BB962C8B-B14F-4D97-AF65-F5344CB8AC3E}">
-        <p14:creationId xmlns:p14="http://schemas.microsoft.com/office/powerpoint/2010/main" val="141447652"/>
+        <p14:creationId xmlns:p14="http://schemas.microsoft.com/office/powerpoint/2010/main" val="2873339784"/>
       </p:ext>
     </p:extLst>
   </p:cSld>
@@ -328,6 +1698,1181 @@
 </file>
 
 <file path=ppt/slideLayouts/slideLayout10.xml><?xml version="1.0" encoding="utf-8"?>
+<p:sldLayout xmlns:a="http://schemas.openxmlformats.org/drawingml/2006/main" xmlns:r="http://schemas.openxmlformats.org/officeDocument/2006/relationships" xmlns:p="http://schemas.openxmlformats.org/presentationml/2006/main" preserve="1">
+  <p:cSld name="Image panoramique avec légende">
+    <p:spTree>
+      <p:nvGrpSpPr>
+        <p:cNvPr id="1" name=""/>
+        <p:cNvGrpSpPr/>
+        <p:nvPr/>
+      </p:nvGrpSpPr>
+      <p:grpSpPr>
+        <a:xfrm>
+          <a:off x="0" y="0"/>
+          <a:ext cx="0" cy="0"/>
+          <a:chOff x="0" y="0"/>
+          <a:chExt cx="0" cy="0"/>
+        </a:xfrm>
+      </p:grpSpPr>
+      <p:sp>
+        <p:nvSpPr>
+          <p:cNvPr id="2" name="Title 1"/>
+          <p:cNvSpPr>
+            <a:spLocks noGrp="1"/>
+          </p:cNvSpPr>
+          <p:nvPr>
+            <p:ph type="title"/>
+          </p:nvPr>
+        </p:nvSpPr>
+        <p:spPr>
+          <a:xfrm>
+            <a:off x="810000" y="4800600"/>
+            <a:ext cx="10561418" cy="566738"/>
+          </a:xfrm>
+        </p:spPr>
+        <p:txBody>
+          <a:bodyPr anchor="b">
+            <a:normAutofit/>
+          </a:bodyPr>
+          <a:lstStyle>
+            <a:lvl1pPr algn="l">
+              <a:defRPr sz="2400" b="0"/>
+            </a:lvl1pPr>
+          </a:lstStyle>
+          <a:p>
+            <a:r>
+              <a:rPr lang="fr-FR"/>
+              <a:t>Modifiez le style du titre</a:t>
+            </a:r>
+            <a:endParaRPr lang="en-US" dirty="0"/>
+          </a:p>
+        </p:txBody>
+      </p:sp>
+      <p:sp>
+        <p:nvSpPr>
+          <p:cNvPr id="15" name="Picture Placeholder 14"/>
+          <p:cNvSpPr>
+            <a:spLocks noGrp="1" noChangeAspect="1"/>
+          </p:cNvSpPr>
+          <p:nvPr>
+            <p:ph type="pic" sz="quarter" idx="13"/>
+          </p:nvPr>
+        </p:nvSpPr>
+        <p:spPr bwMode="auto">
+          <a:xfrm>
+            <a:off x="0" y="0"/>
+            <a:ext cx="12192000" cy="4800600"/>
+          </a:xfrm>
+          <a:custGeom>
+            <a:avLst/>
+            <a:gdLst/>
+            <a:ahLst/>
+            <a:cxnLst/>
+            <a:rect l="0" t="0" r="r" b="b"/>
+            <a:pathLst>
+              <a:path w="5760" h="3289">
+                <a:moveTo>
+                  <a:pt x="5760" y="0"/>
+                </a:moveTo>
+                <a:lnTo>
+                  <a:pt x="0" y="0"/>
+                </a:lnTo>
+                <a:lnTo>
+                  <a:pt x="0" y="3100"/>
+                </a:lnTo>
+                <a:lnTo>
+                  <a:pt x="943" y="3100"/>
+                </a:lnTo>
+                <a:lnTo>
+                  <a:pt x="1123" y="3281"/>
+                </a:lnTo>
+                <a:lnTo>
+                  <a:pt x="1123" y="3281"/>
+                </a:lnTo>
+                <a:lnTo>
+                  <a:pt x="1127" y="3283"/>
+                </a:lnTo>
+                <a:lnTo>
+                  <a:pt x="1133" y="3286"/>
+                </a:lnTo>
+                <a:lnTo>
+                  <a:pt x="1139" y="3289"/>
+                </a:lnTo>
+                <a:lnTo>
+                  <a:pt x="1144" y="3289"/>
+                </a:lnTo>
+                <a:lnTo>
+                  <a:pt x="1150" y="3289"/>
+                </a:lnTo>
+                <a:lnTo>
+                  <a:pt x="1155" y="3286"/>
+                </a:lnTo>
+                <a:lnTo>
+                  <a:pt x="1161" y="3283"/>
+                </a:lnTo>
+                <a:lnTo>
+                  <a:pt x="1165" y="3281"/>
+                </a:lnTo>
+                <a:lnTo>
+                  <a:pt x="1345" y="3100"/>
+                </a:lnTo>
+                <a:lnTo>
+                  <a:pt x="5760" y="3100"/>
+                </a:lnTo>
+                <a:lnTo>
+                  <a:pt x="5760" y="0"/>
+                </a:lnTo>
+                <a:close/>
+              </a:path>
+            </a:pathLst>
+          </a:custGeom>
+          <a:noFill/>
+          <a:ln>
+            <a:solidFill>
+              <a:schemeClr val="tx2"/>
+            </a:solidFill>
+          </a:ln>
+        </p:spPr>
+        <p:style>
+          <a:lnRef idx="1">
+            <a:schemeClr val="accent1"/>
+          </a:lnRef>
+          <a:fillRef idx="3">
+            <a:schemeClr val="accent1"/>
+          </a:fillRef>
+          <a:effectRef idx="2">
+            <a:schemeClr val="accent1"/>
+          </a:effectRef>
+          <a:fontRef idx="minor">
+            <a:schemeClr val="lt1"/>
+          </a:fontRef>
+        </p:style>
+        <p:txBody>
+          <a:bodyPr wrap="square" numCol="1" anchor="t" anchorCtr="0" compatLnSpc="1">
+            <a:prstTxWarp prst="textNoShape">
+              <a:avLst/>
+            </a:prstTxWarp>
+            <a:normAutofit/>
+          </a:bodyPr>
+          <a:lstStyle>
+            <a:lvl1pPr marL="0" indent="0" algn="ctr">
+              <a:buFontTx/>
+              <a:buNone/>
+              <a:defRPr sz="1600"/>
+            </a:lvl1pPr>
+          </a:lstStyle>
+          <a:p>
+            <a:r>
+              <a:rPr lang="fr-FR"/>
+              <a:t>Cliquez sur l'icône pour ajouter une image</a:t>
+            </a:r>
+            <a:endParaRPr lang="en-US" dirty="0"/>
+          </a:p>
+        </p:txBody>
+      </p:sp>
+      <p:sp>
+        <p:nvSpPr>
+          <p:cNvPr id="4" name="Text Placeholder 3"/>
+          <p:cNvSpPr>
+            <a:spLocks noGrp="1"/>
+          </p:cNvSpPr>
+          <p:nvPr>
+            <p:ph type="body" sz="half" idx="2"/>
+          </p:nvPr>
+        </p:nvSpPr>
+        <p:spPr>
+          <a:xfrm>
+            <a:off x="810000" y="5367338"/>
+            <a:ext cx="10561418" cy="493712"/>
+          </a:xfrm>
+        </p:spPr>
+        <p:txBody>
+          <a:bodyPr>
+            <a:normAutofit/>
+          </a:bodyPr>
+          <a:lstStyle>
+            <a:lvl1pPr marL="0" indent="0">
+              <a:buNone/>
+              <a:defRPr sz="1200"/>
+            </a:lvl1pPr>
+            <a:lvl2pPr marL="457200" indent="0">
+              <a:buNone/>
+              <a:defRPr sz="1200"/>
+            </a:lvl2pPr>
+            <a:lvl3pPr marL="914400" indent="0">
+              <a:buNone/>
+              <a:defRPr sz="1000"/>
+            </a:lvl3pPr>
+            <a:lvl4pPr marL="1371600" indent="0">
+              <a:buNone/>
+              <a:defRPr sz="900"/>
+            </a:lvl4pPr>
+            <a:lvl5pPr marL="1828800" indent="0">
+              <a:buNone/>
+              <a:defRPr sz="900"/>
+            </a:lvl5pPr>
+            <a:lvl6pPr marL="2286000" indent="0">
+              <a:buNone/>
+              <a:defRPr sz="900"/>
+            </a:lvl6pPr>
+            <a:lvl7pPr marL="2743200" indent="0">
+              <a:buNone/>
+              <a:defRPr sz="900"/>
+            </a:lvl7pPr>
+            <a:lvl8pPr marL="3200400" indent="0">
+              <a:buNone/>
+              <a:defRPr sz="900"/>
+            </a:lvl8pPr>
+            <a:lvl9pPr marL="3657600" indent="0">
+              <a:buNone/>
+              <a:defRPr sz="900"/>
+            </a:lvl9pPr>
+          </a:lstStyle>
+          <a:p>
+            <a:pPr lvl="0"/>
+            <a:r>
+              <a:rPr lang="fr-FR"/>
+              <a:t>Cliquez pour modifier les styles du texte du masque</a:t>
+            </a:r>
+          </a:p>
+        </p:txBody>
+      </p:sp>
+      <p:sp>
+        <p:nvSpPr>
+          <p:cNvPr id="5" name="Date Placeholder 4"/>
+          <p:cNvSpPr>
+            <a:spLocks noGrp="1"/>
+          </p:cNvSpPr>
+          <p:nvPr>
+            <p:ph type="dt" sz="half" idx="10"/>
+          </p:nvPr>
+        </p:nvSpPr>
+        <p:spPr/>
+        <p:txBody>
+          <a:bodyPr/>
+          <a:lstStyle/>
+          <a:p>
+            <a:fld id="{3572FE47-6DCF-4D33-AF1C-75BFD88E8F80}" type="datetimeFigureOut">
+              <a:rPr lang="fr-FR" smtClean="0"/>
+              <a:t>31/05/2022</a:t>
+            </a:fld>
+            <a:endParaRPr lang="fr-FR"/>
+          </a:p>
+        </p:txBody>
+      </p:sp>
+      <p:sp>
+        <p:nvSpPr>
+          <p:cNvPr id="6" name="Footer Placeholder 5"/>
+          <p:cNvSpPr>
+            <a:spLocks noGrp="1"/>
+          </p:cNvSpPr>
+          <p:nvPr>
+            <p:ph type="ftr" sz="quarter" idx="11"/>
+          </p:nvPr>
+        </p:nvSpPr>
+        <p:spPr/>
+        <p:txBody>
+          <a:bodyPr/>
+          <a:lstStyle/>
+          <a:p>
+            <a:endParaRPr lang="fr-FR"/>
+          </a:p>
+        </p:txBody>
+      </p:sp>
+      <p:sp>
+        <p:nvSpPr>
+          <p:cNvPr id="7" name="Slide Number Placeholder 6"/>
+          <p:cNvSpPr>
+            <a:spLocks noGrp="1"/>
+          </p:cNvSpPr>
+          <p:nvPr>
+            <p:ph type="sldNum" sz="quarter" idx="12"/>
+          </p:nvPr>
+        </p:nvSpPr>
+        <p:spPr/>
+        <p:txBody>
+          <a:bodyPr/>
+          <a:lstStyle/>
+          <a:p>
+            <a:fld id="{90C7692B-928F-4591-8060-370C7BB1AD51}" type="slidenum">
+              <a:rPr lang="fr-FR" smtClean="0"/>
+              <a:t>‹N°›</a:t>
+            </a:fld>
+            <a:endParaRPr lang="fr-FR"/>
+          </a:p>
+        </p:txBody>
+      </p:sp>
+    </p:spTree>
+    <p:extLst>
+      <p:ext uri="{BB962C8B-B14F-4D97-AF65-F5344CB8AC3E}">
+        <p14:creationId xmlns:p14="http://schemas.microsoft.com/office/powerpoint/2010/main" val="3698349221"/>
+      </p:ext>
+    </p:extLst>
+  </p:cSld>
+  <p:clrMapOvr>
+    <a:masterClrMapping/>
+  </p:clrMapOvr>
+</p:sldLayout>
+</file>
+
+<file path=ppt/slideLayouts/slideLayout11.xml><?xml version="1.0" encoding="utf-8"?>
+<p:sldLayout xmlns:a="http://schemas.openxmlformats.org/drawingml/2006/main" xmlns:r="http://schemas.openxmlformats.org/officeDocument/2006/relationships" xmlns:p="http://schemas.openxmlformats.org/presentationml/2006/main" preserve="1">
+  <p:cSld name="Citation avec légende">
+    <p:spTree>
+      <p:nvGrpSpPr>
+        <p:cNvPr id="1" name=""/>
+        <p:cNvGrpSpPr/>
+        <p:nvPr/>
+      </p:nvGrpSpPr>
+      <p:grpSpPr>
+        <a:xfrm>
+          <a:off x="0" y="0"/>
+          <a:ext cx="0" cy="0"/>
+          <a:chOff x="0" y="0"/>
+          <a:chExt cx="0" cy="0"/>
+        </a:xfrm>
+      </p:grpSpPr>
+      <p:sp>
+        <p:nvSpPr>
+          <p:cNvPr id="8" name="Freeform 6"/>
+          <p:cNvSpPr>
+            <a:spLocks noChangeAspect="1"/>
+          </p:cNvSpPr>
+          <p:nvPr/>
+        </p:nvSpPr>
+        <p:spPr bwMode="auto">
+          <a:xfrm>
+            <a:off x="631697" y="1081456"/>
+            <a:ext cx="6332416" cy="3239188"/>
+          </a:xfrm>
+          <a:custGeom>
+            <a:avLst/>
+            <a:gdLst/>
+            <a:ahLst/>
+            <a:cxnLst/>
+            <a:rect l="0" t="0" r="r" b="b"/>
+            <a:pathLst>
+              <a:path w="3384" h="2308">
+                <a:moveTo>
+                  <a:pt x="3340" y="0"/>
+                </a:moveTo>
+                <a:lnTo>
+                  <a:pt x="44" y="0"/>
+                </a:lnTo>
+                <a:lnTo>
+                  <a:pt x="44" y="0"/>
+                </a:lnTo>
+                <a:lnTo>
+                  <a:pt x="34" y="0"/>
+                </a:lnTo>
+                <a:lnTo>
+                  <a:pt x="26" y="4"/>
+                </a:lnTo>
+                <a:lnTo>
+                  <a:pt x="20" y="8"/>
+                </a:lnTo>
+                <a:lnTo>
+                  <a:pt x="12" y="12"/>
+                </a:lnTo>
+                <a:lnTo>
+                  <a:pt x="8" y="20"/>
+                </a:lnTo>
+                <a:lnTo>
+                  <a:pt x="4" y="26"/>
+                </a:lnTo>
+                <a:lnTo>
+                  <a:pt x="0" y="34"/>
+                </a:lnTo>
+                <a:lnTo>
+                  <a:pt x="0" y="44"/>
+                </a:lnTo>
+                <a:lnTo>
+                  <a:pt x="0" y="2076"/>
+                </a:lnTo>
+                <a:lnTo>
+                  <a:pt x="0" y="2076"/>
+                </a:lnTo>
+                <a:lnTo>
+                  <a:pt x="0" y="2086"/>
+                </a:lnTo>
+                <a:lnTo>
+                  <a:pt x="4" y="2094"/>
+                </a:lnTo>
+                <a:lnTo>
+                  <a:pt x="8" y="2100"/>
+                </a:lnTo>
+                <a:lnTo>
+                  <a:pt x="12" y="2108"/>
+                </a:lnTo>
+                <a:lnTo>
+                  <a:pt x="20" y="2112"/>
+                </a:lnTo>
+                <a:lnTo>
+                  <a:pt x="26" y="2116"/>
+                </a:lnTo>
+                <a:lnTo>
+                  <a:pt x="34" y="2120"/>
+                </a:lnTo>
+                <a:lnTo>
+                  <a:pt x="44" y="2120"/>
+                </a:lnTo>
+                <a:lnTo>
+                  <a:pt x="474" y="2120"/>
+                </a:lnTo>
+                <a:lnTo>
+                  <a:pt x="650" y="2296"/>
+                </a:lnTo>
+                <a:lnTo>
+                  <a:pt x="650" y="2296"/>
+                </a:lnTo>
+                <a:lnTo>
+                  <a:pt x="656" y="2300"/>
+                </a:lnTo>
+                <a:lnTo>
+                  <a:pt x="664" y="2304"/>
+                </a:lnTo>
+                <a:lnTo>
+                  <a:pt x="672" y="2308"/>
+                </a:lnTo>
+                <a:lnTo>
+                  <a:pt x="680" y="2308"/>
+                </a:lnTo>
+                <a:lnTo>
+                  <a:pt x="688" y="2308"/>
+                </a:lnTo>
+                <a:lnTo>
+                  <a:pt x="696" y="2304"/>
+                </a:lnTo>
+                <a:lnTo>
+                  <a:pt x="704" y="2300"/>
+                </a:lnTo>
+                <a:lnTo>
+                  <a:pt x="710" y="2296"/>
+                </a:lnTo>
+                <a:lnTo>
+                  <a:pt x="886" y="2120"/>
+                </a:lnTo>
+                <a:lnTo>
+                  <a:pt x="3340" y="2120"/>
+                </a:lnTo>
+                <a:lnTo>
+                  <a:pt x="3340" y="2120"/>
+                </a:lnTo>
+                <a:lnTo>
+                  <a:pt x="3350" y="2120"/>
+                </a:lnTo>
+                <a:lnTo>
+                  <a:pt x="3358" y="2116"/>
+                </a:lnTo>
+                <a:lnTo>
+                  <a:pt x="3364" y="2112"/>
+                </a:lnTo>
+                <a:lnTo>
+                  <a:pt x="3372" y="2108"/>
+                </a:lnTo>
+                <a:lnTo>
+                  <a:pt x="3376" y="2100"/>
+                </a:lnTo>
+                <a:lnTo>
+                  <a:pt x="3380" y="2094"/>
+                </a:lnTo>
+                <a:lnTo>
+                  <a:pt x="3384" y="2086"/>
+                </a:lnTo>
+                <a:lnTo>
+                  <a:pt x="3384" y="2076"/>
+                </a:lnTo>
+                <a:lnTo>
+                  <a:pt x="3384" y="44"/>
+                </a:lnTo>
+                <a:lnTo>
+                  <a:pt x="3384" y="44"/>
+                </a:lnTo>
+                <a:lnTo>
+                  <a:pt x="3384" y="34"/>
+                </a:lnTo>
+                <a:lnTo>
+                  <a:pt x="3380" y="26"/>
+                </a:lnTo>
+                <a:lnTo>
+                  <a:pt x="3376" y="20"/>
+                </a:lnTo>
+                <a:lnTo>
+                  <a:pt x="3372" y="12"/>
+                </a:lnTo>
+                <a:lnTo>
+                  <a:pt x="3364" y="8"/>
+                </a:lnTo>
+                <a:lnTo>
+                  <a:pt x="3358" y="4"/>
+                </a:lnTo>
+                <a:lnTo>
+                  <a:pt x="3350" y="0"/>
+                </a:lnTo>
+                <a:lnTo>
+                  <a:pt x="3340" y="0"/>
+                </a:lnTo>
+                <a:lnTo>
+                  <a:pt x="3340" y="0"/>
+                </a:lnTo>
+                <a:close/>
+              </a:path>
+            </a:pathLst>
+          </a:custGeom>
+          <a:ln>
+            <a:solidFill>
+              <a:schemeClr val="accent1"/>
+            </a:solidFill>
+          </a:ln>
+        </p:spPr>
+        <p:style>
+          <a:lnRef idx="1">
+            <a:schemeClr val="accent1"/>
+          </a:lnRef>
+          <a:fillRef idx="3">
+            <a:schemeClr val="accent1"/>
+          </a:fillRef>
+          <a:effectRef idx="2">
+            <a:schemeClr val="accent1"/>
+          </a:effectRef>
+          <a:fontRef idx="minor">
+            <a:schemeClr val="lt1"/>
+          </a:fontRef>
+        </p:style>
+      </p:sp>
+      <p:sp>
+        <p:nvSpPr>
+          <p:cNvPr id="2" name="Title 1"/>
+          <p:cNvSpPr>
+            <a:spLocks noGrp="1"/>
+          </p:cNvSpPr>
+          <p:nvPr>
+            <p:ph type="title"/>
+          </p:nvPr>
+        </p:nvSpPr>
+        <p:spPr>
+          <a:xfrm>
+            <a:off x="850985" y="1238502"/>
+            <a:ext cx="5893840" cy="2645912"/>
+          </a:xfrm>
+        </p:spPr>
+        <p:txBody>
+          <a:bodyPr anchor="b"/>
+          <a:lstStyle>
+            <a:lvl1pPr algn="l">
+              <a:defRPr sz="4200" b="1" cap="none"/>
+            </a:lvl1pPr>
+          </a:lstStyle>
+          <a:p>
+            <a:r>
+              <a:rPr lang="fr-FR"/>
+              <a:t>Modifiez le style du titre</a:t>
+            </a:r>
+            <a:endParaRPr lang="en-US" dirty="0"/>
+          </a:p>
+        </p:txBody>
+      </p:sp>
+      <p:sp>
+        <p:nvSpPr>
+          <p:cNvPr id="3" name="Text Placeholder 2"/>
+          <p:cNvSpPr>
+            <a:spLocks noGrp="1"/>
+          </p:cNvSpPr>
+          <p:nvPr>
+            <p:ph type="body" idx="1"/>
+          </p:nvPr>
+        </p:nvSpPr>
+        <p:spPr>
+          <a:xfrm>
+            <a:off x="853190" y="4443680"/>
+            <a:ext cx="5891636" cy="713241"/>
+          </a:xfrm>
+        </p:spPr>
+        <p:txBody>
+          <a:bodyPr anchor="t">
+            <a:noAutofit/>
+          </a:bodyPr>
+          <a:lstStyle>
+            <a:lvl1pPr marL="0" indent="0" algn="l">
+              <a:buNone/>
+              <a:defRPr sz="1800">
+                <a:solidFill>
+                  <a:schemeClr val="tx1"/>
+                </a:solidFill>
+              </a:defRPr>
+            </a:lvl1pPr>
+            <a:lvl2pPr marL="457200" indent="0">
+              <a:buNone/>
+              <a:defRPr sz="1800">
+                <a:solidFill>
+                  <a:schemeClr val="tx1">
+                    <a:tint val="75000"/>
+                  </a:schemeClr>
+                </a:solidFill>
+              </a:defRPr>
+            </a:lvl2pPr>
+            <a:lvl3pPr marL="914400" indent="0">
+              <a:buNone/>
+              <a:defRPr sz="1600">
+                <a:solidFill>
+                  <a:schemeClr val="tx1">
+                    <a:tint val="75000"/>
+                  </a:schemeClr>
+                </a:solidFill>
+              </a:defRPr>
+            </a:lvl3pPr>
+            <a:lvl4pPr marL="1371600" indent="0">
+              <a:buNone/>
+              <a:defRPr sz="1400">
+                <a:solidFill>
+                  <a:schemeClr val="tx1">
+                    <a:tint val="75000"/>
+                  </a:schemeClr>
+                </a:solidFill>
+              </a:defRPr>
+            </a:lvl4pPr>
+            <a:lvl5pPr marL="1828800" indent="0">
+              <a:buNone/>
+              <a:defRPr sz="1400">
+                <a:solidFill>
+                  <a:schemeClr val="tx1">
+                    <a:tint val="75000"/>
+                  </a:schemeClr>
+                </a:solidFill>
+              </a:defRPr>
+            </a:lvl5pPr>
+            <a:lvl6pPr marL="2286000" indent="0">
+              <a:buNone/>
+              <a:defRPr sz="1400">
+                <a:solidFill>
+                  <a:schemeClr val="tx1">
+                    <a:tint val="75000"/>
+                  </a:schemeClr>
+                </a:solidFill>
+              </a:defRPr>
+            </a:lvl6pPr>
+            <a:lvl7pPr marL="2743200" indent="0">
+              <a:buNone/>
+              <a:defRPr sz="1400">
+                <a:solidFill>
+                  <a:schemeClr val="tx1">
+                    <a:tint val="75000"/>
+                  </a:schemeClr>
+                </a:solidFill>
+              </a:defRPr>
+            </a:lvl7pPr>
+            <a:lvl8pPr marL="3200400" indent="0">
+              <a:buNone/>
+              <a:defRPr sz="1400">
+                <a:solidFill>
+                  <a:schemeClr val="tx1">
+                    <a:tint val="75000"/>
+                  </a:schemeClr>
+                </a:solidFill>
+              </a:defRPr>
+            </a:lvl8pPr>
+            <a:lvl9pPr marL="3657600" indent="0">
+              <a:buNone/>
+              <a:defRPr sz="1400">
+                <a:solidFill>
+                  <a:schemeClr val="tx1">
+                    <a:tint val="75000"/>
+                  </a:schemeClr>
+                </a:solidFill>
+              </a:defRPr>
+            </a:lvl9pPr>
+          </a:lstStyle>
+          <a:p>
+            <a:pPr lvl="0"/>
+            <a:r>
+              <a:rPr lang="fr-FR"/>
+              <a:t>Cliquez pour modifier les styles du texte du masque</a:t>
+            </a:r>
+          </a:p>
+        </p:txBody>
+      </p:sp>
+      <p:sp>
+        <p:nvSpPr>
+          <p:cNvPr id="9" name="Text Placeholder 5"/>
+          <p:cNvSpPr>
+            <a:spLocks noGrp="1"/>
+          </p:cNvSpPr>
+          <p:nvPr>
+            <p:ph type="body" sz="quarter" idx="16"/>
+          </p:nvPr>
+        </p:nvSpPr>
+        <p:spPr>
+          <a:xfrm>
+            <a:off x="7574642" y="1081456"/>
+            <a:ext cx="3810001" cy="4075465"/>
+          </a:xfrm>
+        </p:spPr>
+        <p:txBody>
+          <a:bodyPr anchor="t"/>
+          <a:lstStyle>
+            <a:lvl1pPr marL="0" indent="0">
+              <a:buFontTx/>
+              <a:buNone/>
+              <a:defRPr/>
+            </a:lvl1pPr>
+          </a:lstStyle>
+          <a:p>
+            <a:pPr lvl="0"/>
+            <a:r>
+              <a:rPr lang="fr-FR"/>
+              <a:t>Cliquez pour modifier les styles du texte du masque</a:t>
+            </a:r>
+          </a:p>
+        </p:txBody>
+      </p:sp>
+      <p:sp>
+        <p:nvSpPr>
+          <p:cNvPr id="4" name="Date Placeholder 3"/>
+          <p:cNvSpPr>
+            <a:spLocks noGrp="1"/>
+          </p:cNvSpPr>
+          <p:nvPr>
+            <p:ph type="dt" sz="half" idx="10"/>
+          </p:nvPr>
+        </p:nvSpPr>
+        <p:spPr/>
+        <p:txBody>
+          <a:bodyPr/>
+          <a:lstStyle/>
+          <a:p>
+            <a:fld id="{3572FE47-6DCF-4D33-AF1C-75BFD88E8F80}" type="datetimeFigureOut">
+              <a:rPr lang="fr-FR" smtClean="0"/>
+              <a:t>31/05/2022</a:t>
+            </a:fld>
+            <a:endParaRPr lang="fr-FR"/>
+          </a:p>
+        </p:txBody>
+      </p:sp>
+      <p:sp>
+        <p:nvSpPr>
+          <p:cNvPr id="5" name="Footer Placeholder 4"/>
+          <p:cNvSpPr>
+            <a:spLocks noGrp="1"/>
+          </p:cNvSpPr>
+          <p:nvPr>
+            <p:ph type="ftr" sz="quarter" idx="11"/>
+          </p:nvPr>
+        </p:nvSpPr>
+        <p:spPr/>
+        <p:txBody>
+          <a:bodyPr/>
+          <a:lstStyle/>
+          <a:p>
+            <a:endParaRPr lang="fr-FR"/>
+          </a:p>
+        </p:txBody>
+      </p:sp>
+      <p:sp>
+        <p:nvSpPr>
+          <p:cNvPr id="6" name="Slide Number Placeholder 5"/>
+          <p:cNvSpPr>
+            <a:spLocks noGrp="1"/>
+          </p:cNvSpPr>
+          <p:nvPr>
+            <p:ph type="sldNum" sz="quarter" idx="12"/>
+          </p:nvPr>
+        </p:nvSpPr>
+        <p:spPr/>
+        <p:txBody>
+          <a:bodyPr/>
+          <a:lstStyle/>
+          <a:p>
+            <a:fld id="{90C7692B-928F-4591-8060-370C7BB1AD51}" type="slidenum">
+              <a:rPr lang="fr-FR" smtClean="0"/>
+              <a:t>‹N°›</a:t>
+            </a:fld>
+            <a:endParaRPr lang="fr-FR"/>
+          </a:p>
+        </p:txBody>
+      </p:sp>
+    </p:spTree>
+    <p:extLst>
+      <p:ext uri="{BB962C8B-B14F-4D97-AF65-F5344CB8AC3E}">
+        <p14:creationId xmlns:p14="http://schemas.microsoft.com/office/powerpoint/2010/main" val="2818167190"/>
+      </p:ext>
+    </p:extLst>
+  </p:cSld>
+  <p:clrMapOvr>
+    <a:masterClrMapping/>
+  </p:clrMapOvr>
+</p:sldLayout>
+</file>
+
+<file path=ppt/slideLayouts/slideLayout12.xml><?xml version="1.0" encoding="utf-8"?>
+<p:sldLayout xmlns:a="http://schemas.openxmlformats.org/drawingml/2006/main" xmlns:r="http://schemas.openxmlformats.org/officeDocument/2006/relationships" xmlns:p="http://schemas.openxmlformats.org/presentationml/2006/main" preserve="1">
+  <p:cSld name="Carte nom">
+    <p:spTree>
+      <p:nvGrpSpPr>
+        <p:cNvPr id="1" name=""/>
+        <p:cNvGrpSpPr/>
+        <p:nvPr/>
+      </p:nvGrpSpPr>
+      <p:grpSpPr>
+        <a:xfrm>
+          <a:off x="0" y="0"/>
+          <a:ext cx="0" cy="0"/>
+          <a:chOff x="0" y="0"/>
+          <a:chExt cx="0" cy="0"/>
+        </a:xfrm>
+      </p:grpSpPr>
+      <p:sp>
+        <p:nvSpPr>
+          <p:cNvPr id="9" name="Freeform 6"/>
+          <p:cNvSpPr>
+            <a:spLocks noChangeAspect="1"/>
+          </p:cNvSpPr>
+          <p:nvPr/>
+        </p:nvSpPr>
+        <p:spPr bwMode="auto">
+          <a:xfrm>
+            <a:off x="1140884" y="2286585"/>
+            <a:ext cx="4895115" cy="2503972"/>
+          </a:xfrm>
+          <a:custGeom>
+            <a:avLst/>
+            <a:gdLst/>
+            <a:ahLst/>
+            <a:cxnLst/>
+            <a:rect l="0" t="0" r="r" b="b"/>
+            <a:pathLst>
+              <a:path w="3384" h="2308">
+                <a:moveTo>
+                  <a:pt x="3340" y="0"/>
+                </a:moveTo>
+                <a:lnTo>
+                  <a:pt x="44" y="0"/>
+                </a:lnTo>
+                <a:lnTo>
+                  <a:pt x="44" y="0"/>
+                </a:lnTo>
+                <a:lnTo>
+                  <a:pt x="34" y="0"/>
+                </a:lnTo>
+                <a:lnTo>
+                  <a:pt x="26" y="4"/>
+                </a:lnTo>
+                <a:lnTo>
+                  <a:pt x="20" y="8"/>
+                </a:lnTo>
+                <a:lnTo>
+                  <a:pt x="12" y="12"/>
+                </a:lnTo>
+                <a:lnTo>
+                  <a:pt x="8" y="20"/>
+                </a:lnTo>
+                <a:lnTo>
+                  <a:pt x="4" y="26"/>
+                </a:lnTo>
+                <a:lnTo>
+                  <a:pt x="0" y="34"/>
+                </a:lnTo>
+                <a:lnTo>
+                  <a:pt x="0" y="44"/>
+                </a:lnTo>
+                <a:lnTo>
+                  <a:pt x="0" y="2076"/>
+                </a:lnTo>
+                <a:lnTo>
+                  <a:pt x="0" y="2076"/>
+                </a:lnTo>
+                <a:lnTo>
+                  <a:pt x="0" y="2086"/>
+                </a:lnTo>
+                <a:lnTo>
+                  <a:pt x="4" y="2094"/>
+                </a:lnTo>
+                <a:lnTo>
+                  <a:pt x="8" y="2100"/>
+                </a:lnTo>
+                <a:lnTo>
+                  <a:pt x="12" y="2108"/>
+                </a:lnTo>
+                <a:lnTo>
+                  <a:pt x="20" y="2112"/>
+                </a:lnTo>
+                <a:lnTo>
+                  <a:pt x="26" y="2116"/>
+                </a:lnTo>
+                <a:lnTo>
+                  <a:pt x="34" y="2120"/>
+                </a:lnTo>
+                <a:lnTo>
+                  <a:pt x="44" y="2120"/>
+                </a:lnTo>
+                <a:lnTo>
+                  <a:pt x="474" y="2120"/>
+                </a:lnTo>
+                <a:lnTo>
+                  <a:pt x="650" y="2296"/>
+                </a:lnTo>
+                <a:lnTo>
+                  <a:pt x="650" y="2296"/>
+                </a:lnTo>
+                <a:lnTo>
+                  <a:pt x="656" y="2300"/>
+                </a:lnTo>
+                <a:lnTo>
+                  <a:pt x="664" y="2304"/>
+                </a:lnTo>
+                <a:lnTo>
+                  <a:pt x="672" y="2308"/>
+                </a:lnTo>
+                <a:lnTo>
+                  <a:pt x="680" y="2308"/>
+                </a:lnTo>
+                <a:lnTo>
+                  <a:pt x="688" y="2308"/>
+                </a:lnTo>
+                <a:lnTo>
+                  <a:pt x="696" y="2304"/>
+                </a:lnTo>
+                <a:lnTo>
+                  <a:pt x="704" y="2300"/>
+                </a:lnTo>
+                <a:lnTo>
+                  <a:pt x="710" y="2296"/>
+                </a:lnTo>
+                <a:lnTo>
+                  <a:pt x="886" y="2120"/>
+                </a:lnTo>
+                <a:lnTo>
+                  <a:pt x="3340" y="2120"/>
+                </a:lnTo>
+                <a:lnTo>
+                  <a:pt x="3340" y="2120"/>
+                </a:lnTo>
+                <a:lnTo>
+                  <a:pt x="3350" y="2120"/>
+                </a:lnTo>
+                <a:lnTo>
+                  <a:pt x="3358" y="2116"/>
+                </a:lnTo>
+                <a:lnTo>
+                  <a:pt x="3364" y="2112"/>
+                </a:lnTo>
+                <a:lnTo>
+                  <a:pt x="3372" y="2108"/>
+                </a:lnTo>
+                <a:lnTo>
+                  <a:pt x="3376" y="2100"/>
+                </a:lnTo>
+                <a:lnTo>
+                  <a:pt x="3380" y="2094"/>
+                </a:lnTo>
+                <a:lnTo>
+                  <a:pt x="3384" y="2086"/>
+                </a:lnTo>
+                <a:lnTo>
+                  <a:pt x="3384" y="2076"/>
+                </a:lnTo>
+                <a:lnTo>
+                  <a:pt x="3384" y="44"/>
+                </a:lnTo>
+                <a:lnTo>
+                  <a:pt x="3384" y="44"/>
+                </a:lnTo>
+                <a:lnTo>
+                  <a:pt x="3384" y="34"/>
+                </a:lnTo>
+                <a:lnTo>
+                  <a:pt x="3380" y="26"/>
+                </a:lnTo>
+                <a:lnTo>
+                  <a:pt x="3376" y="20"/>
+                </a:lnTo>
+                <a:lnTo>
+                  <a:pt x="3372" y="12"/>
+                </a:lnTo>
+                <a:lnTo>
+                  <a:pt x="3364" y="8"/>
+                </a:lnTo>
+                <a:lnTo>
+                  <a:pt x="3358" y="4"/>
+                </a:lnTo>
+                <a:lnTo>
+                  <a:pt x="3350" y="0"/>
+                </a:lnTo>
+                <a:lnTo>
+                  <a:pt x="3340" y="0"/>
+                </a:lnTo>
+                <a:lnTo>
+                  <a:pt x="3340" y="0"/>
+                </a:lnTo>
+                <a:close/>
+              </a:path>
+            </a:pathLst>
+          </a:custGeom>
+          <a:ln>
+            <a:solidFill>
+              <a:schemeClr val="accent1"/>
+            </a:solidFill>
+          </a:ln>
+        </p:spPr>
+        <p:style>
+          <a:lnRef idx="1">
+            <a:schemeClr val="accent1"/>
+          </a:lnRef>
+          <a:fillRef idx="3">
+            <a:schemeClr val="accent1"/>
+          </a:fillRef>
+          <a:effectRef idx="2">
+            <a:schemeClr val="accent1"/>
+          </a:effectRef>
+          <a:fontRef idx="minor">
+            <a:schemeClr val="lt1"/>
+          </a:fontRef>
+        </p:style>
+      </p:sp>
+      <p:sp>
+        <p:nvSpPr>
+          <p:cNvPr id="38" name="Title 1"/>
+          <p:cNvSpPr>
+            <a:spLocks noGrp="1"/>
+          </p:cNvSpPr>
+          <p:nvPr>
+            <p:ph type="title"/>
+          </p:nvPr>
+        </p:nvSpPr>
+        <p:spPr>
+          <a:xfrm>
+            <a:off x="1357089" y="2435957"/>
+            <a:ext cx="4382521" cy="2007789"/>
+          </a:xfrm>
+        </p:spPr>
+        <p:txBody>
+          <a:bodyPr/>
+          <a:lstStyle>
+            <a:lvl1pPr>
+              <a:defRPr sz="3200"/>
+            </a:lvl1pPr>
+          </a:lstStyle>
+          <a:p>
+            <a:r>
+              <a:rPr lang="fr-FR"/>
+              <a:t>Modifiez le style du titre</a:t>
+            </a:r>
+            <a:endParaRPr lang="en-US" dirty="0"/>
+          </a:p>
+        </p:txBody>
+      </p:sp>
+      <p:sp>
+        <p:nvSpPr>
+          <p:cNvPr id="6" name="Text Placeholder 5"/>
+          <p:cNvSpPr>
+            <a:spLocks noGrp="1"/>
+          </p:cNvSpPr>
+          <p:nvPr>
+            <p:ph type="body" sz="quarter" idx="16"/>
+          </p:nvPr>
+        </p:nvSpPr>
+        <p:spPr>
+          <a:xfrm>
+            <a:off x="6156000" y="2286000"/>
+            <a:ext cx="4880300" cy="2295525"/>
+          </a:xfrm>
+        </p:spPr>
+        <p:txBody>
+          <a:bodyPr anchor="t"/>
+          <a:lstStyle>
+            <a:lvl1pPr marL="0" indent="0">
+              <a:buFontTx/>
+              <a:buNone/>
+              <a:defRPr/>
+            </a:lvl1pPr>
+          </a:lstStyle>
+          <a:p>
+            <a:pPr lvl="0"/>
+            <a:r>
+              <a:rPr lang="fr-FR"/>
+              <a:t>Cliquez pour modifier les styles du texte du masque</a:t>
+            </a:r>
+          </a:p>
+        </p:txBody>
+      </p:sp>
+      <p:sp>
+        <p:nvSpPr>
+          <p:cNvPr id="2" name="Date Placeholder 1"/>
+          <p:cNvSpPr>
+            <a:spLocks noGrp="1"/>
+          </p:cNvSpPr>
+          <p:nvPr>
+            <p:ph type="dt" sz="half" idx="10"/>
+          </p:nvPr>
+        </p:nvSpPr>
+        <p:spPr/>
+        <p:txBody>
+          <a:bodyPr/>
+          <a:lstStyle/>
+          <a:p>
+            <a:fld id="{3572FE47-6DCF-4D33-AF1C-75BFD88E8F80}" type="datetimeFigureOut">
+              <a:rPr lang="fr-FR" smtClean="0"/>
+              <a:t>31/05/2022</a:t>
+            </a:fld>
+            <a:endParaRPr lang="fr-FR"/>
+          </a:p>
+        </p:txBody>
+      </p:sp>
+      <p:sp>
+        <p:nvSpPr>
+          <p:cNvPr id="3" name="Footer Placeholder 2"/>
+          <p:cNvSpPr>
+            <a:spLocks noGrp="1"/>
+          </p:cNvSpPr>
+          <p:nvPr>
+            <p:ph type="ftr" sz="quarter" idx="11"/>
+          </p:nvPr>
+        </p:nvSpPr>
+        <p:spPr/>
+        <p:txBody>
+          <a:bodyPr/>
+          <a:lstStyle/>
+          <a:p>
+            <a:endParaRPr lang="fr-FR"/>
+          </a:p>
+        </p:txBody>
+      </p:sp>
+      <p:sp>
+        <p:nvSpPr>
+          <p:cNvPr id="4" name="Slide Number Placeholder 3"/>
+          <p:cNvSpPr>
+            <a:spLocks noGrp="1"/>
+          </p:cNvSpPr>
+          <p:nvPr>
+            <p:ph type="sldNum" sz="quarter" idx="12"/>
+          </p:nvPr>
+        </p:nvSpPr>
+        <p:spPr/>
+        <p:txBody>
+          <a:bodyPr/>
+          <a:lstStyle/>
+          <a:p>
+            <a:fld id="{90C7692B-928F-4591-8060-370C7BB1AD51}" type="slidenum">
+              <a:rPr lang="fr-FR" smtClean="0"/>
+              <a:t>‹N°›</a:t>
+            </a:fld>
+            <a:endParaRPr lang="fr-FR"/>
+          </a:p>
+        </p:txBody>
+      </p:sp>
+    </p:spTree>
+    <p:extLst>
+      <p:ext uri="{BB962C8B-B14F-4D97-AF65-F5344CB8AC3E}">
+        <p14:creationId xmlns:p14="http://schemas.microsoft.com/office/powerpoint/2010/main" val="2243425363"/>
+      </p:ext>
+    </p:extLst>
+  </p:cSld>
+  <p:clrMapOvr>
+    <a:masterClrMapping/>
+  </p:clrMapOvr>
+</p:sldLayout>
+</file>
+
+<file path=ppt/slideLayouts/slideLayout13.xml><?xml version="1.0" encoding="utf-8"?>
 <p:sldLayout xmlns:a="http://schemas.openxmlformats.org/drawingml/2006/main" xmlns:r="http://schemas.openxmlformats.org/officeDocument/2006/relationships" xmlns:p="http://schemas.openxmlformats.org/presentationml/2006/main" type="vertTx" preserve="1">
   <p:cSld name="Titre et texte vertical">
     <p:spTree>
@@ -346,13 +2891,110 @@
       </p:grpSpPr>
       <p:sp>
         <p:nvSpPr>
-          <p:cNvPr id="2" name="Titre 1">
-            <a:extLst>
-              <a:ext uri="{FF2B5EF4-FFF2-40B4-BE49-F238E27FC236}">
-                <a16:creationId xmlns:a16="http://schemas.microsoft.com/office/drawing/2014/main" id="{489EE981-1C0F-CB37-0B09-A2732B08D80E}"/>
-              </a:ext>
-            </a:extLst>
-          </p:cNvPr>
+          <p:cNvPr id="7" name="Freeform 6"/>
+          <p:cNvSpPr/>
+          <p:nvPr/>
+        </p:nvSpPr>
+        <p:spPr bwMode="auto">
+          <a:xfrm>
+            <a:off x="0" y="0"/>
+            <a:ext cx="12192000" cy="2185988"/>
+          </a:xfrm>
+          <a:custGeom>
+            <a:avLst/>
+            <a:gdLst/>
+            <a:ahLst/>
+            <a:cxnLst/>
+            <a:rect l="0" t="0" r="r" b="b"/>
+            <a:pathLst>
+              <a:path w="5760" h="1377">
+                <a:moveTo>
+                  <a:pt x="5760" y="0"/>
+                </a:moveTo>
+                <a:lnTo>
+                  <a:pt x="0" y="0"/>
+                </a:lnTo>
+                <a:lnTo>
+                  <a:pt x="0" y="1189"/>
+                </a:lnTo>
+                <a:lnTo>
+                  <a:pt x="943" y="1189"/>
+                </a:lnTo>
+                <a:lnTo>
+                  <a:pt x="1123" y="1369"/>
+                </a:lnTo>
+                <a:lnTo>
+                  <a:pt x="1123" y="1369"/>
+                </a:lnTo>
+                <a:lnTo>
+                  <a:pt x="1127" y="1371"/>
+                </a:lnTo>
+                <a:lnTo>
+                  <a:pt x="1133" y="1374"/>
+                </a:lnTo>
+                <a:lnTo>
+                  <a:pt x="1139" y="1377"/>
+                </a:lnTo>
+                <a:lnTo>
+                  <a:pt x="1144" y="1377"/>
+                </a:lnTo>
+                <a:lnTo>
+                  <a:pt x="1150" y="1377"/>
+                </a:lnTo>
+                <a:lnTo>
+                  <a:pt x="1155" y="1374"/>
+                </a:lnTo>
+                <a:lnTo>
+                  <a:pt x="1161" y="1371"/>
+                </a:lnTo>
+                <a:lnTo>
+                  <a:pt x="1165" y="1369"/>
+                </a:lnTo>
+                <a:lnTo>
+                  <a:pt x="1345" y="1189"/>
+                </a:lnTo>
+                <a:lnTo>
+                  <a:pt x="5760" y="1189"/>
+                </a:lnTo>
+                <a:lnTo>
+                  <a:pt x="5760" y="0"/>
+                </a:lnTo>
+                <a:close/>
+              </a:path>
+            </a:pathLst>
+          </a:custGeom>
+          <a:ln/>
+          <a:extLst>
+            <a:ext uri="{91240B29-F687-4f45-9708-019B960494DF}">
+              <a14:hiddenLine xmlns="" xmlns:a14="http://schemas.microsoft.com/office/drawing/2010/main" w="9525">
+                <a:solidFill>
+                  <a:srgbClr val="000000"/>
+                </a:solidFill>
+                <a:round/>
+                <a:headEnd/>
+                <a:tailEnd/>
+              </a14:hiddenLine>
+            </a:ext>
+          </a:extLst>
+        </p:spPr>
+        <p:style>
+          <a:lnRef idx="1">
+            <a:schemeClr val="accent1"/>
+          </a:lnRef>
+          <a:fillRef idx="3">
+            <a:schemeClr val="accent1"/>
+          </a:fillRef>
+          <a:effectRef idx="2">
+            <a:schemeClr val="accent1"/>
+          </a:effectRef>
+          <a:fontRef idx="minor">
+            <a:schemeClr val="lt1"/>
+          </a:fontRef>
+        </p:style>
+      </p:sp>
+      <p:sp>
+        <p:nvSpPr>
+          <p:cNvPr id="2" name="Title 1"/>
           <p:cNvSpPr>
             <a:spLocks noGrp="1"/>
           </p:cNvSpPr>
@@ -369,18 +3011,13 @@
               <a:rPr lang="fr-FR"/>
               <a:t>Modifiez le style du titre</a:t>
             </a:r>
-          </a:p>
-        </p:txBody>
-      </p:sp>
-      <p:sp>
-        <p:nvSpPr>
-          <p:cNvPr id="3" name="Espace réservé du texte vertical 2">
-            <a:extLst>
-              <a:ext uri="{FF2B5EF4-FFF2-40B4-BE49-F238E27FC236}">
-                <a16:creationId xmlns:a16="http://schemas.microsoft.com/office/drawing/2014/main" id="{752A5C93-BCFD-183F-7772-D9355012EFF1}"/>
-              </a:ext>
-            </a:extLst>
-          </p:cNvPr>
+            <a:endParaRPr lang="en-US" dirty="0"/>
+          </a:p>
+        </p:txBody>
+      </p:sp>
+      <p:sp>
+        <p:nvSpPr>
+          <p:cNvPr id="3" name="Vertical Text Placeholder 2"/>
           <p:cNvSpPr>
             <a:spLocks noGrp="1"/>
           </p:cNvSpPr>
@@ -390,7 +3027,7 @@
         </p:nvSpPr>
         <p:spPr/>
         <p:txBody>
-          <a:bodyPr vert="eaVert"/>
+          <a:bodyPr vert="eaVert" anchor="t"/>
           <a:lstStyle/>
           <a:p>
             <a:pPr lvl="0"/>
@@ -426,18 +3063,13 @@
               <a:rPr lang="fr-FR"/>
               <a:t>Cinquième niveau</a:t>
             </a:r>
-          </a:p>
-        </p:txBody>
-      </p:sp>
-      <p:sp>
-        <p:nvSpPr>
-          <p:cNvPr id="4" name="Espace réservé de la date 3">
-            <a:extLst>
-              <a:ext uri="{FF2B5EF4-FFF2-40B4-BE49-F238E27FC236}">
-                <a16:creationId xmlns:a16="http://schemas.microsoft.com/office/drawing/2014/main" id="{A84A67FC-6BAD-0E16-C74F-E46775DED4CD}"/>
-              </a:ext>
-            </a:extLst>
-          </p:cNvPr>
+            <a:endParaRPr lang="en-US" dirty="0"/>
+          </a:p>
+        </p:txBody>
+      </p:sp>
+      <p:sp>
+        <p:nvSpPr>
+          <p:cNvPr id="4" name="Date Placeholder 3"/>
           <p:cNvSpPr>
             <a:spLocks noGrp="1"/>
           </p:cNvSpPr>
@@ -452,7 +3084,7 @@
           <a:p>
             <a:fld id="{3572FE47-6DCF-4D33-AF1C-75BFD88E8F80}" type="datetimeFigureOut">
               <a:rPr lang="fr-FR" smtClean="0"/>
-              <a:t>30/05/2022</a:t>
+              <a:t>31/05/2022</a:t>
             </a:fld>
             <a:endParaRPr lang="fr-FR"/>
           </a:p>
@@ -460,13 +3092,7 @@
       </p:sp>
       <p:sp>
         <p:nvSpPr>
-          <p:cNvPr id="5" name="Espace réservé du pied de page 4">
-            <a:extLst>
-              <a:ext uri="{FF2B5EF4-FFF2-40B4-BE49-F238E27FC236}">
-                <a16:creationId xmlns:a16="http://schemas.microsoft.com/office/drawing/2014/main" id="{970FF139-889A-D4B7-2742-0C58529779A9}"/>
-              </a:ext>
-            </a:extLst>
-          </p:cNvPr>
+          <p:cNvPr id="5" name="Footer Placeholder 4"/>
           <p:cNvSpPr>
             <a:spLocks noGrp="1"/>
           </p:cNvSpPr>
@@ -485,13 +3111,7 @@
       </p:sp>
       <p:sp>
         <p:nvSpPr>
-          <p:cNvPr id="6" name="Espace réservé du numéro de diapositive 5">
-            <a:extLst>
-              <a:ext uri="{FF2B5EF4-FFF2-40B4-BE49-F238E27FC236}">
-                <a16:creationId xmlns:a16="http://schemas.microsoft.com/office/drawing/2014/main" id="{AE830591-206D-9E5D-42E9-5065AC15C21D}"/>
-              </a:ext>
-            </a:extLst>
-          </p:cNvPr>
+          <p:cNvPr id="6" name="Slide Number Placeholder 5"/>
           <p:cNvSpPr>
             <a:spLocks noGrp="1"/>
           </p:cNvSpPr>
@@ -515,7 +3135,7 @@
     </p:spTree>
     <p:extLst>
       <p:ext uri="{BB962C8B-B14F-4D97-AF65-F5344CB8AC3E}">
-        <p14:creationId xmlns:p14="http://schemas.microsoft.com/office/powerpoint/2010/main" val="1204706360"/>
+        <p14:creationId xmlns:p14="http://schemas.microsoft.com/office/powerpoint/2010/main" val="235668045"/>
       </p:ext>
     </p:extLst>
   </p:cSld>
@@ -525,7 +3145,7 @@
 </p:sldLayout>
 </file>
 
-<file path=ppt/slideLayouts/slideLayout11.xml><?xml version="1.0" encoding="utf-8"?>
+<file path=ppt/slideLayouts/slideLayout14.xml><?xml version="1.0" encoding="utf-8"?>
 <p:sldLayout xmlns:a="http://schemas.openxmlformats.org/drawingml/2006/main" xmlns:r="http://schemas.openxmlformats.org/officeDocument/2006/relationships" xmlns:p="http://schemas.openxmlformats.org/presentationml/2006/main" type="vertTitleAndTx" preserve="1">
   <p:cSld name="Titre vertical et texte">
     <p:spTree>
@@ -544,13 +3164,112 @@
       </p:grpSpPr>
       <p:sp>
         <p:nvSpPr>
-          <p:cNvPr id="2" name="Titre vertical 1">
-            <a:extLst>
-              <a:ext uri="{FF2B5EF4-FFF2-40B4-BE49-F238E27FC236}">
-                <a16:creationId xmlns:a16="http://schemas.microsoft.com/office/drawing/2014/main" id="{DF21B120-E540-9191-1D9B-178958E2653C}"/>
-              </a:ext>
-            </a:extLst>
-          </p:cNvPr>
+          <p:cNvPr id="12" name="Freeform 6"/>
+          <p:cNvSpPr>
+            <a:spLocks noChangeAspect="1"/>
+          </p:cNvSpPr>
+          <p:nvPr/>
+        </p:nvSpPr>
+        <p:spPr bwMode="auto">
+          <a:xfrm>
+            <a:off x="7669651" y="446089"/>
+            <a:ext cx="4522349" cy="5414962"/>
+          </a:xfrm>
+          <a:custGeom>
+            <a:avLst/>
+            <a:gdLst/>
+            <a:ahLst/>
+            <a:cxnLst/>
+            <a:rect l="0" t="0" r="r" b="b"/>
+            <a:pathLst>
+              <a:path w="2879" h="4320">
+                <a:moveTo>
+                  <a:pt x="183" y="0"/>
+                </a:moveTo>
+                <a:lnTo>
+                  <a:pt x="183" y="1197"/>
+                </a:lnTo>
+                <a:lnTo>
+                  <a:pt x="8" y="1372"/>
+                </a:lnTo>
+                <a:lnTo>
+                  <a:pt x="8" y="1372"/>
+                </a:lnTo>
+                <a:lnTo>
+                  <a:pt x="6" y="1376"/>
+                </a:lnTo>
+                <a:lnTo>
+                  <a:pt x="3" y="1382"/>
+                </a:lnTo>
+                <a:lnTo>
+                  <a:pt x="0" y="1387"/>
+                </a:lnTo>
+                <a:lnTo>
+                  <a:pt x="0" y="1393"/>
+                </a:lnTo>
+                <a:lnTo>
+                  <a:pt x="0" y="1399"/>
+                </a:lnTo>
+                <a:lnTo>
+                  <a:pt x="3" y="1404"/>
+                </a:lnTo>
+                <a:lnTo>
+                  <a:pt x="6" y="1410"/>
+                </a:lnTo>
+                <a:lnTo>
+                  <a:pt x="8" y="1414"/>
+                </a:lnTo>
+                <a:lnTo>
+                  <a:pt x="183" y="1589"/>
+                </a:lnTo>
+                <a:lnTo>
+                  <a:pt x="183" y="4320"/>
+                </a:lnTo>
+                <a:lnTo>
+                  <a:pt x="2879" y="4320"/>
+                </a:lnTo>
+                <a:lnTo>
+                  <a:pt x="2879" y="0"/>
+                </a:lnTo>
+                <a:lnTo>
+                  <a:pt x="183" y="0"/>
+                </a:lnTo>
+                <a:close/>
+              </a:path>
+            </a:pathLst>
+          </a:custGeom>
+          <a:ln/>
+          <a:extLst>
+            <a:ext uri="{91240B29-F687-4f45-9708-019B960494DF}">
+              <a14:hiddenLine xmlns="" xmlns:a14="http://schemas.microsoft.com/office/drawing/2010/main" w="9525">
+                <a:solidFill>
+                  <a:srgbClr val="000000"/>
+                </a:solidFill>
+                <a:round/>
+                <a:headEnd/>
+                <a:tailEnd/>
+              </a14:hiddenLine>
+            </a:ext>
+          </a:extLst>
+        </p:spPr>
+        <p:style>
+          <a:lnRef idx="1">
+            <a:schemeClr val="accent1"/>
+          </a:lnRef>
+          <a:fillRef idx="3">
+            <a:schemeClr val="accent1"/>
+          </a:fillRef>
+          <a:effectRef idx="2">
+            <a:schemeClr val="accent1"/>
+          </a:effectRef>
+          <a:fontRef idx="minor">
+            <a:schemeClr val="lt1"/>
+          </a:fontRef>
+        </p:style>
+      </p:sp>
+      <p:sp>
+        <p:nvSpPr>
+          <p:cNvPr id="2" name="Vertical Title 1"/>
           <p:cNvSpPr>
             <a:spLocks noGrp="1"/>
           </p:cNvSpPr>
@@ -560,8 +3279,8 @@
         </p:nvSpPr>
         <p:spPr>
           <a:xfrm>
-            <a:off x="8724900" y="365125"/>
-            <a:ext cx="2628900" cy="5811838"/>
+            <a:off x="8183540" y="586171"/>
+            <a:ext cx="2494791" cy="5134798"/>
           </a:xfrm>
         </p:spPr>
         <p:txBody>
@@ -572,18 +3291,13 @@
               <a:rPr lang="fr-FR"/>
               <a:t>Modifiez le style du titre</a:t>
             </a:r>
-          </a:p>
-        </p:txBody>
-      </p:sp>
-      <p:sp>
-        <p:nvSpPr>
-          <p:cNvPr id="3" name="Espace réservé du texte vertical 2">
-            <a:extLst>
-              <a:ext uri="{FF2B5EF4-FFF2-40B4-BE49-F238E27FC236}">
-                <a16:creationId xmlns:a16="http://schemas.microsoft.com/office/drawing/2014/main" id="{5DAEDD8A-914E-CD6C-7138-F5ED8B9E1EF7}"/>
-              </a:ext>
-            </a:extLst>
-          </p:cNvPr>
+            <a:endParaRPr lang="en-US" dirty="0"/>
+          </a:p>
+        </p:txBody>
+      </p:sp>
+      <p:sp>
+        <p:nvSpPr>
+          <p:cNvPr id="3" name="Vertical Text Placeholder 2"/>
           <p:cNvSpPr>
             <a:spLocks noGrp="1"/>
           </p:cNvSpPr>
@@ -593,12 +3307,12 @@
         </p:nvSpPr>
         <p:spPr>
           <a:xfrm>
-            <a:off x="838200" y="365125"/>
-            <a:ext cx="7734300" cy="5811838"/>
+            <a:off x="810001" y="446089"/>
+            <a:ext cx="6611540" cy="5414962"/>
           </a:xfrm>
         </p:spPr>
         <p:txBody>
-          <a:bodyPr vert="eaVert"/>
+          <a:bodyPr vert="eaVert" anchor="t"/>
           <a:lstStyle/>
           <a:p>
             <a:pPr lvl="0"/>
@@ -634,18 +3348,13 @@
               <a:rPr lang="fr-FR"/>
               <a:t>Cinquième niveau</a:t>
             </a:r>
-          </a:p>
-        </p:txBody>
-      </p:sp>
-      <p:sp>
-        <p:nvSpPr>
-          <p:cNvPr id="4" name="Espace réservé de la date 3">
-            <a:extLst>
-              <a:ext uri="{FF2B5EF4-FFF2-40B4-BE49-F238E27FC236}">
-                <a16:creationId xmlns:a16="http://schemas.microsoft.com/office/drawing/2014/main" id="{58B7771A-FC49-7D50-98DB-BA4829FE33DD}"/>
-              </a:ext>
-            </a:extLst>
-          </p:cNvPr>
+            <a:endParaRPr lang="en-US" dirty="0"/>
+          </a:p>
+        </p:txBody>
+      </p:sp>
+      <p:sp>
+        <p:nvSpPr>
+          <p:cNvPr id="4" name="Date Placeholder 3"/>
           <p:cNvSpPr>
             <a:spLocks noGrp="1"/>
           </p:cNvSpPr>
@@ -660,7 +3369,7 @@
           <a:p>
             <a:fld id="{3572FE47-6DCF-4D33-AF1C-75BFD88E8F80}" type="datetimeFigureOut">
               <a:rPr lang="fr-FR" smtClean="0"/>
-              <a:t>30/05/2022</a:t>
+              <a:t>31/05/2022</a:t>
             </a:fld>
             <a:endParaRPr lang="fr-FR"/>
           </a:p>
@@ -668,13 +3377,7 @@
       </p:sp>
       <p:sp>
         <p:nvSpPr>
-          <p:cNvPr id="5" name="Espace réservé du pied de page 4">
-            <a:extLst>
-              <a:ext uri="{FF2B5EF4-FFF2-40B4-BE49-F238E27FC236}">
-                <a16:creationId xmlns:a16="http://schemas.microsoft.com/office/drawing/2014/main" id="{8750C7E7-ADEA-36D4-153B-FB6347A63223}"/>
-              </a:ext>
-            </a:extLst>
-          </p:cNvPr>
+          <p:cNvPr id="5" name="Footer Placeholder 4"/>
           <p:cNvSpPr>
             <a:spLocks noGrp="1"/>
           </p:cNvSpPr>
@@ -693,13 +3396,7 @@
       </p:sp>
       <p:sp>
         <p:nvSpPr>
-          <p:cNvPr id="6" name="Espace réservé du numéro de diapositive 5">
-            <a:extLst>
-              <a:ext uri="{FF2B5EF4-FFF2-40B4-BE49-F238E27FC236}">
-                <a16:creationId xmlns:a16="http://schemas.microsoft.com/office/drawing/2014/main" id="{13B9493D-8BDA-8572-2AEF-4F0AB36D1873}"/>
-              </a:ext>
-            </a:extLst>
-          </p:cNvPr>
+          <p:cNvPr id="6" name="Slide Number Placeholder 5"/>
           <p:cNvSpPr>
             <a:spLocks noGrp="1"/>
           </p:cNvSpPr>
@@ -723,7 +3420,7 @@
     </p:spTree>
     <p:extLst>
       <p:ext uri="{BB962C8B-B14F-4D97-AF65-F5344CB8AC3E}">
-        <p14:creationId xmlns:p14="http://schemas.microsoft.com/office/powerpoint/2010/main" val="977773276"/>
+        <p14:creationId xmlns:p14="http://schemas.microsoft.com/office/powerpoint/2010/main" val="1174830347"/>
       </p:ext>
     </p:extLst>
   </p:cSld>
@@ -752,13 +3449,110 @@
       </p:grpSpPr>
       <p:sp>
         <p:nvSpPr>
-          <p:cNvPr id="2" name="Titre 1">
-            <a:extLst>
-              <a:ext uri="{FF2B5EF4-FFF2-40B4-BE49-F238E27FC236}">
-                <a16:creationId xmlns:a16="http://schemas.microsoft.com/office/drawing/2014/main" id="{2F2045CC-D08A-ABF9-40B5-B3F65D1A4722}"/>
-              </a:ext>
-            </a:extLst>
-          </p:cNvPr>
+          <p:cNvPr id="11" name="Freeform 6"/>
+          <p:cNvSpPr/>
+          <p:nvPr/>
+        </p:nvSpPr>
+        <p:spPr bwMode="auto">
+          <a:xfrm>
+            <a:off x="0" y="0"/>
+            <a:ext cx="12192000" cy="2185988"/>
+          </a:xfrm>
+          <a:custGeom>
+            <a:avLst/>
+            <a:gdLst/>
+            <a:ahLst/>
+            <a:cxnLst/>
+            <a:rect l="0" t="0" r="r" b="b"/>
+            <a:pathLst>
+              <a:path w="5760" h="1377">
+                <a:moveTo>
+                  <a:pt x="5760" y="0"/>
+                </a:moveTo>
+                <a:lnTo>
+                  <a:pt x="0" y="0"/>
+                </a:lnTo>
+                <a:lnTo>
+                  <a:pt x="0" y="1189"/>
+                </a:lnTo>
+                <a:lnTo>
+                  <a:pt x="943" y="1189"/>
+                </a:lnTo>
+                <a:lnTo>
+                  <a:pt x="1123" y="1369"/>
+                </a:lnTo>
+                <a:lnTo>
+                  <a:pt x="1123" y="1369"/>
+                </a:lnTo>
+                <a:lnTo>
+                  <a:pt x="1127" y="1371"/>
+                </a:lnTo>
+                <a:lnTo>
+                  <a:pt x="1133" y="1374"/>
+                </a:lnTo>
+                <a:lnTo>
+                  <a:pt x="1139" y="1377"/>
+                </a:lnTo>
+                <a:lnTo>
+                  <a:pt x="1144" y="1377"/>
+                </a:lnTo>
+                <a:lnTo>
+                  <a:pt x="1150" y="1377"/>
+                </a:lnTo>
+                <a:lnTo>
+                  <a:pt x="1155" y="1374"/>
+                </a:lnTo>
+                <a:lnTo>
+                  <a:pt x="1161" y="1371"/>
+                </a:lnTo>
+                <a:lnTo>
+                  <a:pt x="1165" y="1369"/>
+                </a:lnTo>
+                <a:lnTo>
+                  <a:pt x="1345" y="1189"/>
+                </a:lnTo>
+                <a:lnTo>
+                  <a:pt x="5760" y="1189"/>
+                </a:lnTo>
+                <a:lnTo>
+                  <a:pt x="5760" y="0"/>
+                </a:lnTo>
+                <a:close/>
+              </a:path>
+            </a:pathLst>
+          </a:custGeom>
+          <a:ln/>
+          <a:extLst>
+            <a:ext uri="{91240B29-F687-4f45-9708-019B960494DF}">
+              <a14:hiddenLine xmlns="" xmlns:a14="http://schemas.microsoft.com/office/drawing/2010/main" w="9525">
+                <a:solidFill>
+                  <a:srgbClr val="000000"/>
+                </a:solidFill>
+                <a:round/>
+                <a:headEnd/>
+                <a:tailEnd/>
+              </a14:hiddenLine>
+            </a:ext>
+          </a:extLst>
+        </p:spPr>
+        <p:style>
+          <a:lnRef idx="1">
+            <a:schemeClr val="accent1"/>
+          </a:lnRef>
+          <a:fillRef idx="3">
+            <a:schemeClr val="accent1"/>
+          </a:fillRef>
+          <a:effectRef idx="2">
+            <a:schemeClr val="accent1"/>
+          </a:effectRef>
+          <a:fontRef idx="minor">
+            <a:schemeClr val="lt1"/>
+          </a:fontRef>
+        </p:style>
+      </p:sp>
+      <p:sp>
+        <p:nvSpPr>
+          <p:cNvPr id="2" name="Title 1"/>
           <p:cNvSpPr>
             <a:spLocks noGrp="1"/>
           </p:cNvSpPr>
@@ -766,7 +3560,12 @@
             <p:ph type="title"/>
           </p:nvPr>
         </p:nvSpPr>
-        <p:spPr/>
+        <p:spPr>
+          <a:xfrm>
+            <a:off x="810000" y="447188"/>
+            <a:ext cx="10571998" cy="970450"/>
+          </a:xfrm>
+        </p:spPr>
         <p:txBody>
           <a:bodyPr/>
           <a:lstStyle/>
@@ -775,18 +3574,13 @@
               <a:rPr lang="fr-FR"/>
               <a:t>Modifiez le style du titre</a:t>
             </a:r>
-          </a:p>
-        </p:txBody>
-      </p:sp>
-      <p:sp>
-        <p:nvSpPr>
-          <p:cNvPr id="3" name="Espace réservé du contenu 2">
-            <a:extLst>
-              <a:ext uri="{FF2B5EF4-FFF2-40B4-BE49-F238E27FC236}">
-                <a16:creationId xmlns:a16="http://schemas.microsoft.com/office/drawing/2014/main" id="{CD3C4551-15AB-AFF7-3347-162154FBAC6D}"/>
-              </a:ext>
-            </a:extLst>
-          </p:cNvPr>
+            <a:endParaRPr lang="en-US" dirty="0"/>
+          </a:p>
+        </p:txBody>
+      </p:sp>
+      <p:sp>
+        <p:nvSpPr>
+          <p:cNvPr id="3" name="Content Placeholder 2"/>
           <p:cNvSpPr>
             <a:spLocks noGrp="1"/>
           </p:cNvSpPr>
@@ -794,7 +3588,12 @@
             <p:ph idx="1"/>
           </p:nvPr>
         </p:nvSpPr>
-        <p:spPr/>
+        <p:spPr>
+          <a:xfrm>
+            <a:off x="818712" y="2222287"/>
+            <a:ext cx="10554574" cy="3636511"/>
+          </a:xfrm>
+        </p:spPr>
         <p:txBody>
           <a:bodyPr/>
           <a:lstStyle/>
@@ -832,18 +3631,13 @@
               <a:rPr lang="fr-FR"/>
               <a:t>Cinquième niveau</a:t>
             </a:r>
-          </a:p>
-        </p:txBody>
-      </p:sp>
-      <p:sp>
-        <p:nvSpPr>
-          <p:cNvPr id="4" name="Espace réservé de la date 3">
-            <a:extLst>
-              <a:ext uri="{FF2B5EF4-FFF2-40B4-BE49-F238E27FC236}">
-                <a16:creationId xmlns:a16="http://schemas.microsoft.com/office/drawing/2014/main" id="{462F3500-B82C-D55C-316D-C21835F39C9E}"/>
-              </a:ext>
-            </a:extLst>
-          </p:cNvPr>
+            <a:endParaRPr lang="en-US" dirty="0"/>
+          </a:p>
+        </p:txBody>
+      </p:sp>
+      <p:sp>
+        <p:nvSpPr>
+          <p:cNvPr id="4" name="Date Placeholder 3"/>
           <p:cNvSpPr>
             <a:spLocks noGrp="1"/>
           </p:cNvSpPr>
@@ -858,7 +3652,7 @@
           <a:p>
             <a:fld id="{3572FE47-6DCF-4D33-AF1C-75BFD88E8F80}" type="datetimeFigureOut">
               <a:rPr lang="fr-FR" smtClean="0"/>
-              <a:t>30/05/2022</a:t>
+              <a:t>31/05/2022</a:t>
             </a:fld>
             <a:endParaRPr lang="fr-FR"/>
           </a:p>
@@ -866,13 +3660,7 @@
       </p:sp>
       <p:sp>
         <p:nvSpPr>
-          <p:cNvPr id="5" name="Espace réservé du pied de page 4">
-            <a:extLst>
-              <a:ext uri="{FF2B5EF4-FFF2-40B4-BE49-F238E27FC236}">
-                <a16:creationId xmlns:a16="http://schemas.microsoft.com/office/drawing/2014/main" id="{0A25C305-C6A8-C5CF-C6E2-BC0C7FBA47A9}"/>
-              </a:ext>
-            </a:extLst>
-          </p:cNvPr>
+          <p:cNvPr id="5" name="Footer Placeholder 4"/>
           <p:cNvSpPr>
             <a:spLocks noGrp="1"/>
           </p:cNvSpPr>
@@ -891,13 +3679,7 @@
       </p:sp>
       <p:sp>
         <p:nvSpPr>
-          <p:cNvPr id="6" name="Espace réservé du numéro de diapositive 5">
-            <a:extLst>
-              <a:ext uri="{FF2B5EF4-FFF2-40B4-BE49-F238E27FC236}">
-                <a16:creationId xmlns:a16="http://schemas.microsoft.com/office/drawing/2014/main" id="{C69FAAC6-08D2-2151-B11F-ABF9C1B18D19}"/>
-              </a:ext>
-            </a:extLst>
-          </p:cNvPr>
+          <p:cNvPr id="6" name="Slide Number Placeholder 5"/>
           <p:cNvSpPr>
             <a:spLocks noGrp="1"/>
           </p:cNvSpPr>
@@ -921,7 +3703,7 @@
     </p:spTree>
     <p:extLst>
       <p:ext uri="{BB962C8B-B14F-4D97-AF65-F5344CB8AC3E}">
-        <p14:creationId xmlns:p14="http://schemas.microsoft.com/office/powerpoint/2010/main" val="1274169514"/>
+        <p14:creationId xmlns:p14="http://schemas.microsoft.com/office/powerpoint/2010/main" val="2567319828"/>
       </p:ext>
     </p:extLst>
   </p:cSld>
@@ -950,13 +3732,104 @@
       </p:grpSpPr>
       <p:sp>
         <p:nvSpPr>
-          <p:cNvPr id="2" name="Titre 1">
-            <a:extLst>
-              <a:ext uri="{FF2B5EF4-FFF2-40B4-BE49-F238E27FC236}">
-                <a16:creationId xmlns:a16="http://schemas.microsoft.com/office/drawing/2014/main" id="{FAFF583B-B495-D95A-9BE2-6859AAE42FAF}"/>
-              </a:ext>
-            </a:extLst>
-          </p:cNvPr>
+          <p:cNvPr id="10" name="Freeform 7"/>
+          <p:cNvSpPr/>
+          <p:nvPr/>
+        </p:nvSpPr>
+        <p:spPr bwMode="auto">
+          <a:xfrm>
+            <a:off x="0" y="1"/>
+            <a:ext cx="12192000" cy="5203825"/>
+          </a:xfrm>
+          <a:custGeom>
+            <a:avLst/>
+            <a:gdLst/>
+            <a:ahLst/>
+            <a:cxnLst/>
+            <a:rect l="0" t="0" r="r" b="b"/>
+            <a:pathLst>
+              <a:path w="5760" h="3278">
+                <a:moveTo>
+                  <a:pt x="0" y="0"/>
+                </a:moveTo>
+                <a:lnTo>
+                  <a:pt x="5760" y="0"/>
+                </a:lnTo>
+                <a:lnTo>
+                  <a:pt x="5760" y="3090"/>
+                </a:lnTo>
+                <a:lnTo>
+                  <a:pt x="4817" y="3090"/>
+                </a:lnTo>
+                <a:lnTo>
+                  <a:pt x="4637" y="3270"/>
+                </a:lnTo>
+                <a:lnTo>
+                  <a:pt x="4637" y="3270"/>
+                </a:lnTo>
+                <a:lnTo>
+                  <a:pt x="4633" y="3272"/>
+                </a:lnTo>
+                <a:lnTo>
+                  <a:pt x="4627" y="3275"/>
+                </a:lnTo>
+                <a:lnTo>
+                  <a:pt x="4621" y="3278"/>
+                </a:lnTo>
+                <a:lnTo>
+                  <a:pt x="4616" y="3278"/>
+                </a:lnTo>
+                <a:lnTo>
+                  <a:pt x="4610" y="3278"/>
+                </a:lnTo>
+                <a:lnTo>
+                  <a:pt x="4605" y="3275"/>
+                </a:lnTo>
+                <a:lnTo>
+                  <a:pt x="4599" y="3272"/>
+                </a:lnTo>
+                <a:lnTo>
+                  <a:pt x="4595" y="3270"/>
+                </a:lnTo>
+                <a:lnTo>
+                  <a:pt x="4415" y="3090"/>
+                </a:lnTo>
+                <a:lnTo>
+                  <a:pt x="0" y="3090"/>
+                </a:lnTo>
+                <a:lnTo>
+                  <a:pt x="0" y="0"/>
+                </a:lnTo>
+                <a:lnTo>
+                  <a:pt x="0" y="0"/>
+                </a:lnTo>
+                <a:close/>
+              </a:path>
+            </a:pathLst>
+          </a:custGeom>
+          <a:ln>
+            <a:headEnd/>
+            <a:tailEnd/>
+          </a:ln>
+        </p:spPr>
+        <p:style>
+          <a:lnRef idx="1">
+            <a:schemeClr val="accent1"/>
+          </a:lnRef>
+          <a:fillRef idx="3">
+            <a:schemeClr val="accent1"/>
+          </a:fillRef>
+          <a:effectRef idx="2">
+            <a:schemeClr val="accent1"/>
+          </a:effectRef>
+          <a:fontRef idx="minor">
+            <a:schemeClr val="lt1"/>
+          </a:fontRef>
+        </p:style>
+      </p:sp>
+      <p:sp>
+        <p:nvSpPr>
+          <p:cNvPr id="2" name="Title 1"/>
           <p:cNvSpPr>
             <a:spLocks noGrp="1"/>
           </p:cNvSpPr>
@@ -966,15 +3839,15 @@
         </p:nvSpPr>
         <p:spPr>
           <a:xfrm>
-            <a:off x="831850" y="1709738"/>
-            <a:ext cx="10515600" cy="2852737"/>
+            <a:off x="810000" y="2951396"/>
+            <a:ext cx="10561418" cy="1468800"/>
           </a:xfrm>
         </p:spPr>
         <p:txBody>
           <a:bodyPr anchor="b"/>
           <a:lstStyle>
-            <a:lvl1pPr>
-              <a:defRPr sz="6000"/>
+            <a:lvl1pPr algn="r">
+              <a:defRPr sz="4800" b="1" cap="none"/>
             </a:lvl1pPr>
           </a:lstStyle>
           <a:p>
@@ -982,18 +3855,13 @@
               <a:rPr lang="fr-FR"/>
               <a:t>Modifiez le style du titre</a:t>
             </a:r>
-          </a:p>
-        </p:txBody>
-      </p:sp>
-      <p:sp>
-        <p:nvSpPr>
-          <p:cNvPr id="3" name="Espace réservé du texte 2">
-            <a:extLst>
-              <a:ext uri="{FF2B5EF4-FFF2-40B4-BE49-F238E27FC236}">
-                <a16:creationId xmlns:a16="http://schemas.microsoft.com/office/drawing/2014/main" id="{120B7EA1-D90A-7DD7-993F-576E63CEABD1}"/>
-              </a:ext>
-            </a:extLst>
-          </p:cNvPr>
+            <a:endParaRPr lang="en-US" dirty="0"/>
+          </a:p>
+        </p:txBody>
+      </p:sp>
+      <p:sp>
+        <p:nvSpPr>
+          <p:cNvPr id="3" name="Text Placeholder 2"/>
           <p:cNvSpPr>
             <a:spLocks noGrp="1"/>
           </p:cNvSpPr>
@@ -1003,26 +3871,26 @@
         </p:nvSpPr>
         <p:spPr>
           <a:xfrm>
-            <a:off x="831850" y="4589463"/>
-            <a:ext cx="10515600" cy="1500187"/>
+            <a:off x="810000" y="5281201"/>
+            <a:ext cx="10561418" cy="433955"/>
           </a:xfrm>
         </p:spPr>
         <p:txBody>
-          <a:bodyPr/>
+          <a:bodyPr anchor="t">
+            <a:noAutofit/>
+          </a:bodyPr>
           <a:lstStyle>
-            <a:lvl1pPr marL="0" indent="0">
+            <a:lvl1pPr marL="0" indent="0" algn="r">
               <a:buNone/>
-              <a:defRPr sz="2400">
+              <a:defRPr sz="1800">
                 <a:solidFill>
-                  <a:schemeClr val="tx1">
-                    <a:tint val="75000"/>
-                  </a:schemeClr>
+                  <a:schemeClr val="tx1"/>
                 </a:solidFill>
               </a:defRPr>
             </a:lvl1pPr>
             <a:lvl2pPr marL="457200" indent="0">
               <a:buNone/>
-              <a:defRPr sz="2000">
+              <a:defRPr sz="1800">
                 <a:solidFill>
                   <a:schemeClr val="tx1">
                     <a:tint val="75000"/>
@@ -1032,7 +3900,7 @@
             </a:lvl2pPr>
             <a:lvl3pPr marL="914400" indent="0">
               <a:buNone/>
-              <a:defRPr sz="1800">
+              <a:defRPr sz="1600">
                 <a:solidFill>
                   <a:schemeClr val="tx1">
                     <a:tint val="75000"/>
@@ -1042,7 +3910,7 @@
             </a:lvl3pPr>
             <a:lvl4pPr marL="1371600" indent="0">
               <a:buNone/>
-              <a:defRPr sz="1600">
+              <a:defRPr sz="1400">
                 <a:solidFill>
                   <a:schemeClr val="tx1">
                     <a:tint val="75000"/>
@@ -1052,7 +3920,7 @@
             </a:lvl4pPr>
             <a:lvl5pPr marL="1828800" indent="0">
               <a:buNone/>
-              <a:defRPr sz="1600">
+              <a:defRPr sz="1400">
                 <a:solidFill>
                   <a:schemeClr val="tx1">
                     <a:tint val="75000"/>
@@ -1062,7 +3930,7 @@
             </a:lvl5pPr>
             <a:lvl6pPr marL="2286000" indent="0">
               <a:buNone/>
-              <a:defRPr sz="1600">
+              <a:defRPr sz="1400">
                 <a:solidFill>
                   <a:schemeClr val="tx1">
                     <a:tint val="75000"/>
@@ -1072,7 +3940,7 @@
             </a:lvl6pPr>
             <a:lvl7pPr marL="2743200" indent="0">
               <a:buNone/>
-              <a:defRPr sz="1600">
+              <a:defRPr sz="1400">
                 <a:solidFill>
                   <a:schemeClr val="tx1">
                     <a:tint val="75000"/>
@@ -1082,7 +3950,7 @@
             </a:lvl7pPr>
             <a:lvl8pPr marL="3200400" indent="0">
               <a:buNone/>
-              <a:defRPr sz="1600">
+              <a:defRPr sz="1400">
                 <a:solidFill>
                   <a:schemeClr val="tx1">
                     <a:tint val="75000"/>
@@ -1092,7 +3960,7 @@
             </a:lvl8pPr>
             <a:lvl9pPr marL="3657600" indent="0">
               <a:buNone/>
-              <a:defRPr sz="1600">
+              <a:defRPr sz="1400">
                 <a:solidFill>
                   <a:schemeClr val="tx1">
                     <a:tint val="75000"/>
@@ -1112,13 +3980,7 @@
       </p:sp>
       <p:sp>
         <p:nvSpPr>
-          <p:cNvPr id="4" name="Espace réservé de la date 3">
-            <a:extLst>
-              <a:ext uri="{FF2B5EF4-FFF2-40B4-BE49-F238E27FC236}">
-                <a16:creationId xmlns:a16="http://schemas.microsoft.com/office/drawing/2014/main" id="{D340A39B-147C-62BF-068B-22C4FE3DE3C7}"/>
-              </a:ext>
-            </a:extLst>
-          </p:cNvPr>
+          <p:cNvPr id="4" name="Date Placeholder 3"/>
           <p:cNvSpPr>
             <a:spLocks noGrp="1"/>
           </p:cNvSpPr>
@@ -1133,7 +3995,7 @@
           <a:p>
             <a:fld id="{3572FE47-6DCF-4D33-AF1C-75BFD88E8F80}" type="datetimeFigureOut">
               <a:rPr lang="fr-FR" smtClean="0"/>
-              <a:t>30/05/2022</a:t>
+              <a:t>31/05/2022</a:t>
             </a:fld>
             <a:endParaRPr lang="fr-FR"/>
           </a:p>
@@ -1141,13 +4003,7 @@
       </p:sp>
       <p:sp>
         <p:nvSpPr>
-          <p:cNvPr id="5" name="Espace réservé du pied de page 4">
-            <a:extLst>
-              <a:ext uri="{FF2B5EF4-FFF2-40B4-BE49-F238E27FC236}">
-                <a16:creationId xmlns:a16="http://schemas.microsoft.com/office/drawing/2014/main" id="{09D1B193-1846-9C50-6B5E-D3FDB2E7B343}"/>
-              </a:ext>
-            </a:extLst>
-          </p:cNvPr>
+          <p:cNvPr id="5" name="Footer Placeholder 4"/>
           <p:cNvSpPr>
             <a:spLocks noGrp="1"/>
           </p:cNvSpPr>
@@ -1166,13 +4022,7 @@
       </p:sp>
       <p:sp>
         <p:nvSpPr>
-          <p:cNvPr id="6" name="Espace réservé du numéro de diapositive 5">
-            <a:extLst>
-              <a:ext uri="{FF2B5EF4-FFF2-40B4-BE49-F238E27FC236}">
-                <a16:creationId xmlns:a16="http://schemas.microsoft.com/office/drawing/2014/main" id="{AA697FFC-B705-83A2-B59D-909086D28F47}"/>
-              </a:ext>
-            </a:extLst>
-          </p:cNvPr>
+          <p:cNvPr id="6" name="Slide Number Placeholder 5"/>
           <p:cNvSpPr>
             <a:spLocks noGrp="1"/>
           </p:cNvSpPr>
@@ -1196,7 +4046,7 @@
     </p:spTree>
     <p:extLst>
       <p:ext uri="{BB962C8B-B14F-4D97-AF65-F5344CB8AC3E}">
-        <p14:creationId xmlns:p14="http://schemas.microsoft.com/office/powerpoint/2010/main" val="624646110"/>
+        <p14:creationId xmlns:p14="http://schemas.microsoft.com/office/powerpoint/2010/main" val="988492712"/>
       </p:ext>
     </p:extLst>
   </p:cSld>
@@ -1225,13 +4075,110 @@
       </p:grpSpPr>
       <p:sp>
         <p:nvSpPr>
-          <p:cNvPr id="2" name="Titre 1">
-            <a:extLst>
-              <a:ext uri="{FF2B5EF4-FFF2-40B4-BE49-F238E27FC236}">
-                <a16:creationId xmlns:a16="http://schemas.microsoft.com/office/drawing/2014/main" id="{7182CC39-7F78-26A2-79CD-4472E9E3A605}"/>
-              </a:ext>
-            </a:extLst>
-          </p:cNvPr>
+          <p:cNvPr id="8" name="Freeform 6"/>
+          <p:cNvSpPr/>
+          <p:nvPr/>
+        </p:nvSpPr>
+        <p:spPr bwMode="auto">
+          <a:xfrm>
+            <a:off x="0" y="0"/>
+            <a:ext cx="12192000" cy="2185988"/>
+          </a:xfrm>
+          <a:custGeom>
+            <a:avLst/>
+            <a:gdLst/>
+            <a:ahLst/>
+            <a:cxnLst/>
+            <a:rect l="0" t="0" r="r" b="b"/>
+            <a:pathLst>
+              <a:path w="5760" h="1377">
+                <a:moveTo>
+                  <a:pt x="5760" y="0"/>
+                </a:moveTo>
+                <a:lnTo>
+                  <a:pt x="0" y="0"/>
+                </a:lnTo>
+                <a:lnTo>
+                  <a:pt x="0" y="1189"/>
+                </a:lnTo>
+                <a:lnTo>
+                  <a:pt x="943" y="1189"/>
+                </a:lnTo>
+                <a:lnTo>
+                  <a:pt x="1123" y="1369"/>
+                </a:lnTo>
+                <a:lnTo>
+                  <a:pt x="1123" y="1369"/>
+                </a:lnTo>
+                <a:lnTo>
+                  <a:pt x="1127" y="1371"/>
+                </a:lnTo>
+                <a:lnTo>
+                  <a:pt x="1133" y="1374"/>
+                </a:lnTo>
+                <a:lnTo>
+                  <a:pt x="1139" y="1377"/>
+                </a:lnTo>
+                <a:lnTo>
+                  <a:pt x="1144" y="1377"/>
+                </a:lnTo>
+                <a:lnTo>
+                  <a:pt x="1150" y="1377"/>
+                </a:lnTo>
+                <a:lnTo>
+                  <a:pt x="1155" y="1374"/>
+                </a:lnTo>
+                <a:lnTo>
+                  <a:pt x="1161" y="1371"/>
+                </a:lnTo>
+                <a:lnTo>
+                  <a:pt x="1165" y="1369"/>
+                </a:lnTo>
+                <a:lnTo>
+                  <a:pt x="1345" y="1189"/>
+                </a:lnTo>
+                <a:lnTo>
+                  <a:pt x="5760" y="1189"/>
+                </a:lnTo>
+                <a:lnTo>
+                  <a:pt x="5760" y="0"/>
+                </a:lnTo>
+                <a:close/>
+              </a:path>
+            </a:pathLst>
+          </a:custGeom>
+          <a:ln/>
+          <a:extLst>
+            <a:ext uri="{91240B29-F687-4f45-9708-019B960494DF}">
+              <a14:hiddenLine xmlns="" xmlns:a14="http://schemas.microsoft.com/office/drawing/2010/main" w="9525">
+                <a:solidFill>
+                  <a:srgbClr val="000000"/>
+                </a:solidFill>
+                <a:round/>
+                <a:headEnd/>
+                <a:tailEnd/>
+              </a14:hiddenLine>
+            </a:ext>
+          </a:extLst>
+        </p:spPr>
+        <p:style>
+          <a:lnRef idx="1">
+            <a:schemeClr val="accent1"/>
+          </a:lnRef>
+          <a:fillRef idx="3">
+            <a:schemeClr val="accent1"/>
+          </a:fillRef>
+          <a:effectRef idx="2">
+            <a:schemeClr val="accent1"/>
+          </a:effectRef>
+          <a:fontRef idx="minor">
+            <a:schemeClr val="lt1"/>
+          </a:fontRef>
+        </p:style>
+      </p:sp>
+      <p:sp>
+        <p:nvSpPr>
+          <p:cNvPr id="2" name="Title 1"/>
           <p:cNvSpPr>
             <a:spLocks noGrp="1"/>
           </p:cNvSpPr>
@@ -1248,18 +4195,13 @@
               <a:rPr lang="fr-FR"/>
               <a:t>Modifiez le style du titre</a:t>
             </a:r>
-          </a:p>
-        </p:txBody>
-      </p:sp>
-      <p:sp>
-        <p:nvSpPr>
-          <p:cNvPr id="3" name="Espace réservé du contenu 2">
-            <a:extLst>
-              <a:ext uri="{FF2B5EF4-FFF2-40B4-BE49-F238E27FC236}">
-                <a16:creationId xmlns:a16="http://schemas.microsoft.com/office/drawing/2014/main" id="{9FD136D0-AE05-0097-1768-B7CD0420DBD7}"/>
-              </a:ext>
-            </a:extLst>
-          </p:cNvPr>
+            <a:endParaRPr lang="en-US" dirty="0"/>
+          </a:p>
+        </p:txBody>
+      </p:sp>
+      <p:sp>
+        <p:nvSpPr>
+          <p:cNvPr id="3" name="Content Placeholder 2"/>
           <p:cNvSpPr>
             <a:spLocks noGrp="1"/>
           </p:cNvSpPr>
@@ -1269,12 +4211,14 @@
         </p:nvSpPr>
         <p:spPr>
           <a:xfrm>
-            <a:off x="838200" y="1825625"/>
-            <a:ext cx="5181600" cy="4351338"/>
+            <a:off x="818712" y="2222287"/>
+            <a:ext cx="5185873" cy="3638763"/>
           </a:xfrm>
         </p:spPr>
         <p:txBody>
-          <a:bodyPr/>
+          <a:bodyPr>
+            <a:normAutofit/>
+          </a:bodyPr>
           <a:lstStyle/>
           <a:p>
             <a:pPr lvl="0"/>
@@ -1310,18 +4254,13 @@
               <a:rPr lang="fr-FR"/>
               <a:t>Cinquième niveau</a:t>
             </a:r>
-          </a:p>
-        </p:txBody>
-      </p:sp>
-      <p:sp>
-        <p:nvSpPr>
-          <p:cNvPr id="4" name="Espace réservé du contenu 3">
-            <a:extLst>
-              <a:ext uri="{FF2B5EF4-FFF2-40B4-BE49-F238E27FC236}">
-                <a16:creationId xmlns:a16="http://schemas.microsoft.com/office/drawing/2014/main" id="{740DA313-E6A6-294C-A0EF-E2746DE68C13}"/>
-              </a:ext>
-            </a:extLst>
-          </p:cNvPr>
+            <a:endParaRPr lang="en-US" dirty="0"/>
+          </a:p>
+        </p:txBody>
+      </p:sp>
+      <p:sp>
+        <p:nvSpPr>
+          <p:cNvPr id="4" name="Content Placeholder 3"/>
           <p:cNvSpPr>
             <a:spLocks noGrp="1"/>
           </p:cNvSpPr>
@@ -1331,12 +4270,14 @@
         </p:nvSpPr>
         <p:spPr>
           <a:xfrm>
-            <a:off x="6172200" y="1825625"/>
-            <a:ext cx="5181600" cy="4351338"/>
+            <a:off x="6187415" y="2222287"/>
+            <a:ext cx="5194583" cy="3638764"/>
           </a:xfrm>
         </p:spPr>
         <p:txBody>
-          <a:bodyPr/>
+          <a:bodyPr>
+            <a:normAutofit/>
+          </a:bodyPr>
           <a:lstStyle/>
           <a:p>
             <a:pPr lvl="0"/>
@@ -1372,18 +4313,13 @@
               <a:rPr lang="fr-FR"/>
               <a:t>Cinquième niveau</a:t>
             </a:r>
-          </a:p>
-        </p:txBody>
-      </p:sp>
-      <p:sp>
-        <p:nvSpPr>
-          <p:cNvPr id="5" name="Espace réservé de la date 4">
-            <a:extLst>
-              <a:ext uri="{FF2B5EF4-FFF2-40B4-BE49-F238E27FC236}">
-                <a16:creationId xmlns:a16="http://schemas.microsoft.com/office/drawing/2014/main" id="{477AFDA4-A171-7122-600D-C16895BB24E6}"/>
-              </a:ext>
-            </a:extLst>
-          </p:cNvPr>
+            <a:endParaRPr lang="en-US" dirty="0"/>
+          </a:p>
+        </p:txBody>
+      </p:sp>
+      <p:sp>
+        <p:nvSpPr>
+          <p:cNvPr id="5" name="Date Placeholder 4"/>
           <p:cNvSpPr>
             <a:spLocks noGrp="1"/>
           </p:cNvSpPr>
@@ -1398,7 +4334,7 @@
           <a:p>
             <a:fld id="{3572FE47-6DCF-4D33-AF1C-75BFD88E8F80}" type="datetimeFigureOut">
               <a:rPr lang="fr-FR" smtClean="0"/>
-              <a:t>30/05/2022</a:t>
+              <a:t>31/05/2022</a:t>
             </a:fld>
             <a:endParaRPr lang="fr-FR"/>
           </a:p>
@@ -1406,13 +4342,7 @@
       </p:sp>
       <p:sp>
         <p:nvSpPr>
-          <p:cNvPr id="6" name="Espace réservé du pied de page 5">
-            <a:extLst>
-              <a:ext uri="{FF2B5EF4-FFF2-40B4-BE49-F238E27FC236}">
-                <a16:creationId xmlns:a16="http://schemas.microsoft.com/office/drawing/2014/main" id="{E445AD19-FBAC-6F84-22AB-927459AF09F1}"/>
-              </a:ext>
-            </a:extLst>
-          </p:cNvPr>
+          <p:cNvPr id="6" name="Footer Placeholder 5"/>
           <p:cNvSpPr>
             <a:spLocks noGrp="1"/>
           </p:cNvSpPr>
@@ -1431,13 +4361,7 @@
       </p:sp>
       <p:sp>
         <p:nvSpPr>
-          <p:cNvPr id="7" name="Espace réservé du numéro de diapositive 6">
-            <a:extLst>
-              <a:ext uri="{FF2B5EF4-FFF2-40B4-BE49-F238E27FC236}">
-                <a16:creationId xmlns:a16="http://schemas.microsoft.com/office/drawing/2014/main" id="{93F95262-D6CF-170B-90CD-7DE565CFEE53}"/>
-              </a:ext>
-            </a:extLst>
-          </p:cNvPr>
+          <p:cNvPr id="7" name="Slide Number Placeholder 6"/>
           <p:cNvSpPr>
             <a:spLocks noGrp="1"/>
           </p:cNvSpPr>
@@ -1461,7 +4385,7 @@
     </p:spTree>
     <p:extLst>
       <p:ext uri="{BB962C8B-B14F-4D97-AF65-F5344CB8AC3E}">
-        <p14:creationId xmlns:p14="http://schemas.microsoft.com/office/powerpoint/2010/main" val="1461652669"/>
+        <p14:creationId xmlns:p14="http://schemas.microsoft.com/office/powerpoint/2010/main" val="2941180825"/>
       </p:ext>
     </p:extLst>
   </p:cSld>
@@ -1490,65 +4414,158 @@
       </p:grpSpPr>
       <p:sp>
         <p:nvSpPr>
-          <p:cNvPr id="2" name="Titre 1">
-            <a:extLst>
-              <a:ext uri="{FF2B5EF4-FFF2-40B4-BE49-F238E27FC236}">
-                <a16:creationId xmlns:a16="http://schemas.microsoft.com/office/drawing/2014/main" id="{ABDBBCBB-4D8C-3432-E1F9-140044A2EC53}"/>
-              </a:ext>
-            </a:extLst>
-          </p:cNvPr>
+          <p:cNvPr id="10" name="Freeform 6"/>
+          <p:cNvSpPr/>
+          <p:nvPr/>
+        </p:nvSpPr>
+        <p:spPr bwMode="auto">
+          <a:xfrm>
+            <a:off x="0" y="0"/>
+            <a:ext cx="12192000" cy="2185988"/>
+          </a:xfrm>
+          <a:custGeom>
+            <a:avLst/>
+            <a:gdLst/>
+            <a:ahLst/>
+            <a:cxnLst/>
+            <a:rect l="0" t="0" r="r" b="b"/>
+            <a:pathLst>
+              <a:path w="5760" h="1377">
+                <a:moveTo>
+                  <a:pt x="5760" y="0"/>
+                </a:moveTo>
+                <a:lnTo>
+                  <a:pt x="0" y="0"/>
+                </a:lnTo>
+                <a:lnTo>
+                  <a:pt x="0" y="1189"/>
+                </a:lnTo>
+                <a:lnTo>
+                  <a:pt x="943" y="1189"/>
+                </a:lnTo>
+                <a:lnTo>
+                  <a:pt x="1123" y="1369"/>
+                </a:lnTo>
+                <a:lnTo>
+                  <a:pt x="1123" y="1369"/>
+                </a:lnTo>
+                <a:lnTo>
+                  <a:pt x="1127" y="1371"/>
+                </a:lnTo>
+                <a:lnTo>
+                  <a:pt x="1133" y="1374"/>
+                </a:lnTo>
+                <a:lnTo>
+                  <a:pt x="1139" y="1377"/>
+                </a:lnTo>
+                <a:lnTo>
+                  <a:pt x="1144" y="1377"/>
+                </a:lnTo>
+                <a:lnTo>
+                  <a:pt x="1150" y="1377"/>
+                </a:lnTo>
+                <a:lnTo>
+                  <a:pt x="1155" y="1374"/>
+                </a:lnTo>
+                <a:lnTo>
+                  <a:pt x="1161" y="1371"/>
+                </a:lnTo>
+                <a:lnTo>
+                  <a:pt x="1165" y="1369"/>
+                </a:lnTo>
+                <a:lnTo>
+                  <a:pt x="1345" y="1189"/>
+                </a:lnTo>
+                <a:lnTo>
+                  <a:pt x="5760" y="1189"/>
+                </a:lnTo>
+                <a:lnTo>
+                  <a:pt x="5760" y="0"/>
+                </a:lnTo>
+                <a:close/>
+              </a:path>
+            </a:pathLst>
+          </a:custGeom>
+          <a:ln/>
+          <a:extLst>
+            <a:ext uri="{91240B29-F687-4f45-9708-019B960494DF}">
+              <a14:hiddenLine xmlns="" xmlns:a14="http://schemas.microsoft.com/office/drawing/2010/main" w="9525">
+                <a:solidFill>
+                  <a:srgbClr val="000000"/>
+                </a:solidFill>
+                <a:round/>
+                <a:headEnd/>
+                <a:tailEnd/>
+              </a14:hiddenLine>
+            </a:ext>
+          </a:extLst>
+        </p:spPr>
+        <p:style>
+          <a:lnRef idx="1">
+            <a:schemeClr val="accent1"/>
+          </a:lnRef>
+          <a:fillRef idx="3">
+            <a:schemeClr val="accent1"/>
+          </a:fillRef>
+          <a:effectRef idx="2">
+            <a:schemeClr val="accent1"/>
+          </a:effectRef>
+          <a:fontRef idx="minor">
+            <a:schemeClr val="lt1"/>
+          </a:fontRef>
+        </p:style>
+      </p:sp>
+      <p:sp>
+        <p:nvSpPr>
+          <p:cNvPr id="2" name="Title 1"/>
           <p:cNvSpPr>
             <a:spLocks noGrp="1"/>
           </p:cNvSpPr>
           <p:nvPr>
             <p:ph type="title"/>
+          </p:nvPr>
+        </p:nvSpPr>
+        <p:spPr/>
+        <p:txBody>
+          <a:bodyPr/>
+          <a:lstStyle>
+            <a:lvl1pPr>
+              <a:defRPr/>
+            </a:lvl1pPr>
+          </a:lstStyle>
+          <a:p>
+            <a:r>
+              <a:rPr lang="fr-FR"/>
+              <a:t>Modifiez le style du titre</a:t>
+            </a:r>
+            <a:endParaRPr lang="en-US" dirty="0"/>
+          </a:p>
+        </p:txBody>
+      </p:sp>
+      <p:sp>
+        <p:nvSpPr>
+          <p:cNvPr id="3" name="Text Placeholder 2"/>
+          <p:cNvSpPr>
+            <a:spLocks noGrp="1"/>
+          </p:cNvSpPr>
+          <p:nvPr>
+            <p:ph type="body" idx="1"/>
           </p:nvPr>
         </p:nvSpPr>
         <p:spPr>
           <a:xfrm>
-            <a:off x="839788" y="365125"/>
-            <a:ext cx="10515600" cy="1325563"/>
+            <a:off x="814728" y="2174875"/>
+            <a:ext cx="5189857" cy="576262"/>
           </a:xfrm>
         </p:spPr>
         <p:txBody>
-          <a:bodyPr/>
-          <a:lstStyle/>
-          <a:p>
-            <a:r>
-              <a:rPr lang="fr-FR"/>
-              <a:t>Modifiez le style du titre</a:t>
-            </a:r>
-          </a:p>
-        </p:txBody>
-      </p:sp>
-      <p:sp>
-        <p:nvSpPr>
-          <p:cNvPr id="3" name="Espace réservé du texte 2">
-            <a:extLst>
-              <a:ext uri="{FF2B5EF4-FFF2-40B4-BE49-F238E27FC236}">
-                <a16:creationId xmlns:a16="http://schemas.microsoft.com/office/drawing/2014/main" id="{F319A9AA-2205-3960-6E76-1006F09531E1}"/>
-              </a:ext>
-            </a:extLst>
-          </p:cNvPr>
-          <p:cNvSpPr>
-            <a:spLocks noGrp="1"/>
-          </p:cNvSpPr>
-          <p:nvPr>
-            <p:ph type="body" idx="1"/>
-          </p:nvPr>
-        </p:nvSpPr>
-        <p:spPr>
-          <a:xfrm>
-            <a:off x="839788" y="1681163"/>
-            <a:ext cx="5157787" cy="823912"/>
-          </a:xfrm>
-        </p:spPr>
-        <p:txBody>
-          <a:bodyPr anchor="b"/>
+          <a:bodyPr anchor="b">
+            <a:noAutofit/>
+          </a:bodyPr>
           <a:lstStyle>
-            <a:lvl1pPr marL="0" indent="0">
+            <a:lvl1pPr marL="0" indent="0" algn="ctr">
               <a:buNone/>
-              <a:defRPr sz="2400" b="1"/>
+              <a:defRPr sz="2000" b="0"/>
             </a:lvl1pPr>
             <a:lvl2pPr marL="457200" indent="0">
               <a:buNone/>
@@ -1594,13 +4611,7 @@
       </p:sp>
       <p:sp>
         <p:nvSpPr>
-          <p:cNvPr id="4" name="Espace réservé du contenu 3">
-            <a:extLst>
-              <a:ext uri="{FF2B5EF4-FFF2-40B4-BE49-F238E27FC236}">
-                <a16:creationId xmlns:a16="http://schemas.microsoft.com/office/drawing/2014/main" id="{A8C39196-59C3-AC50-6172-99BD60B571A3}"/>
-              </a:ext>
-            </a:extLst>
-          </p:cNvPr>
+          <p:cNvPr id="4" name="Content Placeholder 3"/>
           <p:cNvSpPr>
             <a:spLocks noGrp="1"/>
           </p:cNvSpPr>
@@ -1610,12 +4621,14 @@
         </p:nvSpPr>
         <p:spPr>
           <a:xfrm>
-            <a:off x="839788" y="2505075"/>
-            <a:ext cx="5157787" cy="3684588"/>
+            <a:off x="814729" y="2751138"/>
+            <a:ext cx="5189856" cy="3109913"/>
           </a:xfrm>
         </p:spPr>
         <p:txBody>
-          <a:bodyPr/>
+          <a:bodyPr anchor="t">
+            <a:normAutofit/>
+          </a:bodyPr>
           <a:lstStyle/>
           <a:p>
             <a:pPr lvl="0"/>
@@ -1651,18 +4664,13 @@
               <a:rPr lang="fr-FR"/>
               <a:t>Cinquième niveau</a:t>
             </a:r>
-          </a:p>
-        </p:txBody>
-      </p:sp>
-      <p:sp>
-        <p:nvSpPr>
-          <p:cNvPr id="5" name="Espace réservé du texte 4">
-            <a:extLst>
-              <a:ext uri="{FF2B5EF4-FFF2-40B4-BE49-F238E27FC236}">
-                <a16:creationId xmlns:a16="http://schemas.microsoft.com/office/drawing/2014/main" id="{846AA118-DAFB-697F-9A0C-D6585C898657}"/>
-              </a:ext>
-            </a:extLst>
-          </p:cNvPr>
+            <a:endParaRPr lang="en-US" dirty="0"/>
+          </a:p>
+        </p:txBody>
+      </p:sp>
+      <p:sp>
+        <p:nvSpPr>
+          <p:cNvPr id="5" name="Text Placeholder 4"/>
           <p:cNvSpPr>
             <a:spLocks noGrp="1"/>
           </p:cNvSpPr>
@@ -1672,16 +4680,18 @@
         </p:nvSpPr>
         <p:spPr>
           <a:xfrm>
-            <a:off x="6172200" y="1681163"/>
-            <a:ext cx="5183188" cy="823912"/>
+            <a:off x="6187415" y="2174875"/>
+            <a:ext cx="5194583" cy="576262"/>
           </a:xfrm>
         </p:spPr>
         <p:txBody>
-          <a:bodyPr anchor="b"/>
+          <a:bodyPr anchor="b">
+            <a:noAutofit/>
+          </a:bodyPr>
           <a:lstStyle>
-            <a:lvl1pPr marL="0" indent="0">
+            <a:lvl1pPr marL="0" indent="0" algn="ctr">
               <a:buNone/>
-              <a:defRPr sz="2400" b="1"/>
+              <a:defRPr sz="2000" b="0"/>
             </a:lvl1pPr>
             <a:lvl2pPr marL="457200" indent="0">
               <a:buNone/>
@@ -1727,13 +4737,7 @@
       </p:sp>
       <p:sp>
         <p:nvSpPr>
-          <p:cNvPr id="6" name="Espace réservé du contenu 5">
-            <a:extLst>
-              <a:ext uri="{FF2B5EF4-FFF2-40B4-BE49-F238E27FC236}">
-                <a16:creationId xmlns:a16="http://schemas.microsoft.com/office/drawing/2014/main" id="{F5953A4D-81CF-23F6-D6E7-654661A8A356}"/>
-              </a:ext>
-            </a:extLst>
-          </p:cNvPr>
+          <p:cNvPr id="6" name="Content Placeholder 5"/>
           <p:cNvSpPr>
             <a:spLocks noGrp="1"/>
           </p:cNvSpPr>
@@ -1743,12 +4747,14 @@
         </p:nvSpPr>
         <p:spPr>
           <a:xfrm>
-            <a:off x="6172200" y="2505075"/>
-            <a:ext cx="5183188" cy="3684588"/>
+            <a:off x="6187415" y="2751138"/>
+            <a:ext cx="5194583" cy="3109913"/>
           </a:xfrm>
         </p:spPr>
         <p:txBody>
-          <a:bodyPr/>
+          <a:bodyPr anchor="t">
+            <a:normAutofit/>
+          </a:bodyPr>
           <a:lstStyle/>
           <a:p>
             <a:pPr lvl="0"/>
@@ -1784,18 +4790,13 @@
               <a:rPr lang="fr-FR"/>
               <a:t>Cinquième niveau</a:t>
             </a:r>
-          </a:p>
-        </p:txBody>
-      </p:sp>
-      <p:sp>
-        <p:nvSpPr>
-          <p:cNvPr id="7" name="Espace réservé de la date 6">
-            <a:extLst>
-              <a:ext uri="{FF2B5EF4-FFF2-40B4-BE49-F238E27FC236}">
-                <a16:creationId xmlns:a16="http://schemas.microsoft.com/office/drawing/2014/main" id="{B4EFEA7F-07C2-DD86-0CB1-A1B3571D0E68}"/>
-              </a:ext>
-            </a:extLst>
-          </p:cNvPr>
+            <a:endParaRPr lang="en-US" dirty="0"/>
+          </a:p>
+        </p:txBody>
+      </p:sp>
+      <p:sp>
+        <p:nvSpPr>
+          <p:cNvPr id="7" name="Date Placeholder 6"/>
           <p:cNvSpPr>
             <a:spLocks noGrp="1"/>
           </p:cNvSpPr>
@@ -1810,7 +4811,7 @@
           <a:p>
             <a:fld id="{3572FE47-6DCF-4D33-AF1C-75BFD88E8F80}" type="datetimeFigureOut">
               <a:rPr lang="fr-FR" smtClean="0"/>
-              <a:t>30/05/2022</a:t>
+              <a:t>31/05/2022</a:t>
             </a:fld>
             <a:endParaRPr lang="fr-FR"/>
           </a:p>
@@ -1818,13 +4819,7 @@
       </p:sp>
       <p:sp>
         <p:nvSpPr>
-          <p:cNvPr id="8" name="Espace réservé du pied de page 7">
-            <a:extLst>
-              <a:ext uri="{FF2B5EF4-FFF2-40B4-BE49-F238E27FC236}">
-                <a16:creationId xmlns:a16="http://schemas.microsoft.com/office/drawing/2014/main" id="{7B414A50-1022-51CE-4B07-C371B2E637C7}"/>
-              </a:ext>
-            </a:extLst>
-          </p:cNvPr>
+          <p:cNvPr id="8" name="Footer Placeholder 7"/>
           <p:cNvSpPr>
             <a:spLocks noGrp="1"/>
           </p:cNvSpPr>
@@ -1843,13 +4838,7 @@
       </p:sp>
       <p:sp>
         <p:nvSpPr>
-          <p:cNvPr id="9" name="Espace réservé du numéro de diapositive 8">
-            <a:extLst>
-              <a:ext uri="{FF2B5EF4-FFF2-40B4-BE49-F238E27FC236}">
-                <a16:creationId xmlns:a16="http://schemas.microsoft.com/office/drawing/2014/main" id="{16A27529-EABC-1C65-43D7-7B2C0A3DA506}"/>
-              </a:ext>
-            </a:extLst>
-          </p:cNvPr>
+          <p:cNvPr id="9" name="Slide Number Placeholder 8"/>
           <p:cNvSpPr>
             <a:spLocks noGrp="1"/>
           </p:cNvSpPr>
@@ -1873,7 +4862,7 @@
     </p:spTree>
     <p:extLst>
       <p:ext uri="{BB962C8B-B14F-4D97-AF65-F5344CB8AC3E}">
-        <p14:creationId xmlns:p14="http://schemas.microsoft.com/office/powerpoint/2010/main" val="626505388"/>
+        <p14:creationId xmlns:p14="http://schemas.microsoft.com/office/powerpoint/2010/main" val="1741474039"/>
       </p:ext>
     </p:extLst>
   </p:cSld>
@@ -1902,13 +4891,110 @@
       </p:grpSpPr>
       <p:sp>
         <p:nvSpPr>
-          <p:cNvPr id="2" name="Titre 1">
-            <a:extLst>
-              <a:ext uri="{FF2B5EF4-FFF2-40B4-BE49-F238E27FC236}">
-                <a16:creationId xmlns:a16="http://schemas.microsoft.com/office/drawing/2014/main" id="{3600028F-2F9F-FBFF-4914-95D0427EF02E}"/>
-              </a:ext>
-            </a:extLst>
-          </p:cNvPr>
+          <p:cNvPr id="6" name="Freeform 6"/>
+          <p:cNvSpPr/>
+          <p:nvPr/>
+        </p:nvSpPr>
+        <p:spPr bwMode="auto">
+          <a:xfrm>
+            <a:off x="0" y="0"/>
+            <a:ext cx="12192000" cy="2185988"/>
+          </a:xfrm>
+          <a:custGeom>
+            <a:avLst/>
+            <a:gdLst/>
+            <a:ahLst/>
+            <a:cxnLst/>
+            <a:rect l="0" t="0" r="r" b="b"/>
+            <a:pathLst>
+              <a:path w="5760" h="1377">
+                <a:moveTo>
+                  <a:pt x="5760" y="0"/>
+                </a:moveTo>
+                <a:lnTo>
+                  <a:pt x="0" y="0"/>
+                </a:lnTo>
+                <a:lnTo>
+                  <a:pt x="0" y="1189"/>
+                </a:lnTo>
+                <a:lnTo>
+                  <a:pt x="943" y="1189"/>
+                </a:lnTo>
+                <a:lnTo>
+                  <a:pt x="1123" y="1369"/>
+                </a:lnTo>
+                <a:lnTo>
+                  <a:pt x="1123" y="1369"/>
+                </a:lnTo>
+                <a:lnTo>
+                  <a:pt x="1127" y="1371"/>
+                </a:lnTo>
+                <a:lnTo>
+                  <a:pt x="1133" y="1374"/>
+                </a:lnTo>
+                <a:lnTo>
+                  <a:pt x="1139" y="1377"/>
+                </a:lnTo>
+                <a:lnTo>
+                  <a:pt x="1144" y="1377"/>
+                </a:lnTo>
+                <a:lnTo>
+                  <a:pt x="1150" y="1377"/>
+                </a:lnTo>
+                <a:lnTo>
+                  <a:pt x="1155" y="1374"/>
+                </a:lnTo>
+                <a:lnTo>
+                  <a:pt x="1161" y="1371"/>
+                </a:lnTo>
+                <a:lnTo>
+                  <a:pt x="1165" y="1369"/>
+                </a:lnTo>
+                <a:lnTo>
+                  <a:pt x="1345" y="1189"/>
+                </a:lnTo>
+                <a:lnTo>
+                  <a:pt x="5760" y="1189"/>
+                </a:lnTo>
+                <a:lnTo>
+                  <a:pt x="5760" y="0"/>
+                </a:lnTo>
+                <a:close/>
+              </a:path>
+            </a:pathLst>
+          </a:custGeom>
+          <a:ln/>
+          <a:extLst>
+            <a:ext uri="{91240B29-F687-4f45-9708-019B960494DF}">
+              <a14:hiddenLine xmlns="" xmlns:a14="http://schemas.microsoft.com/office/drawing/2010/main" w="9525">
+                <a:solidFill>
+                  <a:srgbClr val="000000"/>
+                </a:solidFill>
+                <a:round/>
+                <a:headEnd/>
+                <a:tailEnd/>
+              </a14:hiddenLine>
+            </a:ext>
+          </a:extLst>
+        </p:spPr>
+        <p:style>
+          <a:lnRef idx="1">
+            <a:schemeClr val="accent1"/>
+          </a:lnRef>
+          <a:fillRef idx="3">
+            <a:schemeClr val="accent1"/>
+          </a:fillRef>
+          <a:effectRef idx="2">
+            <a:schemeClr val="accent1"/>
+          </a:effectRef>
+          <a:fontRef idx="minor">
+            <a:schemeClr val="lt1"/>
+          </a:fontRef>
+        </p:style>
+      </p:sp>
+      <p:sp>
+        <p:nvSpPr>
+          <p:cNvPr id="2" name="Title 1"/>
           <p:cNvSpPr>
             <a:spLocks noGrp="1"/>
           </p:cNvSpPr>
@@ -1925,18 +5011,13 @@
               <a:rPr lang="fr-FR"/>
               <a:t>Modifiez le style du titre</a:t>
             </a:r>
-          </a:p>
-        </p:txBody>
-      </p:sp>
-      <p:sp>
-        <p:nvSpPr>
-          <p:cNvPr id="3" name="Espace réservé de la date 2">
-            <a:extLst>
-              <a:ext uri="{FF2B5EF4-FFF2-40B4-BE49-F238E27FC236}">
-                <a16:creationId xmlns:a16="http://schemas.microsoft.com/office/drawing/2014/main" id="{87FD11ED-06CA-2A92-7E1B-5019B0BCEFF7}"/>
-              </a:ext>
-            </a:extLst>
-          </p:cNvPr>
+            <a:endParaRPr lang="en-US" dirty="0"/>
+          </a:p>
+        </p:txBody>
+      </p:sp>
+      <p:sp>
+        <p:nvSpPr>
+          <p:cNvPr id="3" name="Date Placeholder 2"/>
           <p:cNvSpPr>
             <a:spLocks noGrp="1"/>
           </p:cNvSpPr>
@@ -1951,7 +5032,7 @@
           <a:p>
             <a:fld id="{3572FE47-6DCF-4D33-AF1C-75BFD88E8F80}" type="datetimeFigureOut">
               <a:rPr lang="fr-FR" smtClean="0"/>
-              <a:t>30/05/2022</a:t>
+              <a:t>31/05/2022</a:t>
             </a:fld>
             <a:endParaRPr lang="fr-FR"/>
           </a:p>
@@ -1959,13 +5040,7 @@
       </p:sp>
       <p:sp>
         <p:nvSpPr>
-          <p:cNvPr id="4" name="Espace réservé du pied de page 3">
-            <a:extLst>
-              <a:ext uri="{FF2B5EF4-FFF2-40B4-BE49-F238E27FC236}">
-                <a16:creationId xmlns:a16="http://schemas.microsoft.com/office/drawing/2014/main" id="{75A1C069-6AAA-B1AC-6B3A-E6DC9C52D1ED}"/>
-              </a:ext>
-            </a:extLst>
-          </p:cNvPr>
+          <p:cNvPr id="4" name="Footer Placeholder 3"/>
           <p:cNvSpPr>
             <a:spLocks noGrp="1"/>
           </p:cNvSpPr>
@@ -1984,13 +5059,7 @@
       </p:sp>
       <p:sp>
         <p:nvSpPr>
-          <p:cNvPr id="5" name="Espace réservé du numéro de diapositive 4">
-            <a:extLst>
-              <a:ext uri="{FF2B5EF4-FFF2-40B4-BE49-F238E27FC236}">
-                <a16:creationId xmlns:a16="http://schemas.microsoft.com/office/drawing/2014/main" id="{85B8A794-F5AA-B2CB-0A1F-2E080BCB8463}"/>
-              </a:ext>
-            </a:extLst>
-          </p:cNvPr>
+          <p:cNvPr id="5" name="Slide Number Placeholder 4"/>
           <p:cNvSpPr>
             <a:spLocks noGrp="1"/>
           </p:cNvSpPr>
@@ -2014,7 +5083,7 @@
     </p:spTree>
     <p:extLst>
       <p:ext uri="{BB962C8B-B14F-4D97-AF65-F5344CB8AC3E}">
-        <p14:creationId xmlns:p14="http://schemas.microsoft.com/office/powerpoint/2010/main" val="958820905"/>
+        <p14:creationId xmlns:p14="http://schemas.microsoft.com/office/powerpoint/2010/main" val="2241056230"/>
       </p:ext>
     </p:extLst>
   </p:cSld>
@@ -2043,13 +5112,7 @@
       </p:grpSpPr>
       <p:sp>
         <p:nvSpPr>
-          <p:cNvPr id="2" name="Espace réservé de la date 1">
-            <a:extLst>
-              <a:ext uri="{FF2B5EF4-FFF2-40B4-BE49-F238E27FC236}">
-                <a16:creationId xmlns:a16="http://schemas.microsoft.com/office/drawing/2014/main" id="{1A03E856-2EE8-5508-20C4-721D8584C924}"/>
-              </a:ext>
-            </a:extLst>
-          </p:cNvPr>
+          <p:cNvPr id="2" name="Date Placeholder 1"/>
           <p:cNvSpPr>
             <a:spLocks noGrp="1"/>
           </p:cNvSpPr>
@@ -2064,7 +5127,7 @@
           <a:p>
             <a:fld id="{3572FE47-6DCF-4D33-AF1C-75BFD88E8F80}" type="datetimeFigureOut">
               <a:rPr lang="fr-FR" smtClean="0"/>
-              <a:t>30/05/2022</a:t>
+              <a:t>31/05/2022</a:t>
             </a:fld>
             <a:endParaRPr lang="fr-FR"/>
           </a:p>
@@ -2072,13 +5135,7 @@
       </p:sp>
       <p:sp>
         <p:nvSpPr>
-          <p:cNvPr id="3" name="Espace réservé du pied de page 2">
-            <a:extLst>
-              <a:ext uri="{FF2B5EF4-FFF2-40B4-BE49-F238E27FC236}">
-                <a16:creationId xmlns:a16="http://schemas.microsoft.com/office/drawing/2014/main" id="{3FD5BBDA-379B-C4BB-EE5E-B82775862059}"/>
-              </a:ext>
-            </a:extLst>
-          </p:cNvPr>
+          <p:cNvPr id="3" name="Footer Placeholder 2"/>
           <p:cNvSpPr>
             <a:spLocks noGrp="1"/>
           </p:cNvSpPr>
@@ -2097,13 +5154,7 @@
       </p:sp>
       <p:sp>
         <p:nvSpPr>
-          <p:cNvPr id="4" name="Espace réservé du numéro de diapositive 3">
-            <a:extLst>
-              <a:ext uri="{FF2B5EF4-FFF2-40B4-BE49-F238E27FC236}">
-                <a16:creationId xmlns:a16="http://schemas.microsoft.com/office/drawing/2014/main" id="{F3D34399-D0A6-442A-C163-41D930D8567E}"/>
-              </a:ext>
-            </a:extLst>
-          </p:cNvPr>
+          <p:cNvPr id="4" name="Slide Number Placeholder 3"/>
           <p:cNvSpPr>
             <a:spLocks noGrp="1"/>
           </p:cNvSpPr>
@@ -2127,7 +5178,7 @@
     </p:spTree>
     <p:extLst>
       <p:ext uri="{BB962C8B-B14F-4D97-AF65-F5344CB8AC3E}">
-        <p14:creationId xmlns:p14="http://schemas.microsoft.com/office/powerpoint/2010/main" val="4083905407"/>
+        <p14:creationId xmlns:p14="http://schemas.microsoft.com/office/powerpoint/2010/main" val="986484824"/>
       </p:ext>
     </p:extLst>
   </p:cSld>
@@ -2156,13 +5207,223 @@
       </p:grpSpPr>
       <p:sp>
         <p:nvSpPr>
-          <p:cNvPr id="2" name="Titre 1">
-            <a:extLst>
-              <a:ext uri="{FF2B5EF4-FFF2-40B4-BE49-F238E27FC236}">
-                <a16:creationId xmlns:a16="http://schemas.microsoft.com/office/drawing/2014/main" id="{7F528F8E-5612-F005-913A-368F87D1B66B}"/>
-              </a:ext>
-            </a:extLst>
-          </p:cNvPr>
+          <p:cNvPr id="12" name="Freeform 6"/>
+          <p:cNvSpPr>
+            <a:spLocks noChangeAspect="1"/>
+          </p:cNvSpPr>
+          <p:nvPr/>
+        </p:nvSpPr>
+        <p:spPr bwMode="auto">
+          <a:xfrm>
+            <a:off x="1073151" y="446087"/>
+            <a:ext cx="3547533" cy="1814651"/>
+          </a:xfrm>
+          <a:custGeom>
+            <a:avLst/>
+            <a:gdLst/>
+            <a:ahLst/>
+            <a:cxnLst/>
+            <a:rect l="0" t="0" r="r" b="b"/>
+            <a:pathLst>
+              <a:path w="3384" h="2308">
+                <a:moveTo>
+                  <a:pt x="3340" y="0"/>
+                </a:moveTo>
+                <a:lnTo>
+                  <a:pt x="44" y="0"/>
+                </a:lnTo>
+                <a:lnTo>
+                  <a:pt x="44" y="0"/>
+                </a:lnTo>
+                <a:lnTo>
+                  <a:pt x="34" y="0"/>
+                </a:lnTo>
+                <a:lnTo>
+                  <a:pt x="26" y="4"/>
+                </a:lnTo>
+                <a:lnTo>
+                  <a:pt x="20" y="8"/>
+                </a:lnTo>
+                <a:lnTo>
+                  <a:pt x="12" y="12"/>
+                </a:lnTo>
+                <a:lnTo>
+                  <a:pt x="8" y="20"/>
+                </a:lnTo>
+                <a:lnTo>
+                  <a:pt x="4" y="26"/>
+                </a:lnTo>
+                <a:lnTo>
+                  <a:pt x="0" y="34"/>
+                </a:lnTo>
+                <a:lnTo>
+                  <a:pt x="0" y="44"/>
+                </a:lnTo>
+                <a:lnTo>
+                  <a:pt x="0" y="2076"/>
+                </a:lnTo>
+                <a:lnTo>
+                  <a:pt x="0" y="2076"/>
+                </a:lnTo>
+                <a:lnTo>
+                  <a:pt x="0" y="2086"/>
+                </a:lnTo>
+                <a:lnTo>
+                  <a:pt x="4" y="2094"/>
+                </a:lnTo>
+                <a:lnTo>
+                  <a:pt x="8" y="2100"/>
+                </a:lnTo>
+                <a:lnTo>
+                  <a:pt x="12" y="2108"/>
+                </a:lnTo>
+                <a:lnTo>
+                  <a:pt x="20" y="2112"/>
+                </a:lnTo>
+                <a:lnTo>
+                  <a:pt x="26" y="2116"/>
+                </a:lnTo>
+                <a:lnTo>
+                  <a:pt x="34" y="2120"/>
+                </a:lnTo>
+                <a:lnTo>
+                  <a:pt x="44" y="2120"/>
+                </a:lnTo>
+                <a:lnTo>
+                  <a:pt x="474" y="2120"/>
+                </a:lnTo>
+                <a:lnTo>
+                  <a:pt x="650" y="2296"/>
+                </a:lnTo>
+                <a:lnTo>
+                  <a:pt x="650" y="2296"/>
+                </a:lnTo>
+                <a:lnTo>
+                  <a:pt x="656" y="2300"/>
+                </a:lnTo>
+                <a:lnTo>
+                  <a:pt x="664" y="2304"/>
+                </a:lnTo>
+                <a:lnTo>
+                  <a:pt x="672" y="2308"/>
+                </a:lnTo>
+                <a:lnTo>
+                  <a:pt x="680" y="2308"/>
+                </a:lnTo>
+                <a:lnTo>
+                  <a:pt x="688" y="2308"/>
+                </a:lnTo>
+                <a:lnTo>
+                  <a:pt x="696" y="2304"/>
+                </a:lnTo>
+                <a:lnTo>
+                  <a:pt x="704" y="2300"/>
+                </a:lnTo>
+                <a:lnTo>
+                  <a:pt x="710" y="2296"/>
+                </a:lnTo>
+                <a:lnTo>
+                  <a:pt x="886" y="2120"/>
+                </a:lnTo>
+                <a:lnTo>
+                  <a:pt x="3340" y="2120"/>
+                </a:lnTo>
+                <a:lnTo>
+                  <a:pt x="3340" y="2120"/>
+                </a:lnTo>
+                <a:lnTo>
+                  <a:pt x="3350" y="2120"/>
+                </a:lnTo>
+                <a:lnTo>
+                  <a:pt x="3358" y="2116"/>
+                </a:lnTo>
+                <a:lnTo>
+                  <a:pt x="3364" y="2112"/>
+                </a:lnTo>
+                <a:lnTo>
+                  <a:pt x="3372" y="2108"/>
+                </a:lnTo>
+                <a:lnTo>
+                  <a:pt x="3376" y="2100"/>
+                </a:lnTo>
+                <a:lnTo>
+                  <a:pt x="3380" y="2094"/>
+                </a:lnTo>
+                <a:lnTo>
+                  <a:pt x="3384" y="2086"/>
+                </a:lnTo>
+                <a:lnTo>
+                  <a:pt x="3384" y="2076"/>
+                </a:lnTo>
+                <a:lnTo>
+                  <a:pt x="3384" y="44"/>
+                </a:lnTo>
+                <a:lnTo>
+                  <a:pt x="3384" y="44"/>
+                </a:lnTo>
+                <a:lnTo>
+                  <a:pt x="3384" y="34"/>
+                </a:lnTo>
+                <a:lnTo>
+                  <a:pt x="3380" y="26"/>
+                </a:lnTo>
+                <a:lnTo>
+                  <a:pt x="3376" y="20"/>
+                </a:lnTo>
+                <a:lnTo>
+                  <a:pt x="3372" y="12"/>
+                </a:lnTo>
+                <a:lnTo>
+                  <a:pt x="3364" y="8"/>
+                </a:lnTo>
+                <a:lnTo>
+                  <a:pt x="3358" y="4"/>
+                </a:lnTo>
+                <a:lnTo>
+                  <a:pt x="3350" y="0"/>
+                </a:lnTo>
+                <a:lnTo>
+                  <a:pt x="3340" y="0"/>
+                </a:lnTo>
+                <a:lnTo>
+                  <a:pt x="3340" y="0"/>
+                </a:lnTo>
+                <a:close/>
+              </a:path>
+            </a:pathLst>
+          </a:custGeom>
+          <a:ln/>
+          <a:extLst>
+            <a:ext uri="{91240B29-F687-4f45-9708-019B960494DF}">
+              <a14:hiddenLine xmlns="" xmlns:a14="http://schemas.microsoft.com/office/drawing/2010/main" w="9525">
+                <a:solidFill>
+                  <a:srgbClr val="000000"/>
+                </a:solidFill>
+                <a:round/>
+                <a:headEnd/>
+                <a:tailEnd/>
+              </a14:hiddenLine>
+            </a:ext>
+          </a:extLst>
+        </p:spPr>
+        <p:style>
+          <a:lnRef idx="1">
+            <a:schemeClr val="accent1"/>
+          </a:lnRef>
+          <a:fillRef idx="3">
+            <a:schemeClr val="accent1"/>
+          </a:fillRef>
+          <a:effectRef idx="2">
+            <a:schemeClr val="accent1"/>
+          </a:effectRef>
+          <a:fontRef idx="minor">
+            <a:schemeClr val="lt1"/>
+          </a:fontRef>
+        </p:style>
+      </p:sp>
+      <p:sp>
+        <p:nvSpPr>
+          <p:cNvPr id="2" name="Title 1"/>
           <p:cNvSpPr>
             <a:spLocks noGrp="1"/>
           </p:cNvSpPr>
@@ -2172,15 +5433,15 @@
         </p:nvSpPr>
         <p:spPr>
           <a:xfrm>
-            <a:off x="839788" y="457200"/>
-            <a:ext cx="3932237" cy="1600200"/>
+            <a:off x="1073151" y="446088"/>
+            <a:ext cx="3547533" cy="1618396"/>
           </a:xfrm>
         </p:spPr>
         <p:txBody>
           <a:bodyPr anchor="b"/>
           <a:lstStyle>
-            <a:lvl1pPr>
-              <a:defRPr sz="3200"/>
+            <a:lvl1pPr algn="l">
+              <a:defRPr sz="2000" b="1"/>
             </a:lvl1pPr>
           </a:lstStyle>
           <a:p>
@@ -2188,18 +5449,13 @@
               <a:rPr lang="fr-FR"/>
               <a:t>Modifiez le style du titre</a:t>
             </a:r>
-          </a:p>
-        </p:txBody>
-      </p:sp>
-      <p:sp>
-        <p:nvSpPr>
-          <p:cNvPr id="3" name="Espace réservé du contenu 2">
-            <a:extLst>
-              <a:ext uri="{FF2B5EF4-FFF2-40B4-BE49-F238E27FC236}">
-                <a16:creationId xmlns:a16="http://schemas.microsoft.com/office/drawing/2014/main" id="{D3E3B246-C447-6C21-1494-7B46EA658714}"/>
-              </a:ext>
-            </a:extLst>
-          </p:cNvPr>
+            <a:endParaRPr lang="en-US" dirty="0"/>
+          </a:p>
+        </p:txBody>
+      </p:sp>
+      <p:sp>
+        <p:nvSpPr>
+          <p:cNvPr id="3" name="Content Placeholder 2"/>
           <p:cNvSpPr>
             <a:spLocks noGrp="1"/>
           </p:cNvSpPr>
@@ -2209,41 +5465,15 @@
         </p:nvSpPr>
         <p:spPr>
           <a:xfrm>
-            <a:off x="5183188" y="987425"/>
-            <a:ext cx="6172200" cy="4873625"/>
+            <a:off x="4855633" y="446088"/>
+            <a:ext cx="6252633" cy="5414963"/>
           </a:xfrm>
         </p:spPr>
         <p:txBody>
-          <a:bodyPr/>
-          <a:lstStyle>
-            <a:lvl1pPr>
-              <a:defRPr sz="3200"/>
-            </a:lvl1pPr>
-            <a:lvl2pPr>
-              <a:defRPr sz="2800"/>
-            </a:lvl2pPr>
-            <a:lvl3pPr>
-              <a:defRPr sz="2400"/>
-            </a:lvl3pPr>
-            <a:lvl4pPr>
-              <a:defRPr sz="2000"/>
-            </a:lvl4pPr>
-            <a:lvl5pPr>
-              <a:defRPr sz="2000"/>
-            </a:lvl5pPr>
-            <a:lvl6pPr>
-              <a:defRPr sz="2000"/>
-            </a:lvl6pPr>
-            <a:lvl7pPr>
-              <a:defRPr sz="2000"/>
-            </a:lvl7pPr>
-            <a:lvl8pPr>
-              <a:defRPr sz="2000"/>
-            </a:lvl8pPr>
-            <a:lvl9pPr>
-              <a:defRPr sz="2000"/>
-            </a:lvl9pPr>
-          </a:lstStyle>
+          <a:bodyPr>
+            <a:normAutofit/>
+          </a:bodyPr>
+          <a:lstStyle/>
           <a:p>
             <a:pPr lvl="0"/>
             <a:r>
@@ -2278,18 +5508,13 @@
               <a:rPr lang="fr-FR"/>
               <a:t>Cinquième niveau</a:t>
             </a:r>
-          </a:p>
-        </p:txBody>
-      </p:sp>
-      <p:sp>
-        <p:nvSpPr>
-          <p:cNvPr id="4" name="Espace réservé du texte 3">
-            <a:extLst>
-              <a:ext uri="{FF2B5EF4-FFF2-40B4-BE49-F238E27FC236}">
-                <a16:creationId xmlns:a16="http://schemas.microsoft.com/office/drawing/2014/main" id="{4A3E8B9C-8F7C-3A79-6D46-E5A69DF75E0F}"/>
-              </a:ext>
-            </a:extLst>
-          </p:cNvPr>
+            <a:endParaRPr lang="en-US" dirty="0"/>
+          </a:p>
+        </p:txBody>
+      </p:sp>
+      <p:sp>
+        <p:nvSpPr>
+          <p:cNvPr id="4" name="Text Placeholder 3"/>
           <p:cNvSpPr>
             <a:spLocks noGrp="1"/>
           </p:cNvSpPr>
@@ -2299,8 +5524,8 @@
         </p:nvSpPr>
         <p:spPr>
           <a:xfrm>
-            <a:off x="839788" y="2057400"/>
-            <a:ext cx="3932237" cy="3811588"/>
+            <a:off x="1073151" y="2260738"/>
+            <a:ext cx="3547533" cy="3600311"/>
           </a:xfrm>
         </p:spPr>
         <p:txBody>
@@ -2308,39 +5533,39 @@
           <a:lstStyle>
             <a:lvl1pPr marL="0" indent="0">
               <a:buNone/>
-              <a:defRPr sz="1600"/>
+              <a:defRPr sz="1400"/>
             </a:lvl1pPr>
             <a:lvl2pPr marL="457200" indent="0">
               <a:buNone/>
-              <a:defRPr sz="1400"/>
+              <a:defRPr sz="1200"/>
             </a:lvl2pPr>
             <a:lvl3pPr marL="914400" indent="0">
               <a:buNone/>
-              <a:defRPr sz="1200"/>
+              <a:defRPr sz="1000"/>
             </a:lvl3pPr>
             <a:lvl4pPr marL="1371600" indent="0">
               <a:buNone/>
-              <a:defRPr sz="1000"/>
+              <a:defRPr sz="900"/>
             </a:lvl4pPr>
             <a:lvl5pPr marL="1828800" indent="0">
               <a:buNone/>
-              <a:defRPr sz="1000"/>
+              <a:defRPr sz="900"/>
             </a:lvl5pPr>
             <a:lvl6pPr marL="2286000" indent="0">
               <a:buNone/>
-              <a:defRPr sz="1000"/>
+              <a:defRPr sz="900"/>
             </a:lvl6pPr>
             <a:lvl7pPr marL="2743200" indent="0">
               <a:buNone/>
-              <a:defRPr sz="1000"/>
+              <a:defRPr sz="900"/>
             </a:lvl7pPr>
             <a:lvl8pPr marL="3200400" indent="0">
               <a:buNone/>
-              <a:defRPr sz="1000"/>
+              <a:defRPr sz="900"/>
             </a:lvl8pPr>
             <a:lvl9pPr marL="3657600" indent="0">
               <a:buNone/>
-              <a:defRPr sz="1000"/>
+              <a:defRPr sz="900"/>
             </a:lvl9pPr>
           </a:lstStyle>
           <a:p>
@@ -2354,13 +5579,7 @@
       </p:sp>
       <p:sp>
         <p:nvSpPr>
-          <p:cNvPr id="5" name="Espace réservé de la date 4">
-            <a:extLst>
-              <a:ext uri="{FF2B5EF4-FFF2-40B4-BE49-F238E27FC236}">
-                <a16:creationId xmlns:a16="http://schemas.microsoft.com/office/drawing/2014/main" id="{264C5845-5707-93CC-9319-5ED1CDE17425}"/>
-              </a:ext>
-            </a:extLst>
-          </p:cNvPr>
+          <p:cNvPr id="5" name="Date Placeholder 4"/>
           <p:cNvSpPr>
             <a:spLocks noGrp="1"/>
           </p:cNvSpPr>
@@ -2375,7 +5594,7 @@
           <a:p>
             <a:fld id="{3572FE47-6DCF-4D33-AF1C-75BFD88E8F80}" type="datetimeFigureOut">
               <a:rPr lang="fr-FR" smtClean="0"/>
-              <a:t>30/05/2022</a:t>
+              <a:t>31/05/2022</a:t>
             </a:fld>
             <a:endParaRPr lang="fr-FR"/>
           </a:p>
@@ -2383,13 +5602,7 @@
       </p:sp>
       <p:sp>
         <p:nvSpPr>
-          <p:cNvPr id="6" name="Espace réservé du pied de page 5">
-            <a:extLst>
-              <a:ext uri="{FF2B5EF4-FFF2-40B4-BE49-F238E27FC236}">
-                <a16:creationId xmlns:a16="http://schemas.microsoft.com/office/drawing/2014/main" id="{159A47E7-BF64-EF94-EEB9-6F1056852E9F}"/>
-              </a:ext>
-            </a:extLst>
-          </p:cNvPr>
+          <p:cNvPr id="6" name="Footer Placeholder 5"/>
           <p:cNvSpPr>
             <a:spLocks noGrp="1"/>
           </p:cNvSpPr>
@@ -2408,13 +5621,7 @@
       </p:sp>
       <p:sp>
         <p:nvSpPr>
-          <p:cNvPr id="7" name="Espace réservé du numéro de diapositive 6">
-            <a:extLst>
-              <a:ext uri="{FF2B5EF4-FFF2-40B4-BE49-F238E27FC236}">
-                <a16:creationId xmlns:a16="http://schemas.microsoft.com/office/drawing/2014/main" id="{417EAFD2-C863-E1C6-839F-6D02E518FAD3}"/>
-              </a:ext>
-            </a:extLst>
-          </p:cNvPr>
+          <p:cNvPr id="7" name="Slide Number Placeholder 6"/>
           <p:cNvSpPr>
             <a:spLocks noGrp="1"/>
           </p:cNvSpPr>
@@ -2438,7 +5645,7 @@
     </p:spTree>
     <p:extLst>
       <p:ext uri="{BB962C8B-B14F-4D97-AF65-F5344CB8AC3E}">
-        <p14:creationId xmlns:p14="http://schemas.microsoft.com/office/powerpoint/2010/main" val="2522848534"/>
+        <p14:creationId xmlns:p14="http://schemas.microsoft.com/office/powerpoint/2010/main" val="1984778483"/>
       </p:ext>
     </p:extLst>
   </p:cSld>
@@ -2467,13 +5674,7 @@
       </p:grpSpPr>
       <p:sp>
         <p:nvSpPr>
-          <p:cNvPr id="2" name="Titre 1">
-            <a:extLst>
-              <a:ext uri="{FF2B5EF4-FFF2-40B4-BE49-F238E27FC236}">
-                <a16:creationId xmlns:a16="http://schemas.microsoft.com/office/drawing/2014/main" id="{6FE20304-8B00-B916-BC12-80A286DF06E7}"/>
-              </a:ext>
-            </a:extLst>
-          </p:cNvPr>
+          <p:cNvPr id="2" name="Title 1"/>
           <p:cNvSpPr>
             <a:spLocks noGrp="1"/>
           </p:cNvSpPr>
@@ -2483,15 +5684,17 @@
         </p:nvSpPr>
         <p:spPr>
           <a:xfrm>
-            <a:off x="839788" y="457200"/>
-            <a:ext cx="3932237" cy="1600200"/>
+            <a:off x="814728" y="727522"/>
+            <a:ext cx="4852988" cy="1617163"/>
           </a:xfrm>
         </p:spPr>
         <p:txBody>
-          <a:bodyPr anchor="b"/>
+          <a:bodyPr anchor="b">
+            <a:normAutofit/>
+          </a:bodyPr>
           <a:lstStyle>
-            <a:lvl1pPr>
-              <a:defRPr sz="3200"/>
+            <a:lvl1pPr algn="l">
+              <a:defRPr sz="2400" b="0"/>
             </a:lvl1pPr>
           </a:lstStyle>
           <a:p>
@@ -2499,171 +5702,212 @@
               <a:rPr lang="fr-FR"/>
               <a:t>Modifiez le style du titre</a:t>
             </a:r>
-          </a:p>
-        </p:txBody>
-      </p:sp>
-      <p:sp>
-        <p:nvSpPr>
-          <p:cNvPr id="3" name="Espace réservé pour une image  2">
-            <a:extLst>
-              <a:ext uri="{FF2B5EF4-FFF2-40B4-BE49-F238E27FC236}">
-                <a16:creationId xmlns:a16="http://schemas.microsoft.com/office/drawing/2014/main" id="{F7E10CC9-2B57-1F16-E337-56BBB9BDE316}"/>
-              </a:ext>
-            </a:extLst>
-          </p:cNvPr>
-          <p:cNvSpPr>
-            <a:spLocks noGrp="1"/>
-          </p:cNvSpPr>
-          <p:nvPr>
-            <p:ph type="pic" idx="1"/>
+            <a:endParaRPr lang="en-US" dirty="0"/>
+          </a:p>
+        </p:txBody>
+      </p:sp>
+      <p:sp>
+        <p:nvSpPr>
+          <p:cNvPr id="9" name="Picture Placeholder 11"/>
+          <p:cNvSpPr>
+            <a:spLocks noGrp="1" noChangeAspect="1"/>
+          </p:cNvSpPr>
+          <p:nvPr>
+            <p:ph type="pic" sz="quarter" idx="13"/>
+          </p:nvPr>
+        </p:nvSpPr>
+        <p:spPr bwMode="auto">
+          <a:xfrm>
+            <a:off x="6098117" y="0"/>
+            <a:ext cx="6093883" cy="6858000"/>
+          </a:xfrm>
+          <a:custGeom>
+            <a:avLst/>
+            <a:gdLst/>
+            <a:ahLst/>
+            <a:cxnLst/>
+            <a:rect l="0" t="0" r="r" b="b"/>
+            <a:pathLst>
+              <a:path w="2879" h="4320">
+                <a:moveTo>
+                  <a:pt x="183" y="0"/>
+                </a:moveTo>
+                <a:lnTo>
+                  <a:pt x="183" y="1197"/>
+                </a:lnTo>
+                <a:lnTo>
+                  <a:pt x="8" y="1372"/>
+                </a:lnTo>
+                <a:lnTo>
+                  <a:pt x="8" y="1372"/>
+                </a:lnTo>
+                <a:lnTo>
+                  <a:pt x="6" y="1376"/>
+                </a:lnTo>
+                <a:lnTo>
+                  <a:pt x="3" y="1382"/>
+                </a:lnTo>
+                <a:lnTo>
+                  <a:pt x="0" y="1387"/>
+                </a:lnTo>
+                <a:lnTo>
+                  <a:pt x="0" y="1393"/>
+                </a:lnTo>
+                <a:lnTo>
+                  <a:pt x="0" y="1399"/>
+                </a:lnTo>
+                <a:lnTo>
+                  <a:pt x="3" y="1404"/>
+                </a:lnTo>
+                <a:lnTo>
+                  <a:pt x="6" y="1410"/>
+                </a:lnTo>
+                <a:lnTo>
+                  <a:pt x="8" y="1414"/>
+                </a:lnTo>
+                <a:lnTo>
+                  <a:pt x="183" y="1589"/>
+                </a:lnTo>
+                <a:lnTo>
+                  <a:pt x="183" y="4320"/>
+                </a:lnTo>
+                <a:lnTo>
+                  <a:pt x="2879" y="4320"/>
+                </a:lnTo>
+                <a:lnTo>
+                  <a:pt x="2879" y="0"/>
+                </a:lnTo>
+                <a:lnTo>
+                  <a:pt x="183" y="0"/>
+                </a:lnTo>
+                <a:close/>
+              </a:path>
+            </a:pathLst>
+          </a:custGeom>
+          <a:noFill/>
+          <a:ln w="9525">
+            <a:solidFill>
+              <a:schemeClr val="tx2"/>
+            </a:solidFill>
+            <a:round/>
+            <a:headEnd/>
+            <a:tailEnd/>
+          </a:ln>
+          <a:effectLst/>
+        </p:spPr>
+        <p:txBody>
+          <a:bodyPr wrap="square" numCol="1" anchor="t" anchorCtr="0" compatLnSpc="1">
+            <a:prstTxWarp prst="textNoShape">
+              <a:avLst/>
+            </a:prstTxWarp>
+            <a:normAutofit/>
+          </a:bodyPr>
+          <a:lstStyle>
+            <a:lvl1pPr algn="ctr">
+              <a:buFontTx/>
+              <a:buNone/>
+              <a:defRPr sz="1400"/>
+            </a:lvl1pPr>
+          </a:lstStyle>
+          <a:p>
+            <a:r>
+              <a:rPr lang="fr-FR"/>
+              <a:t>Cliquez sur l'icône pour ajouter une image</a:t>
+            </a:r>
+            <a:endParaRPr lang="en-US" dirty="0"/>
+          </a:p>
+        </p:txBody>
+      </p:sp>
+      <p:sp>
+        <p:nvSpPr>
+          <p:cNvPr id="4" name="Text Placeholder 3"/>
+          <p:cNvSpPr>
+            <a:spLocks noGrp="1"/>
+          </p:cNvSpPr>
+          <p:nvPr>
+            <p:ph type="body" sz="half" idx="2"/>
           </p:nvPr>
         </p:nvSpPr>
         <p:spPr>
           <a:xfrm>
-            <a:off x="5183188" y="987425"/>
-            <a:ext cx="6172200" cy="4873625"/>
+            <a:off x="814728" y="2344684"/>
+            <a:ext cx="4852988" cy="3516365"/>
           </a:xfrm>
         </p:spPr>
         <p:txBody>
-          <a:bodyPr/>
+          <a:bodyPr anchor="t">
+            <a:normAutofit/>
+          </a:bodyPr>
           <a:lstStyle>
             <a:lvl1pPr marL="0" indent="0">
               <a:buNone/>
-              <a:defRPr sz="3200"/>
+              <a:defRPr sz="1200"/>
             </a:lvl1pPr>
             <a:lvl2pPr marL="457200" indent="0">
               <a:buNone/>
-              <a:defRPr sz="2800"/>
+              <a:defRPr sz="1200"/>
             </a:lvl2pPr>
             <a:lvl3pPr marL="914400" indent="0">
               <a:buNone/>
-              <a:defRPr sz="2400"/>
+              <a:defRPr sz="1000"/>
             </a:lvl3pPr>
             <a:lvl4pPr marL="1371600" indent="0">
               <a:buNone/>
-              <a:defRPr sz="2000"/>
+              <a:defRPr sz="900"/>
             </a:lvl4pPr>
             <a:lvl5pPr marL="1828800" indent="0">
               <a:buNone/>
-              <a:defRPr sz="2000"/>
+              <a:defRPr sz="900"/>
             </a:lvl5pPr>
             <a:lvl6pPr marL="2286000" indent="0">
               <a:buNone/>
-              <a:defRPr sz="2000"/>
+              <a:defRPr sz="900"/>
             </a:lvl6pPr>
             <a:lvl7pPr marL="2743200" indent="0">
               <a:buNone/>
-              <a:defRPr sz="2000"/>
+              <a:defRPr sz="900"/>
             </a:lvl7pPr>
             <a:lvl8pPr marL="3200400" indent="0">
               <a:buNone/>
-              <a:defRPr sz="2000"/>
+              <a:defRPr sz="900"/>
             </a:lvl8pPr>
             <a:lvl9pPr marL="3657600" indent="0">
               <a:buNone/>
-              <a:defRPr sz="2000"/>
+              <a:defRPr sz="900"/>
             </a:lvl9pPr>
           </a:lstStyle>
           <a:p>
-            <a:endParaRPr lang="fr-FR"/>
-          </a:p>
-        </p:txBody>
-      </p:sp>
-      <p:sp>
-        <p:nvSpPr>
-          <p:cNvPr id="4" name="Espace réservé du texte 3">
-            <a:extLst>
-              <a:ext uri="{FF2B5EF4-FFF2-40B4-BE49-F238E27FC236}">
-                <a16:creationId xmlns:a16="http://schemas.microsoft.com/office/drawing/2014/main" id="{647C684C-1250-59DD-6BC7-115E3F1A8235}"/>
-              </a:ext>
-            </a:extLst>
-          </p:cNvPr>
-          <p:cNvSpPr>
-            <a:spLocks noGrp="1"/>
-          </p:cNvSpPr>
-          <p:nvPr>
-            <p:ph type="body" sz="half" idx="2"/>
+            <a:pPr lvl="0"/>
+            <a:r>
+              <a:rPr lang="fr-FR"/>
+              <a:t>Cliquez pour modifier les styles du texte du masque</a:t>
+            </a:r>
+          </a:p>
+        </p:txBody>
+      </p:sp>
+      <p:sp>
+        <p:nvSpPr>
+          <p:cNvPr id="5" name="Date Placeholder 4"/>
+          <p:cNvSpPr>
+            <a:spLocks noGrp="1"/>
+          </p:cNvSpPr>
+          <p:nvPr>
+            <p:ph type="dt" sz="half" idx="10"/>
           </p:nvPr>
         </p:nvSpPr>
         <p:spPr>
           <a:xfrm>
-            <a:off x="839788" y="2057400"/>
-            <a:ext cx="3932237" cy="3811588"/>
+            <a:off x="3885810" y="6041362"/>
+            <a:ext cx="976879" cy="365125"/>
           </a:xfrm>
         </p:spPr>
         <p:txBody>
           <a:bodyPr/>
-          <a:lstStyle>
-            <a:lvl1pPr marL="0" indent="0">
-              <a:buNone/>
-              <a:defRPr sz="1600"/>
-            </a:lvl1pPr>
-            <a:lvl2pPr marL="457200" indent="0">
-              <a:buNone/>
-              <a:defRPr sz="1400"/>
-            </a:lvl2pPr>
-            <a:lvl3pPr marL="914400" indent="0">
-              <a:buNone/>
-              <a:defRPr sz="1200"/>
-            </a:lvl3pPr>
-            <a:lvl4pPr marL="1371600" indent="0">
-              <a:buNone/>
-              <a:defRPr sz="1000"/>
-            </a:lvl4pPr>
-            <a:lvl5pPr marL="1828800" indent="0">
-              <a:buNone/>
-              <a:defRPr sz="1000"/>
-            </a:lvl5pPr>
-            <a:lvl6pPr marL="2286000" indent="0">
-              <a:buNone/>
-              <a:defRPr sz="1000"/>
-            </a:lvl6pPr>
-            <a:lvl7pPr marL="2743200" indent="0">
-              <a:buNone/>
-              <a:defRPr sz="1000"/>
-            </a:lvl7pPr>
-            <a:lvl8pPr marL="3200400" indent="0">
-              <a:buNone/>
-              <a:defRPr sz="1000"/>
-            </a:lvl8pPr>
-            <a:lvl9pPr marL="3657600" indent="0">
-              <a:buNone/>
-              <a:defRPr sz="1000"/>
-            </a:lvl9pPr>
-          </a:lstStyle>
-          <a:p>
-            <a:pPr lvl="0"/>
-            <a:r>
-              <a:rPr lang="fr-FR"/>
-              <a:t>Cliquez pour modifier les styles du texte du masque</a:t>
-            </a:r>
-          </a:p>
-        </p:txBody>
-      </p:sp>
-      <p:sp>
-        <p:nvSpPr>
-          <p:cNvPr id="5" name="Espace réservé de la date 4">
-            <a:extLst>
-              <a:ext uri="{FF2B5EF4-FFF2-40B4-BE49-F238E27FC236}">
-                <a16:creationId xmlns:a16="http://schemas.microsoft.com/office/drawing/2014/main" id="{95E6210E-A221-7259-80BB-E610E35FCF56}"/>
-              </a:ext>
-            </a:extLst>
-          </p:cNvPr>
-          <p:cNvSpPr>
-            <a:spLocks noGrp="1"/>
-          </p:cNvSpPr>
-          <p:nvPr>
-            <p:ph type="dt" sz="half" idx="10"/>
-          </p:nvPr>
-        </p:nvSpPr>
-        <p:spPr/>
-        <p:txBody>
-          <a:bodyPr/>
           <a:lstStyle/>
           <a:p>
             <a:fld id="{3572FE47-6DCF-4D33-AF1C-75BFD88E8F80}" type="datetimeFigureOut">
               <a:rPr lang="fr-FR" smtClean="0"/>
-              <a:t>30/05/2022</a:t>
+              <a:t>31/05/2022</a:t>
             </a:fld>
             <a:endParaRPr lang="fr-FR"/>
           </a:p>
@@ -2671,13 +5915,7 @@
       </p:sp>
       <p:sp>
         <p:nvSpPr>
-          <p:cNvPr id="6" name="Espace réservé du pied de page 5">
-            <a:extLst>
-              <a:ext uri="{FF2B5EF4-FFF2-40B4-BE49-F238E27FC236}">
-                <a16:creationId xmlns:a16="http://schemas.microsoft.com/office/drawing/2014/main" id="{32D53055-3D44-4A7D-5347-1C7098BA9FCF}"/>
-              </a:ext>
-            </a:extLst>
-          </p:cNvPr>
+          <p:cNvPr id="6" name="Footer Placeholder 5"/>
           <p:cNvSpPr>
             <a:spLocks noGrp="1"/>
           </p:cNvSpPr>
@@ -2685,7 +5923,12 @@
             <p:ph type="ftr" sz="quarter" idx="11"/>
           </p:nvPr>
         </p:nvSpPr>
-        <p:spPr/>
+        <p:spPr>
+          <a:xfrm>
+            <a:off x="590396" y="6041362"/>
+            <a:ext cx="3295413" cy="365125"/>
+          </a:xfrm>
+        </p:spPr>
         <p:txBody>
           <a:bodyPr/>
           <a:lstStyle/>
@@ -2696,13 +5939,7 @@
       </p:sp>
       <p:sp>
         <p:nvSpPr>
-          <p:cNvPr id="7" name="Espace réservé du numéro de diapositive 6">
-            <a:extLst>
-              <a:ext uri="{FF2B5EF4-FFF2-40B4-BE49-F238E27FC236}">
-                <a16:creationId xmlns:a16="http://schemas.microsoft.com/office/drawing/2014/main" id="{B8D2D993-06E1-4304-6C84-71A67E83C647}"/>
-              </a:ext>
-            </a:extLst>
-          </p:cNvPr>
+          <p:cNvPr id="7" name="Slide Number Placeholder 6"/>
           <p:cNvSpPr>
             <a:spLocks noGrp="1"/>
           </p:cNvSpPr>
@@ -2710,7 +5947,12 @@
             <p:ph type="sldNum" sz="quarter" idx="12"/>
           </p:nvPr>
         </p:nvSpPr>
-        <p:spPr/>
+        <p:spPr>
+          <a:xfrm>
+            <a:off x="4862689" y="5915888"/>
+            <a:ext cx="1062155" cy="490599"/>
+          </a:xfrm>
+        </p:spPr>
         <p:txBody>
           <a:bodyPr/>
           <a:lstStyle/>
@@ -2726,7 +5968,7 @@
     </p:spTree>
     <p:extLst>
       <p:ext uri="{BB962C8B-B14F-4D97-AF65-F5344CB8AC3E}">
-        <p14:creationId xmlns:p14="http://schemas.microsoft.com/office/powerpoint/2010/main" val="920639208"/>
+        <p14:creationId xmlns:p14="http://schemas.microsoft.com/office/powerpoint/2010/main" val="2158923062"/>
       </p:ext>
     </p:extLst>
   </p:cSld>
@@ -2741,7 +5983,7 @@
   <p:cSld>
     <p:bg>
       <p:bgRef idx="1001">
-        <a:schemeClr val="bg1"/>
+        <a:schemeClr val="bg2"/>
       </p:bgRef>
     </p:bg>
     <p:spTree>
@@ -2760,13 +6002,7 @@
       </p:grpSpPr>
       <p:sp>
         <p:nvSpPr>
-          <p:cNvPr id="2" name="Espace réservé du titre 1">
-            <a:extLst>
-              <a:ext uri="{FF2B5EF4-FFF2-40B4-BE49-F238E27FC236}">
-                <a16:creationId xmlns:a16="http://schemas.microsoft.com/office/drawing/2014/main" id="{0893EAFF-FAA9-12B6-BA6F-0C3882D70F1A}"/>
-              </a:ext>
-            </a:extLst>
-          </p:cNvPr>
+          <p:cNvPr id="2" name="Title Placeholder 1"/>
           <p:cNvSpPr>
             <a:spLocks noGrp="1"/>
           </p:cNvSpPr>
@@ -2776,217 +6012,203 @@
         </p:nvSpPr>
         <p:spPr>
           <a:xfrm>
-            <a:off x="838200" y="365125"/>
-            <a:ext cx="10515600" cy="1325563"/>
+            <a:off x="810000" y="447188"/>
+            <a:ext cx="10571998" cy="970450"/>
+          </a:xfrm>
+          <a:prstGeom prst="rect">
+            <a:avLst/>
+          </a:prstGeom>
+          <a:effectLst>
+            <a:outerShdw blurRad="50800" dir="14400000">
+              <a:srgbClr val="000000">
+                <a:alpha val="60000"/>
+              </a:srgbClr>
+            </a:outerShdw>
+          </a:effectLst>
+        </p:spPr>
+        <p:txBody>
+          <a:bodyPr vert="horz" lIns="91440" tIns="45720" rIns="91440" bIns="45720" rtlCol="0" anchor="b">
+            <a:noAutofit/>
+          </a:bodyPr>
+          <a:lstStyle/>
+          <a:p>
+            <a:r>
+              <a:rPr lang="fr-FR"/>
+              <a:t>Modifiez le style du titre</a:t>
+            </a:r>
+            <a:endParaRPr lang="en-US" dirty="0"/>
+          </a:p>
+        </p:txBody>
+      </p:sp>
+      <p:sp>
+        <p:nvSpPr>
+          <p:cNvPr id="3" name="Text Placeholder 2"/>
+          <p:cNvSpPr>
+            <a:spLocks noGrp="1"/>
+          </p:cNvSpPr>
+          <p:nvPr>
+            <p:ph type="body" idx="1"/>
+          </p:nvPr>
+        </p:nvSpPr>
+        <p:spPr>
+          <a:xfrm>
+            <a:off x="810000" y="2184401"/>
+            <a:ext cx="10563285" cy="3674397"/>
+          </a:xfrm>
+          <a:prstGeom prst="rect">
+            <a:avLst/>
+          </a:prstGeom>
+          <a:effectLst>
+            <a:outerShdw blurRad="50800" dir="14400000">
+              <a:srgbClr val="000000">
+                <a:alpha val="40000"/>
+              </a:srgbClr>
+            </a:outerShdw>
+          </a:effectLst>
+        </p:spPr>
+        <p:txBody>
+          <a:bodyPr vert="horz" lIns="91440" tIns="45720" rIns="91440" bIns="45720" rtlCol="0" anchor="ctr">
+            <a:normAutofit/>
+          </a:bodyPr>
+          <a:lstStyle/>
+          <a:p>
+            <a:pPr lvl="0"/>
+            <a:r>
+              <a:rPr lang="fr-FR"/>
+              <a:t>Cliquez pour modifier les styles du texte du masque</a:t>
+            </a:r>
+          </a:p>
+          <a:p>
+            <a:pPr lvl="1"/>
+            <a:r>
+              <a:rPr lang="fr-FR"/>
+              <a:t>Deuxième niveau</a:t>
+            </a:r>
+          </a:p>
+          <a:p>
+            <a:pPr lvl="2"/>
+            <a:r>
+              <a:rPr lang="fr-FR"/>
+              <a:t>Troisième niveau</a:t>
+            </a:r>
+          </a:p>
+          <a:p>
+            <a:pPr lvl="3"/>
+            <a:r>
+              <a:rPr lang="fr-FR"/>
+              <a:t>Quatrième niveau</a:t>
+            </a:r>
+          </a:p>
+          <a:p>
+            <a:pPr lvl="4"/>
+            <a:r>
+              <a:rPr lang="fr-FR"/>
+              <a:t>Cinquième niveau</a:t>
+            </a:r>
+            <a:endParaRPr lang="en-US" dirty="0"/>
+          </a:p>
+        </p:txBody>
+      </p:sp>
+      <p:sp>
+        <p:nvSpPr>
+          <p:cNvPr id="5" name="Footer Placeholder 4"/>
+          <p:cNvSpPr>
+            <a:spLocks noGrp="1"/>
+          </p:cNvSpPr>
+          <p:nvPr>
+            <p:ph type="ftr" sz="quarter" idx="3"/>
+          </p:nvPr>
+        </p:nvSpPr>
+        <p:spPr>
+          <a:xfrm>
+            <a:off x="451514" y="6041362"/>
+            <a:ext cx="8644320" cy="365125"/>
           </a:xfrm>
           <a:prstGeom prst="rect">
             <a:avLst/>
           </a:prstGeom>
         </p:spPr>
         <p:txBody>
-          <a:bodyPr vert="horz" lIns="91440" tIns="45720" rIns="91440" bIns="45720" rtlCol="0" anchor="ctr">
-            <a:normAutofit/>
-          </a:bodyPr>
-          <a:lstStyle/>
-          <a:p>
-            <a:r>
-              <a:rPr lang="fr-FR"/>
-              <a:t>Modifiez le style du titre</a:t>
-            </a:r>
-          </a:p>
-        </p:txBody>
-      </p:sp>
-      <p:sp>
-        <p:nvSpPr>
-          <p:cNvPr id="3" name="Espace réservé du texte 2">
-            <a:extLst>
-              <a:ext uri="{FF2B5EF4-FFF2-40B4-BE49-F238E27FC236}">
-                <a16:creationId xmlns:a16="http://schemas.microsoft.com/office/drawing/2014/main" id="{AA937232-924C-51F1-3CB4-19FC575841FD}"/>
-              </a:ext>
-            </a:extLst>
-          </p:cNvPr>
-          <p:cNvSpPr>
-            <a:spLocks noGrp="1"/>
-          </p:cNvSpPr>
-          <p:nvPr>
-            <p:ph type="body" idx="1"/>
+          <a:bodyPr vert="horz" lIns="91440" tIns="45720" rIns="91440" bIns="45720" rtlCol="0" anchor="b"/>
+          <a:lstStyle>
+            <a:lvl1pPr algn="l">
+              <a:defRPr sz="900">
+                <a:solidFill>
+                  <a:schemeClr val="tx1"/>
+                </a:solidFill>
+              </a:defRPr>
+            </a:lvl1pPr>
+          </a:lstStyle>
+          <a:p>
+            <a:endParaRPr lang="fr-FR"/>
+          </a:p>
+        </p:txBody>
+      </p:sp>
+      <p:sp>
+        <p:nvSpPr>
+          <p:cNvPr id="4" name="Date Placeholder 3"/>
+          <p:cNvSpPr>
+            <a:spLocks noGrp="1"/>
+          </p:cNvSpPr>
+          <p:nvPr>
+            <p:ph type="dt" sz="half" idx="2"/>
           </p:nvPr>
         </p:nvSpPr>
         <p:spPr>
           <a:xfrm>
-            <a:off x="838200" y="1825625"/>
-            <a:ext cx="10515600" cy="4351338"/>
+            <a:off x="9334626" y="6041362"/>
+            <a:ext cx="1343706" cy="365125"/>
           </a:xfrm>
           <a:prstGeom prst="rect">
             <a:avLst/>
           </a:prstGeom>
         </p:spPr>
         <p:txBody>
-          <a:bodyPr vert="horz" lIns="91440" tIns="45720" rIns="91440" bIns="45720" rtlCol="0">
-            <a:normAutofit/>
-          </a:bodyPr>
-          <a:lstStyle/>
-          <a:p>
-            <a:pPr lvl="0"/>
-            <a:r>
-              <a:rPr lang="fr-FR"/>
-              <a:t>Cliquez pour modifier les styles du texte du masque</a:t>
-            </a:r>
-          </a:p>
-          <a:p>
-            <a:pPr lvl="1"/>
-            <a:r>
-              <a:rPr lang="fr-FR"/>
-              <a:t>Deuxième niveau</a:t>
-            </a:r>
-          </a:p>
-          <a:p>
-            <a:pPr lvl="2"/>
-            <a:r>
-              <a:rPr lang="fr-FR"/>
-              <a:t>Troisième niveau</a:t>
-            </a:r>
-          </a:p>
-          <a:p>
-            <a:pPr lvl="3"/>
-            <a:r>
-              <a:rPr lang="fr-FR"/>
-              <a:t>Quatrième niveau</a:t>
-            </a:r>
-          </a:p>
-          <a:p>
-            <a:pPr lvl="4"/>
-            <a:r>
-              <a:rPr lang="fr-FR"/>
-              <a:t>Cinquième niveau</a:t>
-            </a:r>
-          </a:p>
-        </p:txBody>
-      </p:sp>
-      <p:sp>
-        <p:nvSpPr>
-          <p:cNvPr id="4" name="Espace réservé de la date 3">
-            <a:extLst>
-              <a:ext uri="{FF2B5EF4-FFF2-40B4-BE49-F238E27FC236}">
-                <a16:creationId xmlns:a16="http://schemas.microsoft.com/office/drawing/2014/main" id="{8709A730-6035-DD08-2575-BA7885EF2A8C}"/>
-              </a:ext>
-            </a:extLst>
-          </p:cNvPr>
-          <p:cNvSpPr>
-            <a:spLocks noGrp="1"/>
-          </p:cNvSpPr>
-          <p:nvPr>
-            <p:ph type="dt" sz="half" idx="2"/>
+          <a:bodyPr vert="horz" lIns="91440" tIns="45720" rIns="91440" bIns="45720" rtlCol="0" anchor="b"/>
+          <a:lstStyle>
+            <a:lvl1pPr algn="r">
+              <a:defRPr sz="900">
+                <a:solidFill>
+                  <a:schemeClr val="tx1"/>
+                </a:solidFill>
+              </a:defRPr>
+            </a:lvl1pPr>
+          </a:lstStyle>
+          <a:p>
+            <a:fld id="{3572FE47-6DCF-4D33-AF1C-75BFD88E8F80}" type="datetimeFigureOut">
+              <a:rPr lang="fr-FR" smtClean="0"/>
+              <a:t>31/05/2022</a:t>
+            </a:fld>
+            <a:endParaRPr lang="fr-FR"/>
+          </a:p>
+        </p:txBody>
+      </p:sp>
+      <p:sp>
+        <p:nvSpPr>
+          <p:cNvPr id="6" name="Slide Number Placeholder 5"/>
+          <p:cNvSpPr>
+            <a:spLocks noGrp="1"/>
+          </p:cNvSpPr>
+          <p:nvPr>
+            <p:ph type="sldNum" sz="quarter" idx="4"/>
           </p:nvPr>
         </p:nvSpPr>
         <p:spPr>
           <a:xfrm>
-            <a:off x="838200" y="6356350"/>
-            <a:ext cx="2743200" cy="365125"/>
+            <a:off x="10678331" y="5915888"/>
+            <a:ext cx="1062155" cy="490599"/>
           </a:xfrm>
           <a:prstGeom prst="rect">
             <a:avLst/>
           </a:prstGeom>
         </p:spPr>
         <p:txBody>
-          <a:bodyPr vert="horz" lIns="91440" tIns="45720" rIns="91440" bIns="45720" rtlCol="0" anchor="ctr"/>
-          <a:lstStyle>
-            <a:lvl1pPr algn="l">
-              <a:defRPr sz="1200">
-                <a:solidFill>
-                  <a:schemeClr val="tx1">
-                    <a:tint val="75000"/>
-                  </a:schemeClr>
-                </a:solidFill>
-              </a:defRPr>
-            </a:lvl1pPr>
-          </a:lstStyle>
-          <a:p>
-            <a:fld id="{3572FE47-6DCF-4D33-AF1C-75BFD88E8F80}" type="datetimeFigureOut">
-              <a:rPr lang="fr-FR" smtClean="0"/>
-              <a:t>30/05/2022</a:t>
-            </a:fld>
-            <a:endParaRPr lang="fr-FR"/>
-          </a:p>
-        </p:txBody>
-      </p:sp>
-      <p:sp>
-        <p:nvSpPr>
-          <p:cNvPr id="5" name="Espace réservé du pied de page 4">
-            <a:extLst>
-              <a:ext uri="{FF2B5EF4-FFF2-40B4-BE49-F238E27FC236}">
-                <a16:creationId xmlns:a16="http://schemas.microsoft.com/office/drawing/2014/main" id="{CEBBBD90-7077-CCB5-762A-F2219A2510D6}"/>
-              </a:ext>
-            </a:extLst>
-          </p:cNvPr>
-          <p:cNvSpPr>
-            <a:spLocks noGrp="1"/>
-          </p:cNvSpPr>
-          <p:nvPr>
-            <p:ph type="ftr" sz="quarter" idx="3"/>
-          </p:nvPr>
-        </p:nvSpPr>
-        <p:spPr>
-          <a:xfrm>
-            <a:off x="4038600" y="6356350"/>
-            <a:ext cx="4114800" cy="365125"/>
-          </a:xfrm>
-          <a:prstGeom prst="rect">
-            <a:avLst/>
-          </a:prstGeom>
-        </p:spPr>
-        <p:txBody>
-          <a:bodyPr vert="horz" lIns="91440" tIns="45720" rIns="91440" bIns="45720" rtlCol="0" anchor="ctr"/>
-          <a:lstStyle>
-            <a:lvl1pPr algn="ctr">
-              <a:defRPr sz="1200">
-                <a:solidFill>
-                  <a:schemeClr val="tx1">
-                    <a:tint val="75000"/>
-                  </a:schemeClr>
-                </a:solidFill>
-              </a:defRPr>
-            </a:lvl1pPr>
-          </a:lstStyle>
-          <a:p>
-            <a:endParaRPr lang="fr-FR"/>
-          </a:p>
-        </p:txBody>
-      </p:sp>
-      <p:sp>
-        <p:nvSpPr>
-          <p:cNvPr id="6" name="Espace réservé du numéro de diapositive 5">
-            <a:extLst>
-              <a:ext uri="{FF2B5EF4-FFF2-40B4-BE49-F238E27FC236}">
-                <a16:creationId xmlns:a16="http://schemas.microsoft.com/office/drawing/2014/main" id="{8AB1F40E-710C-F55C-9E21-0F016C30C9E9}"/>
-              </a:ext>
-            </a:extLst>
-          </p:cNvPr>
-          <p:cNvSpPr>
-            <a:spLocks noGrp="1"/>
-          </p:cNvSpPr>
-          <p:nvPr>
-            <p:ph type="sldNum" sz="quarter" idx="4"/>
-          </p:nvPr>
-        </p:nvSpPr>
-        <p:spPr>
-          <a:xfrm>
-            <a:off x="8610600" y="6356350"/>
-            <a:ext cx="2743200" cy="365125"/>
-          </a:xfrm>
-          <a:prstGeom prst="rect">
-            <a:avLst/>
-          </a:prstGeom>
-        </p:spPr>
-        <p:txBody>
-          <a:bodyPr vert="horz" lIns="91440" tIns="45720" rIns="91440" bIns="45720" rtlCol="0" anchor="ctr"/>
+          <a:bodyPr vert="horz" lIns="91440" tIns="45720" rIns="91440" bIns="10800" rtlCol="0" anchor="b"/>
           <a:lstStyle>
             <a:lvl1pPr algn="r">
-              <a:defRPr sz="1200">
+              <a:defRPr sz="2000">
                 <a:solidFill>
-                  <a:schemeClr val="tx1">
-                    <a:tint val="75000"/>
-                  </a:schemeClr>
+                  <a:schemeClr val="accent1"/>
                 </a:solidFill>
               </a:defRPr>
             </a:lvl1pPr>
@@ -3003,55 +6225,114 @@
     </p:spTree>
     <p:extLst>
       <p:ext uri="{BB962C8B-B14F-4D97-AF65-F5344CB8AC3E}">
-        <p14:creationId xmlns:p14="http://schemas.microsoft.com/office/powerpoint/2010/main" val="3665387759"/>
+        <p14:creationId xmlns:p14="http://schemas.microsoft.com/office/powerpoint/2010/main" val="1326829070"/>
       </p:ext>
     </p:extLst>
   </p:cSld>
-  <p:clrMap bg1="lt1" tx1="dk1" bg2="lt2" tx2="dk2" accent1="accent1" accent2="accent2" accent3="accent3" accent4="accent4" accent5="accent5" accent6="accent6" hlink="hlink" folHlink="folHlink"/>
+  <p:clrMap bg1="dk1" tx1="lt1" bg2="dk2" tx2="lt2" accent1="accent1" accent2="accent2" accent3="accent3" accent4="accent4" accent5="accent5" accent6="accent6" hlink="hlink" folHlink="folHlink"/>
   <p:sldLayoutIdLst>
-    <p:sldLayoutId id="2147483649" r:id="rId1"/>
-    <p:sldLayoutId id="2147483650" r:id="rId2"/>
-    <p:sldLayoutId id="2147483651" r:id="rId3"/>
-    <p:sldLayoutId id="2147483652" r:id="rId4"/>
-    <p:sldLayoutId id="2147483653" r:id="rId5"/>
-    <p:sldLayoutId id="2147483654" r:id="rId6"/>
-    <p:sldLayoutId id="2147483655" r:id="rId7"/>
-    <p:sldLayoutId id="2147483656" r:id="rId8"/>
-    <p:sldLayoutId id="2147483657" r:id="rId9"/>
-    <p:sldLayoutId id="2147483658" r:id="rId10"/>
-    <p:sldLayoutId id="2147483659" r:id="rId11"/>
+    <p:sldLayoutId id="2147483736" r:id="rId1"/>
+    <p:sldLayoutId id="2147483737" r:id="rId2"/>
+    <p:sldLayoutId id="2147483738" r:id="rId3"/>
+    <p:sldLayoutId id="2147483739" r:id="rId4"/>
+    <p:sldLayoutId id="2147483740" r:id="rId5"/>
+    <p:sldLayoutId id="2147483741" r:id="rId6"/>
+    <p:sldLayoutId id="2147483742" r:id="rId7"/>
+    <p:sldLayoutId id="2147483743" r:id="rId8"/>
+    <p:sldLayoutId id="2147483744" r:id="rId9"/>
+    <p:sldLayoutId id="2147483745" r:id="rId10"/>
+    <p:sldLayoutId id="2147483746" r:id="rId11"/>
+    <p:sldLayoutId id="2147483747" r:id="rId12"/>
+    <p:sldLayoutId id="2147483748" r:id="rId13"/>
+    <p:sldLayoutId id="2147483749" r:id="rId14"/>
   </p:sldLayoutIdLst>
   <p:txStyles>
     <p:titleStyle>
-      <a:lvl1pPr algn="l" defTabSz="914400" rtl="0" eaLnBrk="1" latinLnBrk="0" hangingPunct="1">
-        <a:lnSpc>
-          <a:spcPct val="90000"/>
-        </a:lnSpc>
+      <a:lvl1pPr algn="l" defTabSz="457200" rtl="0" eaLnBrk="1" latinLnBrk="0" hangingPunct="1">
         <a:spcBef>
           <a:spcPct val="0"/>
         </a:spcBef>
         <a:buNone/>
-        <a:defRPr sz="4400" kern="1200">
+        <a:defRPr sz="4000" b="1" kern="1200">
           <a:solidFill>
-            <a:schemeClr val="tx1"/>
+            <a:srgbClr val="FEFEFE"/>
           </a:solidFill>
           <a:latin typeface="+mj-lt"/>
           <a:ea typeface="+mj-ea"/>
           <a:cs typeface="+mj-cs"/>
         </a:defRPr>
       </a:lvl1pPr>
+      <a:lvl2pPr eaLnBrk="1" hangingPunct="1">
+        <a:defRPr>
+          <a:solidFill>
+            <a:schemeClr val="tx2"/>
+          </a:solidFill>
+        </a:defRPr>
+      </a:lvl2pPr>
+      <a:lvl3pPr eaLnBrk="1" hangingPunct="1">
+        <a:defRPr>
+          <a:solidFill>
+            <a:schemeClr val="tx2"/>
+          </a:solidFill>
+        </a:defRPr>
+      </a:lvl3pPr>
+      <a:lvl4pPr eaLnBrk="1" hangingPunct="1">
+        <a:defRPr>
+          <a:solidFill>
+            <a:schemeClr val="tx2"/>
+          </a:solidFill>
+        </a:defRPr>
+      </a:lvl4pPr>
+      <a:lvl5pPr eaLnBrk="1" hangingPunct="1">
+        <a:defRPr>
+          <a:solidFill>
+            <a:schemeClr val="tx2"/>
+          </a:solidFill>
+        </a:defRPr>
+      </a:lvl5pPr>
+      <a:lvl6pPr eaLnBrk="1" hangingPunct="1">
+        <a:defRPr>
+          <a:solidFill>
+            <a:schemeClr val="tx2"/>
+          </a:solidFill>
+        </a:defRPr>
+      </a:lvl6pPr>
+      <a:lvl7pPr eaLnBrk="1" hangingPunct="1">
+        <a:defRPr>
+          <a:solidFill>
+            <a:schemeClr val="tx2"/>
+          </a:solidFill>
+        </a:defRPr>
+      </a:lvl7pPr>
+      <a:lvl8pPr eaLnBrk="1" hangingPunct="1">
+        <a:defRPr>
+          <a:solidFill>
+            <a:schemeClr val="tx2"/>
+          </a:solidFill>
+        </a:defRPr>
+      </a:lvl8pPr>
+      <a:lvl9pPr eaLnBrk="1" hangingPunct="1">
+        <a:defRPr>
+          <a:solidFill>
+            <a:schemeClr val="tx2"/>
+          </a:solidFill>
+        </a:defRPr>
+      </a:lvl9pPr>
     </p:titleStyle>
     <p:bodyStyle>
-      <a:lvl1pPr marL="228600" indent="-228600" algn="l" defTabSz="914400" rtl="0" eaLnBrk="1" latinLnBrk="0" hangingPunct="1">
-        <a:lnSpc>
-          <a:spcPct val="90000"/>
-        </a:lnSpc>
+      <a:lvl1pPr marL="342900" indent="-342900" algn="l" defTabSz="457200" rtl="0" eaLnBrk="1" latinLnBrk="0" hangingPunct="1">
         <a:spcBef>
-          <a:spcPts val="1000"/>
+          <a:spcPct val="20000"/>
         </a:spcBef>
-        <a:buFont typeface="Arial" panose="020B0604020202020204" pitchFamily="34" charset="0"/>
-        <a:buChar char="•"/>
-        <a:defRPr sz="2800" kern="1200">
+        <a:spcAft>
+          <a:spcPts val="600"/>
+        </a:spcAft>
+        <a:buClr>
+          <a:schemeClr val="accent1"/>
+        </a:buClr>
+        <a:buFont typeface="Wingdings 2" charset="2"/>
+        <a:buChar char=""/>
+        <a:defRPr sz="1800" kern="1200">
           <a:solidFill>
             <a:schemeClr val="tx1"/>
           </a:solidFill>
@@ -3060,16 +6341,19 @@
           <a:cs typeface="+mn-cs"/>
         </a:defRPr>
       </a:lvl1pPr>
-      <a:lvl2pPr marL="685800" indent="-228600" algn="l" defTabSz="914400" rtl="0" eaLnBrk="1" latinLnBrk="0" hangingPunct="1">
-        <a:lnSpc>
-          <a:spcPct val="90000"/>
-        </a:lnSpc>
+      <a:lvl2pPr marL="742950" indent="-285750" algn="l" defTabSz="457200" rtl="0" eaLnBrk="1" latinLnBrk="0" hangingPunct="1">
         <a:spcBef>
-          <a:spcPts val="500"/>
+          <a:spcPct val="20000"/>
         </a:spcBef>
-        <a:buFont typeface="Arial" panose="020B0604020202020204" pitchFamily="34" charset="0"/>
-        <a:buChar char="•"/>
-        <a:defRPr sz="2400" kern="1200">
+        <a:spcAft>
+          <a:spcPts val="600"/>
+        </a:spcAft>
+        <a:buClr>
+          <a:schemeClr val="accent1"/>
+        </a:buClr>
+        <a:buFont typeface="Wingdings 2" charset="2"/>
+        <a:buChar char=""/>
+        <a:defRPr sz="1600" kern="1200">
           <a:solidFill>
             <a:schemeClr val="tx1"/>
           </a:solidFill>
@@ -3078,16 +6362,19 @@
           <a:cs typeface="+mn-cs"/>
         </a:defRPr>
       </a:lvl2pPr>
-      <a:lvl3pPr marL="1143000" indent="-228600" algn="l" defTabSz="914400" rtl="0" eaLnBrk="1" latinLnBrk="0" hangingPunct="1">
-        <a:lnSpc>
-          <a:spcPct val="90000"/>
-        </a:lnSpc>
+      <a:lvl3pPr marL="1143000" indent="-228600" algn="l" defTabSz="457200" rtl="0" eaLnBrk="1" latinLnBrk="0" hangingPunct="1">
         <a:spcBef>
-          <a:spcPts val="500"/>
+          <a:spcPct val="20000"/>
         </a:spcBef>
-        <a:buFont typeface="Arial" panose="020B0604020202020204" pitchFamily="34" charset="0"/>
-        <a:buChar char="•"/>
-        <a:defRPr sz="2000" kern="1200">
+        <a:spcAft>
+          <a:spcPts val="600"/>
+        </a:spcAft>
+        <a:buClr>
+          <a:schemeClr val="accent1"/>
+        </a:buClr>
+        <a:buFont typeface="Wingdings 2" charset="2"/>
+        <a:buChar char=""/>
+        <a:defRPr sz="1400" kern="1200">
           <a:solidFill>
             <a:schemeClr val="tx1"/>
           </a:solidFill>
@@ -3096,16 +6383,19 @@
           <a:cs typeface="+mn-cs"/>
         </a:defRPr>
       </a:lvl3pPr>
-      <a:lvl4pPr marL="1600200" indent="-228600" algn="l" defTabSz="914400" rtl="0" eaLnBrk="1" latinLnBrk="0" hangingPunct="1">
-        <a:lnSpc>
-          <a:spcPct val="90000"/>
-        </a:lnSpc>
+      <a:lvl4pPr marL="1600200" indent="-228600" algn="l" defTabSz="457200" rtl="0" eaLnBrk="1" latinLnBrk="0" hangingPunct="1">
         <a:spcBef>
-          <a:spcPts val="500"/>
+          <a:spcPct val="20000"/>
         </a:spcBef>
-        <a:buFont typeface="Arial" panose="020B0604020202020204" pitchFamily="34" charset="0"/>
-        <a:buChar char="•"/>
-        <a:defRPr sz="1800" kern="1200">
+        <a:spcAft>
+          <a:spcPts val="600"/>
+        </a:spcAft>
+        <a:buClr>
+          <a:schemeClr val="accent1"/>
+        </a:buClr>
+        <a:buFont typeface="Wingdings 2" charset="2"/>
+        <a:buChar char=""/>
+        <a:defRPr sz="1200" kern="1200">
           <a:solidFill>
             <a:schemeClr val="tx1"/>
           </a:solidFill>
@@ -3114,16 +6404,19 @@
           <a:cs typeface="+mn-cs"/>
         </a:defRPr>
       </a:lvl4pPr>
-      <a:lvl5pPr marL="2057400" indent="-228600" algn="l" defTabSz="914400" rtl="0" eaLnBrk="1" latinLnBrk="0" hangingPunct="1">
-        <a:lnSpc>
-          <a:spcPct val="90000"/>
-        </a:lnSpc>
+      <a:lvl5pPr marL="2057400" indent="-228600" algn="l" defTabSz="457200" rtl="0" eaLnBrk="1" latinLnBrk="0" hangingPunct="1">
         <a:spcBef>
-          <a:spcPts val="500"/>
+          <a:spcPct val="20000"/>
         </a:spcBef>
-        <a:buFont typeface="Arial" panose="020B0604020202020204" pitchFamily="34" charset="0"/>
-        <a:buChar char="•"/>
-        <a:defRPr sz="1800" kern="1200">
+        <a:spcAft>
+          <a:spcPts val="600"/>
+        </a:spcAft>
+        <a:buClr>
+          <a:schemeClr val="accent1"/>
+        </a:buClr>
+        <a:buFont typeface="Wingdings 2" charset="2"/>
+        <a:buChar char=""/>
+        <a:defRPr sz="1200" kern="1200">
           <a:solidFill>
             <a:schemeClr val="tx1"/>
           </a:solidFill>
@@ -3132,16 +6425,19 @@
           <a:cs typeface="+mn-cs"/>
         </a:defRPr>
       </a:lvl5pPr>
-      <a:lvl6pPr marL="2514600" indent="-228600" algn="l" defTabSz="914400" rtl="0" eaLnBrk="1" latinLnBrk="0" hangingPunct="1">
-        <a:lnSpc>
-          <a:spcPct val="90000"/>
-        </a:lnSpc>
+      <a:lvl6pPr marL="2400000" indent="-228600" algn="l" defTabSz="457200" rtl="0" eaLnBrk="1" latinLnBrk="0" hangingPunct="1">
         <a:spcBef>
-          <a:spcPts val="500"/>
+          <a:spcPct val="20000"/>
         </a:spcBef>
-        <a:buFont typeface="Arial" panose="020B0604020202020204" pitchFamily="34" charset="0"/>
-        <a:buChar char="•"/>
-        <a:defRPr sz="1800" kern="1200">
+        <a:spcAft>
+          <a:spcPts val="600"/>
+        </a:spcAft>
+        <a:buClr>
+          <a:schemeClr val="accent1"/>
+        </a:buClr>
+        <a:buFont typeface="Wingdings 2" charset="2"/>
+        <a:buChar char=""/>
+        <a:defRPr sz="1200" kern="1200">
           <a:solidFill>
             <a:schemeClr val="tx1"/>
           </a:solidFill>
@@ -3150,16 +6446,19 @@
           <a:cs typeface="+mn-cs"/>
         </a:defRPr>
       </a:lvl6pPr>
-      <a:lvl7pPr marL="2971800" indent="-228600" algn="l" defTabSz="914400" rtl="0" eaLnBrk="1" latinLnBrk="0" hangingPunct="1">
-        <a:lnSpc>
-          <a:spcPct val="90000"/>
-        </a:lnSpc>
+      <a:lvl7pPr marL="2800000" indent="-228600" algn="l" defTabSz="457200" rtl="0" eaLnBrk="1" latinLnBrk="0" hangingPunct="1">
         <a:spcBef>
-          <a:spcPts val="500"/>
+          <a:spcPct val="20000"/>
         </a:spcBef>
-        <a:buFont typeface="Arial" panose="020B0604020202020204" pitchFamily="34" charset="0"/>
-        <a:buChar char="•"/>
-        <a:defRPr sz="1800" kern="1200">
+        <a:spcAft>
+          <a:spcPts val="600"/>
+        </a:spcAft>
+        <a:buClr>
+          <a:schemeClr val="accent1"/>
+        </a:buClr>
+        <a:buFont typeface="Wingdings 2" charset="2"/>
+        <a:buChar char=""/>
+        <a:defRPr sz="1200" kern="1200">
           <a:solidFill>
             <a:schemeClr val="tx1"/>
           </a:solidFill>
@@ -3168,16 +6467,19 @@
           <a:cs typeface="+mn-cs"/>
         </a:defRPr>
       </a:lvl7pPr>
-      <a:lvl8pPr marL="3429000" indent="-228600" algn="l" defTabSz="914400" rtl="0" eaLnBrk="1" latinLnBrk="0" hangingPunct="1">
-        <a:lnSpc>
-          <a:spcPct val="90000"/>
-        </a:lnSpc>
+      <a:lvl8pPr marL="3200000" indent="-228600" algn="l" defTabSz="457200" rtl="0" eaLnBrk="1" latinLnBrk="0" hangingPunct="1">
         <a:spcBef>
-          <a:spcPts val="500"/>
+          <a:spcPct val="20000"/>
         </a:spcBef>
-        <a:buFont typeface="Arial" panose="020B0604020202020204" pitchFamily="34" charset="0"/>
-        <a:buChar char="•"/>
-        <a:defRPr sz="1800" kern="1200">
+        <a:spcAft>
+          <a:spcPts val="600"/>
+        </a:spcAft>
+        <a:buClr>
+          <a:schemeClr val="accent1"/>
+        </a:buClr>
+        <a:buFont typeface="Wingdings 2" charset="2"/>
+        <a:buChar char=""/>
+        <a:defRPr sz="1200" kern="1200">
           <a:solidFill>
             <a:schemeClr val="tx1"/>
           </a:solidFill>
@@ -3186,16 +6488,19 @@
           <a:cs typeface="+mn-cs"/>
         </a:defRPr>
       </a:lvl8pPr>
-      <a:lvl9pPr marL="3886200" indent="-228600" algn="l" defTabSz="914400" rtl="0" eaLnBrk="1" latinLnBrk="0" hangingPunct="1">
-        <a:lnSpc>
-          <a:spcPct val="90000"/>
-        </a:lnSpc>
+      <a:lvl9pPr marL="3600000" indent="-228600" algn="l" defTabSz="457200" rtl="0" eaLnBrk="1" latinLnBrk="0" hangingPunct="1">
         <a:spcBef>
-          <a:spcPts val="500"/>
+          <a:spcPct val="20000"/>
         </a:spcBef>
-        <a:buFont typeface="Arial" panose="020B0604020202020204" pitchFamily="34" charset="0"/>
-        <a:buChar char="•"/>
-        <a:defRPr sz="1800" kern="1200">
+        <a:spcAft>
+          <a:spcPts val="600"/>
+        </a:spcAft>
+        <a:buClr>
+          <a:schemeClr val="accent1"/>
+        </a:buClr>
+        <a:buFont typeface="Wingdings 2" charset="2"/>
+        <a:buChar char=""/>
+        <a:defRPr sz="1200" kern="1200">
           <a:solidFill>
             <a:schemeClr val="tx1"/>
           </a:solidFill>
@@ -3207,9 +6512,9 @@
     </p:bodyStyle>
     <p:otherStyle>
       <a:defPPr>
-        <a:defRPr lang="fr-FR"/>
+        <a:defRPr lang="en-US"/>
       </a:defPPr>
-      <a:lvl1pPr marL="0" algn="l" defTabSz="914400" rtl="0" eaLnBrk="1" latinLnBrk="0" hangingPunct="1">
+      <a:lvl1pPr marL="0" algn="l" defTabSz="457200" rtl="0" eaLnBrk="1" latinLnBrk="0" hangingPunct="1">
         <a:defRPr sz="1800" kern="1200">
           <a:solidFill>
             <a:schemeClr val="tx1"/>
@@ -3219,7 +6524,7 @@
           <a:cs typeface="+mn-cs"/>
         </a:defRPr>
       </a:lvl1pPr>
-      <a:lvl2pPr marL="457200" algn="l" defTabSz="914400" rtl="0" eaLnBrk="1" latinLnBrk="0" hangingPunct="1">
+      <a:lvl2pPr marL="457200" algn="l" defTabSz="457200" rtl="0" eaLnBrk="1" latinLnBrk="0" hangingPunct="1">
         <a:defRPr sz="1800" kern="1200">
           <a:solidFill>
             <a:schemeClr val="tx1"/>
@@ -3229,7 +6534,7 @@
           <a:cs typeface="+mn-cs"/>
         </a:defRPr>
       </a:lvl2pPr>
-      <a:lvl3pPr marL="914400" algn="l" defTabSz="914400" rtl="0" eaLnBrk="1" latinLnBrk="0" hangingPunct="1">
+      <a:lvl3pPr marL="914400" algn="l" defTabSz="457200" rtl="0" eaLnBrk="1" latinLnBrk="0" hangingPunct="1">
         <a:defRPr sz="1800" kern="1200">
           <a:solidFill>
             <a:schemeClr val="tx1"/>
@@ -3239,7 +6544,7 @@
           <a:cs typeface="+mn-cs"/>
         </a:defRPr>
       </a:lvl3pPr>
-      <a:lvl4pPr marL="1371600" algn="l" defTabSz="914400" rtl="0" eaLnBrk="1" latinLnBrk="0" hangingPunct="1">
+      <a:lvl4pPr marL="1371600" algn="l" defTabSz="457200" rtl="0" eaLnBrk="1" latinLnBrk="0" hangingPunct="1">
         <a:defRPr sz="1800" kern="1200">
           <a:solidFill>
             <a:schemeClr val="tx1"/>
@@ -3249,7 +6554,7 @@
           <a:cs typeface="+mn-cs"/>
         </a:defRPr>
       </a:lvl4pPr>
-      <a:lvl5pPr marL="1828800" algn="l" defTabSz="914400" rtl="0" eaLnBrk="1" latinLnBrk="0" hangingPunct="1">
+      <a:lvl5pPr marL="1828800" algn="l" defTabSz="457200" rtl="0" eaLnBrk="1" latinLnBrk="0" hangingPunct="1">
         <a:defRPr sz="1800" kern="1200">
           <a:solidFill>
             <a:schemeClr val="tx1"/>
@@ -3259,7 +6564,7 @@
           <a:cs typeface="+mn-cs"/>
         </a:defRPr>
       </a:lvl5pPr>
-      <a:lvl6pPr marL="2286000" algn="l" defTabSz="914400" rtl="0" eaLnBrk="1" latinLnBrk="0" hangingPunct="1">
+      <a:lvl6pPr marL="2286000" algn="l" defTabSz="457200" rtl="0" eaLnBrk="1" latinLnBrk="0" hangingPunct="1">
         <a:defRPr sz="1800" kern="1200">
           <a:solidFill>
             <a:schemeClr val="tx1"/>
@@ -3269,7 +6574,7 @@
           <a:cs typeface="+mn-cs"/>
         </a:defRPr>
       </a:lvl6pPr>
-      <a:lvl7pPr marL="2743200" algn="l" defTabSz="914400" rtl="0" eaLnBrk="1" latinLnBrk="0" hangingPunct="1">
+      <a:lvl7pPr marL="2743200" algn="l" defTabSz="457200" rtl="0" eaLnBrk="1" latinLnBrk="0" hangingPunct="1">
         <a:defRPr sz="1800" kern="1200">
           <a:solidFill>
             <a:schemeClr val="tx1"/>
@@ -3279,7 +6584,7 @@
           <a:cs typeface="+mn-cs"/>
         </a:defRPr>
       </a:lvl7pPr>
-      <a:lvl8pPr marL="3200400" algn="l" defTabSz="914400" rtl="0" eaLnBrk="1" latinLnBrk="0" hangingPunct="1">
+      <a:lvl8pPr marL="3200400" algn="l" defTabSz="457200" rtl="0" eaLnBrk="1" latinLnBrk="0" hangingPunct="1">
         <a:defRPr sz="1800" kern="1200">
           <a:solidFill>
             <a:schemeClr val="tx1"/>
@@ -3289,7 +6594,7 @@
           <a:cs typeface="+mn-cs"/>
         </a:defRPr>
       </a:lvl8pPr>
-      <a:lvl9pPr marL="3657600" algn="l" defTabSz="914400" rtl="0" eaLnBrk="1" latinLnBrk="0" hangingPunct="1">
+      <a:lvl9pPr marL="3657600" algn="l" defTabSz="457200" rtl="0" eaLnBrk="1" latinLnBrk="0" hangingPunct="1">
         <a:defRPr sz="1800" kern="1200">
           <a:solidFill>
             <a:schemeClr val="tx1"/>
@@ -3323,10 +6628,223 @@
       </p:grpSpPr>
       <p:sp>
         <p:nvSpPr>
+          <p:cNvPr id="4" name="Titre 3">
+            <a:extLst>
+              <a:ext uri="{FF2B5EF4-FFF2-40B4-BE49-F238E27FC236}">
+                <a16:creationId xmlns:a16="http://schemas.microsoft.com/office/drawing/2014/main" id="{4DBC3327-1D93-4564-969B-6795C994684C}"/>
+              </a:ext>
+            </a:extLst>
+          </p:cNvPr>
+          <p:cNvSpPr>
+            <a:spLocks noGrp="1"/>
+          </p:cNvSpPr>
+          <p:nvPr>
+            <p:ph type="title"/>
+          </p:nvPr>
+        </p:nvSpPr>
+        <p:spPr/>
+        <p:txBody>
+          <a:bodyPr/>
+          <a:lstStyle/>
+          <a:p>
+            <a:pPr algn="ctr"/>
+            <a:r>
+              <a:rPr lang="fr-FR" dirty="0"/>
+              <a:t>Test de vérin sur banc-hydraulique</a:t>
+            </a:r>
+          </a:p>
+        </p:txBody>
+      </p:sp>
+      <p:pic>
+        <p:nvPicPr>
+          <p:cNvPr id="1026" name="Picture 2" descr="EQHYP - Bancs d&amp;amp;#39;assemblage et de contrôle - Hydraulique - Automatisme -  Transitique - Pneumatique - Bancs simulateurs - Négoce">
+            <a:extLst>
+              <a:ext uri="{FF2B5EF4-FFF2-40B4-BE49-F238E27FC236}">
+                <a16:creationId xmlns:a16="http://schemas.microsoft.com/office/drawing/2014/main" id="{1D71A2EE-D3F3-418D-908D-BB81F749CFD1}"/>
+              </a:ext>
+            </a:extLst>
+          </p:cNvPr>
+          <p:cNvPicPr>
+            <a:picLocks noChangeAspect="1" noChangeArrowheads="1"/>
+          </p:cNvPicPr>
+          <p:nvPr/>
+        </p:nvPicPr>
+        <p:blipFill>
+          <a:blip r:embed="rId3">
+            <a:extLst>
+              <a:ext uri="{28A0092B-C50C-407E-A947-70E740481C1C}">
+                <a14:useLocalDpi xmlns:a14="http://schemas.microsoft.com/office/drawing/2010/main" val="0"/>
+              </a:ext>
+            </a:extLst>
+          </a:blip>
+          <a:srcRect/>
+          <a:stretch>
+            <a:fillRect/>
+          </a:stretch>
+        </p:blipFill>
+        <p:spPr bwMode="auto">
+          <a:xfrm>
+            <a:off x="0" y="1910179"/>
+            <a:ext cx="7421732" cy="4947821"/>
+          </a:xfrm>
+          <a:prstGeom prst="rect">
+            <a:avLst/>
+          </a:prstGeom>
+          <a:noFill/>
+          <a:extLst>
+            <a:ext uri="{909E8E84-426E-40DD-AFC4-6F175D3DCCD1}">
+              <a14:hiddenFill xmlns:a14="http://schemas.microsoft.com/office/drawing/2010/main">
+                <a:solidFill>
+                  <a:srgbClr val="FFFFFF"/>
+                </a:solidFill>
+              </a14:hiddenFill>
+            </a:ext>
+          </a:extLst>
+        </p:spPr>
+      </p:pic>
+      <p:sp>
+        <p:nvSpPr>
+          <p:cNvPr id="5" name="ZoneTexte 4">
+            <a:extLst>
+              <a:ext uri="{FF2B5EF4-FFF2-40B4-BE49-F238E27FC236}">
+                <a16:creationId xmlns:a16="http://schemas.microsoft.com/office/drawing/2014/main" id="{39606B88-11A3-42EA-BAD8-194F31797CFB}"/>
+              </a:ext>
+            </a:extLst>
+          </p:cNvPr>
+          <p:cNvSpPr txBox="1"/>
+          <p:nvPr/>
+        </p:nvSpPr>
+        <p:spPr>
+          <a:xfrm>
+            <a:off x="7421732" y="6550223"/>
+            <a:ext cx="3844031" cy="307777"/>
+          </a:xfrm>
+          <a:prstGeom prst="rect">
+            <a:avLst/>
+          </a:prstGeom>
+          <a:noFill/>
+        </p:spPr>
+        <p:txBody>
+          <a:bodyPr wrap="square" rtlCol="0">
+            <a:spAutoFit/>
+          </a:bodyPr>
+          <a:lstStyle/>
+          <a:p>
+            <a:r>
+              <a:rPr lang="fr-FR" sz="1400" dirty="0"/>
+              <a:t>Projet réalisé  par les BTS SNAPP 2021-2022</a:t>
+            </a:r>
+          </a:p>
+        </p:txBody>
+      </p:sp>
+    </p:spTree>
+    <p:extLst>
+      <p:ext uri="{BB962C8B-B14F-4D97-AF65-F5344CB8AC3E}">
+        <p14:creationId xmlns:p14="http://schemas.microsoft.com/office/powerpoint/2010/main" val="4219116134"/>
+      </p:ext>
+    </p:extLst>
+  </p:cSld>
+  <p:clrMapOvr>
+    <a:masterClrMapping/>
+  </p:clrMapOvr>
+  <mc:AlternateContent xmlns:mc="http://schemas.openxmlformats.org/markup-compatibility/2006" xmlns:p14="http://schemas.microsoft.com/office/powerpoint/2010/main">
+    <mc:Choice Requires="p14">
+      <p:transition spd="slow" p14:dur="3400">
+        <p14:reveal/>
+      </p:transition>
+    </mc:Choice>
+    <mc:Fallback xmlns="">
+      <p:transition spd="slow">
+        <p:fade/>
+      </p:transition>
+    </mc:Fallback>
+  </mc:AlternateContent>
+</p:sld>
+</file>
+
+<file path=ppt/slides/slide10.xml><?xml version="1.0" encoding="utf-8"?>
+<p:sld xmlns:a="http://schemas.openxmlformats.org/drawingml/2006/main" xmlns:r="http://schemas.openxmlformats.org/officeDocument/2006/relationships" xmlns:p="http://schemas.openxmlformats.org/presentationml/2006/main">
+  <p:cSld>
+    <p:spTree>
+      <p:nvGrpSpPr>
+        <p:cNvPr id="1" name=""/>
+        <p:cNvGrpSpPr/>
+        <p:nvPr/>
+      </p:nvGrpSpPr>
+      <p:grpSpPr>
+        <a:xfrm>
+          <a:off x="0" y="0"/>
+          <a:ext cx="0" cy="0"/>
+          <a:chOff x="0" y="0"/>
+          <a:chExt cx="0" cy="0"/>
+        </a:xfrm>
+      </p:grpSpPr>
+      <p:pic>
+        <p:nvPicPr>
+          <p:cNvPr id="3" name="Image 2">
+            <a:extLst>
+              <a:ext uri="{FF2B5EF4-FFF2-40B4-BE49-F238E27FC236}">
+                <a16:creationId xmlns:a16="http://schemas.microsoft.com/office/drawing/2014/main" id="{7C0F52F2-9140-6994-568F-B5562E75EC0A}"/>
+              </a:ext>
+            </a:extLst>
+          </p:cNvPr>
+          <p:cNvPicPr>
+            <a:picLocks noChangeAspect="1"/>
+          </p:cNvPicPr>
+          <p:nvPr/>
+        </p:nvPicPr>
+        <p:blipFill>
+          <a:blip r:embed="rId3"/>
+          <a:stretch>
+            <a:fillRect/>
+          </a:stretch>
+        </p:blipFill>
+        <p:spPr>
+          <a:xfrm>
+            <a:off x="623385" y="0"/>
+            <a:ext cx="10945230" cy="6858000"/>
+          </a:xfrm>
+          <a:prstGeom prst="rect">
+            <a:avLst/>
+          </a:prstGeom>
+        </p:spPr>
+      </p:pic>
+    </p:spTree>
+    <p:extLst>
+      <p:ext uri="{BB962C8B-B14F-4D97-AF65-F5344CB8AC3E}">
+        <p14:creationId xmlns:p14="http://schemas.microsoft.com/office/powerpoint/2010/main" val="3699042673"/>
+      </p:ext>
+    </p:extLst>
+  </p:cSld>
+  <p:clrMapOvr>
+    <a:masterClrMapping/>
+  </p:clrMapOvr>
+</p:sld>
+</file>
+
+<file path=ppt/slides/slide11.xml><?xml version="1.0" encoding="utf-8"?>
+<p:sld xmlns:a="http://schemas.openxmlformats.org/drawingml/2006/main" xmlns:r="http://schemas.openxmlformats.org/officeDocument/2006/relationships" xmlns:p="http://schemas.openxmlformats.org/presentationml/2006/main">
+  <p:cSld>
+    <p:spTree>
+      <p:nvGrpSpPr>
+        <p:cNvPr id="1" name=""/>
+        <p:cNvGrpSpPr/>
+        <p:nvPr/>
+      </p:nvGrpSpPr>
+      <p:grpSpPr>
+        <a:xfrm>
+          <a:off x="0" y="0"/>
+          <a:ext cx="0" cy="0"/>
+          <a:chOff x="0" y="0"/>
+          <a:chExt cx="0" cy="0"/>
+        </a:xfrm>
+      </p:grpSpPr>
+      <p:sp>
+        <p:nvSpPr>
           <p:cNvPr id="2" name="Titre 1">
             <a:extLst>
               <a:ext uri="{FF2B5EF4-FFF2-40B4-BE49-F238E27FC236}">
-                <a16:creationId xmlns:a16="http://schemas.microsoft.com/office/drawing/2014/main" id="{3FD748AF-136F-0340-4AFA-3F94B75BBD87}"/>
+                <a16:creationId xmlns:a16="http://schemas.microsoft.com/office/drawing/2014/main" id="{ACA629BF-DA37-60B9-3FAF-E515FBCCAEF2}"/>
               </a:ext>
             </a:extLst>
           </p:cNvPr>
@@ -3334,7 +6852,7 @@
             <a:spLocks noGrp="1"/>
           </p:cNvSpPr>
           <p:nvPr>
-            <p:ph type="ctrTitle"/>
+            <p:ph type="title"/>
           </p:nvPr>
         </p:nvSpPr>
         <p:spPr/>
@@ -3342,16 +6860,19 @@
           <a:bodyPr/>
           <a:lstStyle/>
           <a:p>
-            <a:endParaRPr lang="fr-FR"/>
-          </a:p>
-        </p:txBody>
-      </p:sp>
-      <p:sp>
-        <p:nvSpPr>
-          <p:cNvPr id="3" name="Sous-titre 2">
+            <a:r>
+              <a:rPr lang="fr-FR" dirty="0"/>
+              <a:t>Conclusion</a:t>
+            </a:r>
+          </a:p>
+        </p:txBody>
+      </p:sp>
+      <p:sp>
+        <p:nvSpPr>
+          <p:cNvPr id="3" name="Espace réservé du contenu 2">
             <a:extLst>
               <a:ext uri="{FF2B5EF4-FFF2-40B4-BE49-F238E27FC236}">
-                <a16:creationId xmlns:a16="http://schemas.microsoft.com/office/drawing/2014/main" id="{73E6A67F-3023-7B1F-DBD3-9BD2E5AC0A33}"/>
+                <a16:creationId xmlns:a16="http://schemas.microsoft.com/office/drawing/2014/main" id="{62D388A3-2DFB-E7AB-67E3-86C0C47C8D35}"/>
               </a:ext>
             </a:extLst>
           </p:cNvPr>
@@ -3359,22 +6880,854 @@
             <a:spLocks noGrp="1"/>
           </p:cNvSpPr>
           <p:nvPr>
-            <p:ph type="subTitle" idx="1"/>
-          </p:nvPr>
-        </p:nvSpPr>
-        <p:spPr/>
+            <p:ph idx="1"/>
+          </p:nvPr>
+        </p:nvSpPr>
+        <p:spPr>
+          <a:xfrm>
+            <a:off x="818712" y="2222287"/>
+            <a:ext cx="3674630" cy="3636511"/>
+          </a:xfrm>
+        </p:spPr>
         <p:txBody>
           <a:bodyPr/>
           <a:lstStyle/>
           <a:p>
-            <a:endParaRPr lang="fr-FR"/>
-          </a:p>
-        </p:txBody>
-      </p:sp>
+            <a:pPr marL="0" indent="0">
+              <a:buNone/>
+            </a:pPr>
+            <a:endParaRPr lang="fr-FR" dirty="0"/>
+          </a:p>
+        </p:txBody>
+      </p:sp>
+      <p:pic>
+        <p:nvPicPr>
+          <p:cNvPr id="4" name="Picture 2" descr="EQHYP - Bancs d&amp;amp;#39;assemblage et de contrôle - Hydraulique - Automatisme -  Transitique - Pneumatique - Bancs simulateurs - Négoce">
+            <a:extLst>
+              <a:ext uri="{FF2B5EF4-FFF2-40B4-BE49-F238E27FC236}">
+                <a16:creationId xmlns:a16="http://schemas.microsoft.com/office/drawing/2014/main" id="{1EA40BF8-D86D-2595-C74A-AB219C11C05E}"/>
+              </a:ext>
+            </a:extLst>
+          </p:cNvPr>
+          <p:cNvPicPr>
+            <a:picLocks noChangeAspect="1" noChangeArrowheads="1"/>
+          </p:cNvPicPr>
+          <p:nvPr/>
+        </p:nvPicPr>
+        <p:blipFill>
+          <a:blip r:embed="rId3">
+            <a:extLst>
+              <a:ext uri="{28A0092B-C50C-407E-A947-70E740481C1C}">
+                <a14:useLocalDpi xmlns:a14="http://schemas.microsoft.com/office/drawing/2010/main" val="0"/>
+              </a:ext>
+            </a:extLst>
+          </a:blip>
+          <a:srcRect/>
+          <a:stretch>
+            <a:fillRect/>
+          </a:stretch>
+        </p:blipFill>
+        <p:spPr bwMode="auto">
+          <a:xfrm>
+            <a:off x="4770268" y="1910179"/>
+            <a:ext cx="7421732" cy="4947821"/>
+          </a:xfrm>
+          <a:prstGeom prst="rect">
+            <a:avLst/>
+          </a:prstGeom>
+          <a:noFill/>
+          <a:extLst>
+            <a:ext uri="{909E8E84-426E-40DD-AFC4-6F175D3DCCD1}">
+              <a14:hiddenFill xmlns:a14="http://schemas.microsoft.com/office/drawing/2010/main">
+                <a:solidFill>
+                  <a:srgbClr val="FFFFFF"/>
+                </a:solidFill>
+              </a14:hiddenFill>
+            </a:ext>
+          </a:extLst>
+        </p:spPr>
+      </p:pic>
     </p:spTree>
     <p:extLst>
       <p:ext uri="{BB962C8B-B14F-4D97-AF65-F5344CB8AC3E}">
-        <p14:creationId xmlns:p14="http://schemas.microsoft.com/office/powerpoint/2010/main" val="4022583286"/>
+        <p14:creationId xmlns:p14="http://schemas.microsoft.com/office/powerpoint/2010/main" val="23395060"/>
+      </p:ext>
+    </p:extLst>
+  </p:cSld>
+  <p:clrMapOvr>
+    <a:masterClrMapping/>
+  </p:clrMapOvr>
+</p:sld>
+</file>
+
+<file path=ppt/slides/slide2.xml><?xml version="1.0" encoding="utf-8"?>
+<p:sld xmlns:a="http://schemas.openxmlformats.org/drawingml/2006/main" xmlns:r="http://schemas.openxmlformats.org/officeDocument/2006/relationships" xmlns:p="http://schemas.openxmlformats.org/presentationml/2006/main">
+  <p:cSld>
+    <p:spTree>
+      <p:nvGrpSpPr>
+        <p:cNvPr id="1" name=""/>
+        <p:cNvGrpSpPr/>
+        <p:nvPr/>
+      </p:nvGrpSpPr>
+      <p:grpSpPr>
+        <a:xfrm>
+          <a:off x="0" y="0"/>
+          <a:ext cx="0" cy="0"/>
+          <a:chOff x="0" y="0"/>
+          <a:chExt cx="0" cy="0"/>
+        </a:xfrm>
+      </p:grpSpPr>
+      <p:sp>
+        <p:nvSpPr>
+          <p:cNvPr id="3" name="Titre 2">
+            <a:extLst>
+              <a:ext uri="{FF2B5EF4-FFF2-40B4-BE49-F238E27FC236}">
+                <a16:creationId xmlns:a16="http://schemas.microsoft.com/office/drawing/2014/main" id="{A8E595C6-AB2B-5A65-5955-7AFB4C938D59}"/>
+              </a:ext>
+            </a:extLst>
+          </p:cNvPr>
+          <p:cNvSpPr>
+            <a:spLocks noGrp="1"/>
+          </p:cNvSpPr>
+          <p:nvPr>
+            <p:ph type="title"/>
+          </p:nvPr>
+        </p:nvSpPr>
+        <p:spPr/>
+        <p:txBody>
+          <a:bodyPr/>
+          <a:lstStyle/>
+          <a:p>
+            <a:r>
+              <a:rPr lang="fr-FR" dirty="0"/>
+              <a:t>Principe de fonctionnement et But du Projet</a:t>
+            </a:r>
+            <a:br>
+              <a:rPr lang="fr-FR" dirty="0"/>
+            </a:br>
+            <a:endParaRPr lang="fr-FR" dirty="0"/>
+          </a:p>
+        </p:txBody>
+      </p:sp>
+      <p:sp>
+        <p:nvSpPr>
+          <p:cNvPr id="4" name="Espace réservé du texte 3">
+            <a:extLst>
+              <a:ext uri="{FF2B5EF4-FFF2-40B4-BE49-F238E27FC236}">
+                <a16:creationId xmlns:a16="http://schemas.microsoft.com/office/drawing/2014/main" id="{1D3988D1-AC18-5C01-FAAC-9FDE19574B22}"/>
+              </a:ext>
+            </a:extLst>
+          </p:cNvPr>
+          <p:cNvSpPr>
+            <a:spLocks noGrp="1"/>
+          </p:cNvSpPr>
+          <p:nvPr>
+            <p:ph type="body" sz="half" idx="2"/>
+          </p:nvPr>
+        </p:nvSpPr>
+        <p:spPr/>
+        <p:txBody>
+          <a:bodyPr/>
+          <a:lstStyle/>
+          <a:p>
+            <a:endParaRPr lang="fr-FR" dirty="0"/>
+          </a:p>
+          <a:p>
+            <a:pPr marL="171450" indent="-171450">
+              <a:buFontTx/>
+              <a:buChar char="-"/>
+            </a:pPr>
+            <a:r>
+              <a:rPr lang="fr-FR" dirty="0"/>
+              <a:t>Mise en place d’une centrale d’acquisition</a:t>
+            </a:r>
+          </a:p>
+          <a:p>
+            <a:pPr marL="171450" indent="-171450">
+              <a:buFontTx/>
+              <a:buChar char="-"/>
+            </a:pPr>
+            <a:endParaRPr lang="fr-FR" dirty="0"/>
+          </a:p>
+          <a:p>
+            <a:pPr marL="171450" indent="-171450">
+              <a:buFontTx/>
+              <a:buChar char="-"/>
+            </a:pPr>
+            <a:r>
+              <a:rPr lang="fr-FR" dirty="0"/>
+              <a:t>Mise en place d’un poste contrôleur</a:t>
+            </a:r>
+          </a:p>
+          <a:p>
+            <a:pPr marL="171450" indent="-171450">
+              <a:buFontTx/>
+              <a:buChar char="-"/>
+            </a:pPr>
+            <a:endParaRPr lang="fr-FR" dirty="0"/>
+          </a:p>
+          <a:p>
+            <a:pPr marL="171450" indent="-171450">
+              <a:buFontTx/>
+              <a:buChar char="-"/>
+            </a:pPr>
+            <a:endParaRPr lang="fr-FR" dirty="0"/>
+          </a:p>
+          <a:p>
+            <a:pPr marL="171450" indent="-171450">
+              <a:buFontTx/>
+              <a:buChar char="-"/>
+            </a:pPr>
+            <a:endParaRPr lang="fr-FR" dirty="0"/>
+          </a:p>
+          <a:p>
+            <a:pPr marL="171450" indent="-171450">
+              <a:buFontTx/>
+              <a:buChar char="-"/>
+            </a:pPr>
+            <a:r>
+              <a:rPr lang="fr-FR" dirty="0"/>
+              <a:t>Réaliser plusieurs types d’essais sur des vérins pour vérifier leurs fiabilités</a:t>
+            </a:r>
+          </a:p>
+          <a:p>
+            <a:pPr marL="171450" indent="-171450">
+              <a:buFontTx/>
+              <a:buChar char="-"/>
+            </a:pPr>
+            <a:endParaRPr lang="fr-FR" dirty="0"/>
+          </a:p>
+          <a:p>
+            <a:pPr marL="171450" indent="-171450">
+              <a:buFontTx/>
+              <a:buChar char="-"/>
+            </a:pPr>
+            <a:r>
+              <a:rPr lang="fr-FR" dirty="0"/>
+              <a:t>Consulter les essais réalisés sur le poste contrôleur et permettre l’impression d’un compte rendu</a:t>
+            </a:r>
+          </a:p>
+        </p:txBody>
+      </p:sp>
+      <p:pic>
+        <p:nvPicPr>
+          <p:cNvPr id="6" name="Picture 2" descr="EQHYP - Bancs d&amp;amp;#39;assemblage et de contrôle - Hydraulique - Automatisme -  Transitique - Pneumatique - Bancs simulateurs - Négoce">
+            <a:extLst>
+              <a:ext uri="{FF2B5EF4-FFF2-40B4-BE49-F238E27FC236}">
+                <a16:creationId xmlns:a16="http://schemas.microsoft.com/office/drawing/2014/main" id="{2C68EE2F-1C74-98E2-5AA4-DF9FF97A4129}"/>
+              </a:ext>
+            </a:extLst>
+          </p:cNvPr>
+          <p:cNvPicPr>
+            <a:picLocks noGrp="1" noChangeAspect="1" noChangeArrowheads="1"/>
+          </p:cNvPicPr>
+          <p:nvPr>
+            <p:ph type="pic" sz="quarter" idx="13"/>
+          </p:nvPr>
+        </p:nvPicPr>
+        <p:blipFill>
+          <a:blip r:embed="rId2">
+            <a:extLst>
+              <a:ext uri="{28A0092B-C50C-407E-A947-70E740481C1C}">
+                <a14:useLocalDpi xmlns:a14="http://schemas.microsoft.com/office/drawing/2010/main" val="0"/>
+              </a:ext>
+            </a:extLst>
+          </a:blip>
+          <a:srcRect l="20378" r="20378"/>
+          <a:stretch>
+            <a:fillRect/>
+          </a:stretch>
+        </p:blipFill>
+        <p:spPr bwMode="auto">
+          <a:xfrm>
+            <a:off x="6097588" y="0"/>
+            <a:ext cx="6094412" cy="6858000"/>
+          </a:xfrm>
+          <a:prstGeom prst="rect">
+            <a:avLst/>
+          </a:prstGeom>
+          <a:noFill/>
+          <a:extLst>
+            <a:ext uri="{909E8E84-426E-40DD-AFC4-6F175D3DCCD1}">
+              <a14:hiddenFill xmlns:a14="http://schemas.microsoft.com/office/drawing/2010/main">
+                <a:solidFill>
+                  <a:srgbClr val="FFFFFF"/>
+                </a:solidFill>
+              </a14:hiddenFill>
+            </a:ext>
+          </a:extLst>
+        </p:spPr>
+      </p:pic>
+    </p:spTree>
+    <p:extLst>
+      <p:ext uri="{BB962C8B-B14F-4D97-AF65-F5344CB8AC3E}">
+        <p14:creationId xmlns:p14="http://schemas.microsoft.com/office/powerpoint/2010/main" val="2119925238"/>
+      </p:ext>
+    </p:extLst>
+  </p:cSld>
+  <p:clrMapOvr>
+    <a:masterClrMapping/>
+  </p:clrMapOvr>
+</p:sld>
+</file>
+
+<file path=ppt/slides/slide3.xml><?xml version="1.0" encoding="utf-8"?>
+<p:sld xmlns:a="http://schemas.openxmlformats.org/drawingml/2006/main" xmlns:r="http://schemas.openxmlformats.org/officeDocument/2006/relationships" xmlns:p="http://schemas.openxmlformats.org/presentationml/2006/main">
+  <p:cSld>
+    <p:spTree>
+      <p:nvGrpSpPr>
+        <p:cNvPr id="1" name=""/>
+        <p:cNvGrpSpPr/>
+        <p:nvPr/>
+      </p:nvGrpSpPr>
+      <p:grpSpPr>
+        <a:xfrm>
+          <a:off x="0" y="0"/>
+          <a:ext cx="0" cy="0"/>
+          <a:chOff x="0" y="0"/>
+          <a:chExt cx="0" cy="0"/>
+        </a:xfrm>
+      </p:grpSpPr>
+      <p:pic>
+        <p:nvPicPr>
+          <p:cNvPr id="3" name="Image 2">
+            <a:extLst>
+              <a:ext uri="{FF2B5EF4-FFF2-40B4-BE49-F238E27FC236}">
+                <a16:creationId xmlns:a16="http://schemas.microsoft.com/office/drawing/2014/main" id="{DE1392DC-A4FB-801A-91F6-51CCFD105D36}"/>
+              </a:ext>
+            </a:extLst>
+          </p:cNvPr>
+          <p:cNvPicPr>
+            <a:picLocks noChangeAspect="1"/>
+          </p:cNvPicPr>
+          <p:nvPr/>
+        </p:nvPicPr>
+        <p:blipFill>
+          <a:blip r:embed="rId3"/>
+          <a:stretch>
+            <a:fillRect/>
+          </a:stretch>
+        </p:blipFill>
+        <p:spPr>
+          <a:xfrm>
+            <a:off x="446314" y="0"/>
+            <a:ext cx="11299371" cy="6860685"/>
+          </a:xfrm>
+          <a:prstGeom prst="rect">
+            <a:avLst/>
+          </a:prstGeom>
+        </p:spPr>
+      </p:pic>
+    </p:spTree>
+    <p:extLst>
+      <p:ext uri="{BB962C8B-B14F-4D97-AF65-F5344CB8AC3E}">
+        <p14:creationId xmlns:p14="http://schemas.microsoft.com/office/powerpoint/2010/main" val="4041096056"/>
+      </p:ext>
+    </p:extLst>
+  </p:cSld>
+  <p:clrMapOvr>
+    <a:masterClrMapping/>
+  </p:clrMapOvr>
+</p:sld>
+</file>
+
+<file path=ppt/slides/slide4.xml><?xml version="1.0" encoding="utf-8"?>
+<p:sld xmlns:a="http://schemas.openxmlformats.org/drawingml/2006/main" xmlns:r="http://schemas.openxmlformats.org/officeDocument/2006/relationships" xmlns:p="http://schemas.openxmlformats.org/presentationml/2006/main">
+  <p:cSld>
+    <p:spTree>
+      <p:nvGrpSpPr>
+        <p:cNvPr id="1" name=""/>
+        <p:cNvGrpSpPr/>
+        <p:nvPr/>
+      </p:nvGrpSpPr>
+      <p:grpSpPr>
+        <a:xfrm>
+          <a:off x="0" y="0"/>
+          <a:ext cx="0" cy="0"/>
+          <a:chOff x="0" y="0"/>
+          <a:chExt cx="0" cy="0"/>
+        </a:xfrm>
+      </p:grpSpPr>
+      <p:pic>
+        <p:nvPicPr>
+          <p:cNvPr id="2" name="Image 1">
+            <a:extLst>
+              <a:ext uri="{FF2B5EF4-FFF2-40B4-BE49-F238E27FC236}">
+                <a16:creationId xmlns:a16="http://schemas.microsoft.com/office/drawing/2014/main" id="{DFB438A5-5767-6D6D-89E4-55E4673B7368}"/>
+              </a:ext>
+            </a:extLst>
+          </p:cNvPr>
+          <p:cNvPicPr>
+            <a:picLocks noChangeAspect="1"/>
+          </p:cNvPicPr>
+          <p:nvPr/>
+        </p:nvPicPr>
+        <p:blipFill>
+          <a:blip r:embed="rId3"/>
+          <a:stretch>
+            <a:fillRect/>
+          </a:stretch>
+        </p:blipFill>
+        <p:spPr>
+          <a:xfrm>
+            <a:off x="0" y="254479"/>
+            <a:ext cx="12191266" cy="6349042"/>
+          </a:xfrm>
+          <a:prstGeom prst="rect">
+            <a:avLst/>
+          </a:prstGeom>
+        </p:spPr>
+      </p:pic>
+    </p:spTree>
+    <p:extLst>
+      <p:ext uri="{BB962C8B-B14F-4D97-AF65-F5344CB8AC3E}">
+        <p14:creationId xmlns:p14="http://schemas.microsoft.com/office/powerpoint/2010/main" val="4190922203"/>
+      </p:ext>
+    </p:extLst>
+  </p:cSld>
+  <p:clrMapOvr>
+    <a:masterClrMapping/>
+  </p:clrMapOvr>
+</p:sld>
+</file>
+
+<file path=ppt/slides/slide5.xml><?xml version="1.0" encoding="utf-8"?>
+<p:sld xmlns:a="http://schemas.openxmlformats.org/drawingml/2006/main" xmlns:r="http://schemas.openxmlformats.org/officeDocument/2006/relationships" xmlns:p="http://schemas.openxmlformats.org/presentationml/2006/main">
+  <p:cSld>
+    <p:spTree>
+      <p:nvGrpSpPr>
+        <p:cNvPr id="1" name=""/>
+        <p:cNvGrpSpPr/>
+        <p:nvPr/>
+      </p:nvGrpSpPr>
+      <p:grpSpPr>
+        <a:xfrm>
+          <a:off x="0" y="0"/>
+          <a:ext cx="0" cy="0"/>
+          <a:chOff x="0" y="0"/>
+          <a:chExt cx="0" cy="0"/>
+        </a:xfrm>
+      </p:grpSpPr>
+      <p:pic>
+        <p:nvPicPr>
+          <p:cNvPr id="3" name="Image 2">
+            <a:extLst>
+              <a:ext uri="{FF2B5EF4-FFF2-40B4-BE49-F238E27FC236}">
+                <a16:creationId xmlns:a16="http://schemas.microsoft.com/office/drawing/2014/main" id="{FECF4128-93A5-C470-230D-681B458C8481}"/>
+              </a:ext>
+            </a:extLst>
+          </p:cNvPr>
+          <p:cNvPicPr>
+            <a:picLocks noChangeAspect="1"/>
+          </p:cNvPicPr>
+          <p:nvPr/>
+        </p:nvPicPr>
+        <p:blipFill>
+          <a:blip r:embed="rId3"/>
+          <a:stretch>
+            <a:fillRect/>
+          </a:stretch>
+        </p:blipFill>
+        <p:spPr>
+          <a:xfrm>
+            <a:off x="5269683" y="213864"/>
+            <a:ext cx="5849166" cy="6430272"/>
+          </a:xfrm>
+          <a:prstGeom prst="rect">
+            <a:avLst/>
+          </a:prstGeom>
+        </p:spPr>
+      </p:pic>
+      <p:sp>
+        <p:nvSpPr>
+          <p:cNvPr id="4" name="Titre 3">
+            <a:extLst>
+              <a:ext uri="{FF2B5EF4-FFF2-40B4-BE49-F238E27FC236}">
+                <a16:creationId xmlns:a16="http://schemas.microsoft.com/office/drawing/2014/main" id="{2B499DB0-6EF9-CDAD-BAC1-F6473D26B042}"/>
+              </a:ext>
+            </a:extLst>
+          </p:cNvPr>
+          <p:cNvSpPr>
+            <a:spLocks noGrp="1"/>
+          </p:cNvSpPr>
+          <p:nvPr>
+            <p:ph type="title"/>
+          </p:nvPr>
+        </p:nvSpPr>
+        <p:spPr/>
+        <p:txBody>
+          <a:bodyPr/>
+          <a:lstStyle/>
+          <a:p>
+            <a:r>
+              <a:rPr lang="fr-FR" dirty="0"/>
+              <a:t>Matériels Physiques</a:t>
+            </a:r>
+          </a:p>
+        </p:txBody>
+      </p:sp>
+      <p:sp>
+        <p:nvSpPr>
+          <p:cNvPr id="7" name="Rectangle 6">
+            <a:extLst>
+              <a:ext uri="{FF2B5EF4-FFF2-40B4-BE49-F238E27FC236}">
+                <a16:creationId xmlns:a16="http://schemas.microsoft.com/office/drawing/2014/main" id="{04B5A5A6-ED37-A291-D05B-A236AC89CABA}"/>
+              </a:ext>
+            </a:extLst>
+          </p:cNvPr>
+          <p:cNvSpPr/>
+          <p:nvPr/>
+        </p:nvSpPr>
+        <p:spPr>
+          <a:xfrm>
+            <a:off x="1440657" y="2124075"/>
+            <a:ext cx="688181" cy="192882"/>
+          </a:xfrm>
+          <a:prstGeom prst="rect">
+            <a:avLst/>
+          </a:prstGeom>
+          <a:solidFill>
+            <a:schemeClr val="bg1">
+              <a:lumMod val="85000"/>
+              <a:lumOff val="15000"/>
+            </a:schemeClr>
+          </a:solidFill>
+          <a:ln>
+            <a:solidFill>
+              <a:schemeClr val="bg1">
+                <a:lumMod val="85000"/>
+                <a:lumOff val="15000"/>
+              </a:schemeClr>
+            </a:solidFill>
+          </a:ln>
+        </p:spPr>
+        <p:style>
+          <a:lnRef idx="2">
+            <a:schemeClr val="dk1">
+              <a:shade val="50000"/>
+            </a:schemeClr>
+          </a:lnRef>
+          <a:fillRef idx="1">
+            <a:schemeClr val="dk1"/>
+          </a:fillRef>
+          <a:effectRef idx="0">
+            <a:schemeClr val="dk1"/>
+          </a:effectRef>
+          <a:fontRef idx="minor">
+            <a:schemeClr val="lt1"/>
+          </a:fontRef>
+        </p:style>
+        <p:txBody>
+          <a:bodyPr rtlCol="0" anchor="ctr"/>
+          <a:lstStyle/>
+          <a:p>
+            <a:pPr algn="ctr"/>
+            <a:endParaRPr lang="fr-FR"/>
+          </a:p>
+        </p:txBody>
+      </p:sp>
+      <p:pic>
+        <p:nvPicPr>
+          <p:cNvPr id="9" name="Image 8">
+            <a:extLst>
+              <a:ext uri="{FF2B5EF4-FFF2-40B4-BE49-F238E27FC236}">
+                <a16:creationId xmlns:a16="http://schemas.microsoft.com/office/drawing/2014/main" id="{FEBD31D6-A413-49FE-F1AC-6E612CC9E5A8}"/>
+              </a:ext>
+            </a:extLst>
+          </p:cNvPr>
+          <p:cNvPicPr>
+            <a:picLocks noChangeAspect="1"/>
+          </p:cNvPicPr>
+          <p:nvPr/>
+        </p:nvPicPr>
+        <p:blipFill>
+          <a:blip r:embed="rId4"/>
+          <a:stretch>
+            <a:fillRect/>
+          </a:stretch>
+        </p:blipFill>
+        <p:spPr>
+          <a:xfrm>
+            <a:off x="115208" y="2788779"/>
+            <a:ext cx="5154475" cy="2590102"/>
+          </a:xfrm>
+          <a:prstGeom prst="rect">
+            <a:avLst/>
+          </a:prstGeom>
+        </p:spPr>
+      </p:pic>
+    </p:spTree>
+    <p:extLst>
+      <p:ext uri="{BB962C8B-B14F-4D97-AF65-F5344CB8AC3E}">
+        <p14:creationId xmlns:p14="http://schemas.microsoft.com/office/powerpoint/2010/main" val="3093118492"/>
+      </p:ext>
+    </p:extLst>
+  </p:cSld>
+  <p:clrMapOvr>
+    <a:masterClrMapping/>
+  </p:clrMapOvr>
+</p:sld>
+</file>
+
+<file path=ppt/slides/slide6.xml><?xml version="1.0" encoding="utf-8"?>
+<p:sld xmlns:a="http://schemas.openxmlformats.org/drawingml/2006/main" xmlns:r="http://schemas.openxmlformats.org/officeDocument/2006/relationships" xmlns:p="http://schemas.openxmlformats.org/presentationml/2006/main">
+  <p:cSld>
+    <p:spTree>
+      <p:nvGrpSpPr>
+        <p:cNvPr id="1" name=""/>
+        <p:cNvGrpSpPr/>
+        <p:nvPr/>
+      </p:nvGrpSpPr>
+      <p:grpSpPr>
+        <a:xfrm>
+          <a:off x="0" y="0"/>
+          <a:ext cx="0" cy="0"/>
+          <a:chOff x="0" y="0"/>
+          <a:chExt cx="0" cy="0"/>
+        </a:xfrm>
+      </p:grpSpPr>
+      <p:pic>
+        <p:nvPicPr>
+          <p:cNvPr id="3" name="Image 2">
+            <a:extLst>
+              <a:ext uri="{FF2B5EF4-FFF2-40B4-BE49-F238E27FC236}">
+                <a16:creationId xmlns:a16="http://schemas.microsoft.com/office/drawing/2014/main" id="{34651F01-7A36-D7F1-D02B-FB0F00DF8D54}"/>
+              </a:ext>
+            </a:extLst>
+          </p:cNvPr>
+          <p:cNvPicPr>
+            <a:picLocks noChangeAspect="1"/>
+          </p:cNvPicPr>
+          <p:nvPr/>
+        </p:nvPicPr>
+        <p:blipFill>
+          <a:blip r:embed="rId3"/>
+          <a:stretch>
+            <a:fillRect/>
+          </a:stretch>
+        </p:blipFill>
+        <p:spPr>
+          <a:xfrm rot="16200000">
+            <a:off x="1138045" y="-1138045"/>
+            <a:ext cx="6885164" cy="9161252"/>
+          </a:xfrm>
+          <a:prstGeom prst="rect">
+            <a:avLst/>
+          </a:prstGeom>
+        </p:spPr>
+      </p:pic>
+    </p:spTree>
+    <p:extLst>
+      <p:ext uri="{BB962C8B-B14F-4D97-AF65-F5344CB8AC3E}">
+        <p14:creationId xmlns:p14="http://schemas.microsoft.com/office/powerpoint/2010/main" val="2215366854"/>
+      </p:ext>
+    </p:extLst>
+  </p:cSld>
+  <p:clrMapOvr>
+    <a:masterClrMapping/>
+  </p:clrMapOvr>
+</p:sld>
+</file>
+
+<file path=ppt/slides/slide7.xml><?xml version="1.0" encoding="utf-8"?>
+<p:sld xmlns:a="http://schemas.openxmlformats.org/drawingml/2006/main" xmlns:r="http://schemas.openxmlformats.org/officeDocument/2006/relationships" xmlns:p="http://schemas.openxmlformats.org/presentationml/2006/main">
+  <p:cSld>
+    <p:spTree>
+      <p:nvGrpSpPr>
+        <p:cNvPr id="1" name=""/>
+        <p:cNvGrpSpPr/>
+        <p:nvPr/>
+      </p:nvGrpSpPr>
+      <p:grpSpPr>
+        <a:xfrm>
+          <a:off x="0" y="0"/>
+          <a:ext cx="0" cy="0"/>
+          <a:chOff x="0" y="0"/>
+          <a:chExt cx="0" cy="0"/>
+        </a:xfrm>
+      </p:grpSpPr>
+      <p:sp>
+        <p:nvSpPr>
+          <p:cNvPr id="4" name="Titre 3">
+            <a:extLst>
+              <a:ext uri="{FF2B5EF4-FFF2-40B4-BE49-F238E27FC236}">
+                <a16:creationId xmlns:a16="http://schemas.microsoft.com/office/drawing/2014/main" id="{562B7748-87AE-46AC-7EFD-ED5652A8D69A}"/>
+              </a:ext>
+            </a:extLst>
+          </p:cNvPr>
+          <p:cNvSpPr>
+            <a:spLocks noGrp="1"/>
+          </p:cNvSpPr>
+          <p:nvPr>
+            <p:ph type="title"/>
+          </p:nvPr>
+        </p:nvSpPr>
+        <p:spPr/>
+        <p:txBody>
+          <a:bodyPr/>
+          <a:lstStyle/>
+          <a:p>
+            <a:r>
+              <a:rPr lang="fr-FR" dirty="0"/>
+              <a:t>Authentification du contrôleur</a:t>
+            </a:r>
+          </a:p>
+        </p:txBody>
+      </p:sp>
+      <p:pic>
+        <p:nvPicPr>
+          <p:cNvPr id="6" name="Image 5">
+            <a:extLst>
+              <a:ext uri="{FF2B5EF4-FFF2-40B4-BE49-F238E27FC236}">
+                <a16:creationId xmlns:a16="http://schemas.microsoft.com/office/drawing/2014/main" id="{EFC5558F-E0B6-28FF-544F-0BE7BB409D36}"/>
+              </a:ext>
+            </a:extLst>
+          </p:cNvPr>
+          <p:cNvPicPr>
+            <a:picLocks noChangeAspect="1"/>
+          </p:cNvPicPr>
+          <p:nvPr/>
+        </p:nvPicPr>
+        <p:blipFill>
+          <a:blip r:embed="rId3"/>
+          <a:stretch>
+            <a:fillRect/>
+          </a:stretch>
+        </p:blipFill>
+        <p:spPr>
+          <a:xfrm>
+            <a:off x="3786995" y="2067397"/>
+            <a:ext cx="4352793" cy="4487929"/>
+          </a:xfrm>
+          <a:prstGeom prst="rect">
+            <a:avLst/>
+          </a:prstGeom>
+        </p:spPr>
+      </p:pic>
+    </p:spTree>
+    <p:extLst>
+      <p:ext uri="{BB962C8B-B14F-4D97-AF65-F5344CB8AC3E}">
+        <p14:creationId xmlns:p14="http://schemas.microsoft.com/office/powerpoint/2010/main" val="1857973703"/>
+      </p:ext>
+    </p:extLst>
+  </p:cSld>
+  <p:clrMapOvr>
+    <a:masterClrMapping/>
+  </p:clrMapOvr>
+</p:sld>
+</file>
+
+<file path=ppt/slides/slide8.xml><?xml version="1.0" encoding="utf-8"?>
+<p:sld xmlns:a="http://schemas.openxmlformats.org/drawingml/2006/main" xmlns:r="http://schemas.openxmlformats.org/officeDocument/2006/relationships" xmlns:p="http://schemas.openxmlformats.org/presentationml/2006/main">
+  <p:cSld>
+    <p:spTree>
+      <p:nvGrpSpPr>
+        <p:cNvPr id="1" name=""/>
+        <p:cNvGrpSpPr/>
+        <p:nvPr/>
+      </p:nvGrpSpPr>
+      <p:grpSpPr>
+        <a:xfrm>
+          <a:off x="0" y="0"/>
+          <a:ext cx="0" cy="0"/>
+          <a:chOff x="0" y="0"/>
+          <a:chExt cx="0" cy="0"/>
+        </a:xfrm>
+      </p:grpSpPr>
+      <p:pic>
+        <p:nvPicPr>
+          <p:cNvPr id="4" name="Image 3">
+            <a:extLst>
+              <a:ext uri="{FF2B5EF4-FFF2-40B4-BE49-F238E27FC236}">
+                <a16:creationId xmlns:a16="http://schemas.microsoft.com/office/drawing/2014/main" id="{AE3CD2A6-25D8-2166-09B0-9A87091312D5}"/>
+              </a:ext>
+            </a:extLst>
+          </p:cNvPr>
+          <p:cNvPicPr>
+            <a:picLocks noChangeAspect="1"/>
+          </p:cNvPicPr>
+          <p:nvPr/>
+        </p:nvPicPr>
+        <p:blipFill>
+          <a:blip r:embed="rId3"/>
+          <a:stretch>
+            <a:fillRect/>
+          </a:stretch>
+        </p:blipFill>
+        <p:spPr>
+          <a:xfrm>
+            <a:off x="0" y="115023"/>
+            <a:ext cx="12192000" cy="6627954"/>
+          </a:xfrm>
+          <a:prstGeom prst="rect">
+            <a:avLst/>
+          </a:prstGeom>
+        </p:spPr>
+      </p:pic>
+    </p:spTree>
+    <p:extLst>
+      <p:ext uri="{BB962C8B-B14F-4D97-AF65-F5344CB8AC3E}">
+        <p14:creationId xmlns:p14="http://schemas.microsoft.com/office/powerpoint/2010/main" val="3082451204"/>
+      </p:ext>
+    </p:extLst>
+  </p:cSld>
+  <p:clrMapOvr>
+    <a:masterClrMapping/>
+  </p:clrMapOvr>
+</p:sld>
+</file>
+
+<file path=ppt/slides/slide9.xml><?xml version="1.0" encoding="utf-8"?>
+<p:sld xmlns:a="http://schemas.openxmlformats.org/drawingml/2006/main" xmlns:r="http://schemas.openxmlformats.org/officeDocument/2006/relationships" xmlns:p="http://schemas.openxmlformats.org/presentationml/2006/main">
+  <p:cSld>
+    <p:spTree>
+      <p:nvGrpSpPr>
+        <p:cNvPr id="1" name=""/>
+        <p:cNvGrpSpPr/>
+        <p:nvPr/>
+      </p:nvGrpSpPr>
+      <p:grpSpPr>
+        <a:xfrm>
+          <a:off x="0" y="0"/>
+          <a:ext cx="0" cy="0"/>
+          <a:chOff x="0" y="0"/>
+          <a:chExt cx="0" cy="0"/>
+        </a:xfrm>
+      </p:grpSpPr>
+      <p:pic>
+        <p:nvPicPr>
+          <p:cNvPr id="3" name="Image 2">
+            <a:extLst>
+              <a:ext uri="{FF2B5EF4-FFF2-40B4-BE49-F238E27FC236}">
+                <a16:creationId xmlns:a16="http://schemas.microsoft.com/office/drawing/2014/main" id="{A8546C46-BB44-6A1C-4EB8-D58B210C7F94}"/>
+              </a:ext>
+            </a:extLst>
+          </p:cNvPr>
+          <p:cNvPicPr>
+            <a:picLocks noChangeAspect="1"/>
+          </p:cNvPicPr>
+          <p:nvPr/>
+        </p:nvPicPr>
+        <p:blipFill>
+          <a:blip r:embed="rId3"/>
+          <a:stretch>
+            <a:fillRect/>
+          </a:stretch>
+        </p:blipFill>
+        <p:spPr>
+          <a:xfrm>
+            <a:off x="0" y="137423"/>
+            <a:ext cx="12192000" cy="6583153"/>
+          </a:xfrm>
+          <a:prstGeom prst="rect">
+            <a:avLst/>
+          </a:prstGeom>
+        </p:spPr>
+      </p:pic>
+    </p:spTree>
+    <p:extLst>
+      <p:ext uri="{BB962C8B-B14F-4D97-AF65-F5344CB8AC3E}">
+        <p14:creationId xmlns:p14="http://schemas.microsoft.com/office/powerpoint/2010/main" val="889174150"/>
       </p:ext>
     </p:extLst>
   </p:cSld>
@@ -3385,6 +7738,243 @@
 </file>
 
 <file path=ppt/theme/theme1.xml><?xml version="1.0" encoding="utf-8"?>
+<a:theme xmlns:a="http://schemas.openxmlformats.org/drawingml/2006/main" name="Concis">
+  <a:themeElements>
+    <a:clrScheme name="Concis">
+      <a:dk1>
+        <a:sysClr val="windowText" lastClr="000000"/>
+      </a:dk1>
+      <a:lt1>
+        <a:sysClr val="window" lastClr="FFFFFF"/>
+      </a:lt1>
+      <a:dk2>
+        <a:srgbClr val="212121"/>
+      </a:dk2>
+      <a:lt2>
+        <a:srgbClr val="636363"/>
+      </a:lt2>
+      <a:accent1>
+        <a:srgbClr val="00C6BB"/>
+      </a:accent1>
+      <a:accent2>
+        <a:srgbClr val="6FEBA0"/>
+      </a:accent2>
+      <a:accent3>
+        <a:srgbClr val="B6DF5E"/>
+      </a:accent3>
+      <a:accent4>
+        <a:srgbClr val="EFB251"/>
+      </a:accent4>
+      <a:accent5>
+        <a:srgbClr val="EF755F"/>
+      </a:accent5>
+      <a:accent6>
+        <a:srgbClr val="ED515C"/>
+      </a:accent6>
+      <a:hlink>
+        <a:srgbClr val="8F8F8F"/>
+      </a:hlink>
+      <a:folHlink>
+        <a:srgbClr val="A5A5A5"/>
+      </a:folHlink>
+    </a:clrScheme>
+    <a:fontScheme name="Concis">
+      <a:majorFont>
+        <a:latin typeface="Century Gothic" panose="020B0502020202020204"/>
+        <a:ea typeface=""/>
+        <a:cs typeface=""/>
+        <a:font script="Jpan" typeface="ＭＳ ゴシック"/>
+        <a:font script="Hang" typeface="맑은 고딕"/>
+        <a:font script="Hans" typeface="宋体"/>
+        <a:font script="Hant" typeface="新細明體"/>
+        <a:font script="Arab" typeface="Tahoma"/>
+        <a:font script="Hebr" typeface="Gisha"/>
+        <a:font script="Thai" typeface="DilleniaUPC"/>
+        <a:font script="Ethi" typeface="Nyala"/>
+        <a:font script="Beng" typeface="Vrinda"/>
+        <a:font script="Gujr" typeface="Shruti"/>
+        <a:font script="Khmr" typeface="DaunPenh"/>
+        <a:font script="Knda" typeface="Tunga"/>
+        <a:font script="Guru" typeface="Raavi"/>
+        <a:font script="Cans" typeface="Euphemia"/>
+        <a:font script="Cher" typeface="Plantagenet Cherokee"/>
+        <a:font script="Yiii" typeface="Microsoft Yi Baiti"/>
+        <a:font script="Tibt" typeface="Microsoft Himalaya"/>
+        <a:font script="Thaa" typeface="MV Boli"/>
+        <a:font script="Deva" typeface="Mangal"/>
+        <a:font script="Telu" typeface="Gautami"/>
+        <a:font script="Taml" typeface="Latha"/>
+        <a:font script="Syrc" typeface="Estrangelo Edessa"/>
+        <a:font script="Orya" typeface="Kalinga"/>
+        <a:font script="Mlym" typeface="Kartika"/>
+        <a:font script="Laoo" typeface="DokChampa"/>
+        <a:font script="Sinh" typeface="Iskoola Pota"/>
+        <a:font script="Mong" typeface="Mongolian Baiti"/>
+        <a:font script="Viet" typeface="Tahoma"/>
+        <a:font script="Uigh" typeface="Microsoft Uighur"/>
+        <a:font script="Geor" typeface="Sylfaen"/>
+      </a:majorFont>
+      <a:minorFont>
+        <a:latin typeface="Century Gothic" panose="020B0502020202020204"/>
+        <a:ea typeface=""/>
+        <a:cs typeface=""/>
+        <a:font script="Jpan" typeface="ＭＳ ゴシック"/>
+        <a:font script="Hang" typeface="맑은 고딕"/>
+        <a:font script="Hans" typeface="宋体"/>
+        <a:font script="Hant" typeface="新細明體"/>
+        <a:font script="Arab" typeface="Tahoma"/>
+        <a:font script="Hebr" typeface="Gisha"/>
+        <a:font script="Thai" typeface="DilleniaUPC"/>
+        <a:font script="Ethi" typeface="Nyala"/>
+        <a:font script="Beng" typeface="Vrinda"/>
+        <a:font script="Gujr" typeface="Shruti"/>
+        <a:font script="Khmr" typeface="DaunPenh"/>
+        <a:font script="Knda" typeface="Tunga"/>
+        <a:font script="Guru" typeface="Raavi"/>
+        <a:font script="Cans" typeface="Euphemia"/>
+        <a:font script="Cher" typeface="Plantagenet Cherokee"/>
+        <a:font script="Yiii" typeface="Microsoft Yi Baiti"/>
+        <a:font script="Tibt" typeface="Microsoft Himalaya"/>
+        <a:font script="Thaa" typeface="MV Boli"/>
+        <a:font script="Deva" typeface="Mangal"/>
+        <a:font script="Telu" typeface="Gautami"/>
+        <a:font script="Taml" typeface="Latha"/>
+        <a:font script="Syrc" typeface="Estrangelo Edessa"/>
+        <a:font script="Orya" typeface="Kalinga"/>
+        <a:font script="Mlym" typeface="Kartika"/>
+        <a:font script="Laoo" typeface="DokChampa"/>
+        <a:font script="Sinh" typeface="Iskoola Pota"/>
+        <a:font script="Mong" typeface="Mongolian Baiti"/>
+        <a:font script="Viet" typeface="Verdana"/>
+        <a:font script="Uigh" typeface="Microsoft Uighur"/>
+        <a:font script="Geor" typeface="Sylfaen"/>
+      </a:minorFont>
+    </a:fontScheme>
+    <a:fmtScheme name="Concis">
+      <a:fillStyleLst>
+        <a:solidFill>
+          <a:schemeClr val="phClr"/>
+        </a:solidFill>
+        <a:gradFill rotWithShape="1">
+          <a:gsLst>
+            <a:gs pos="0">
+              <a:schemeClr val="phClr">
+                <a:tint val="80000"/>
+                <a:lumMod val="105000"/>
+              </a:schemeClr>
+            </a:gs>
+            <a:gs pos="100000">
+              <a:schemeClr val="phClr">
+                <a:tint val="90000"/>
+              </a:schemeClr>
+            </a:gs>
+          </a:gsLst>
+          <a:lin ang="5400000" scaled="0"/>
+        </a:gradFill>
+        <a:blipFill rotWithShape="1">
+          <a:blip xmlns:r="http://schemas.openxmlformats.org/officeDocument/2006/relationships" r:embed="rId1">
+            <a:duotone>
+              <a:schemeClr val="phClr">
+                <a:tint val="98000"/>
+                <a:lumMod val="102000"/>
+              </a:schemeClr>
+              <a:schemeClr val="phClr">
+                <a:shade val="98000"/>
+                <a:lumMod val="98000"/>
+              </a:schemeClr>
+            </a:duotone>
+          </a:blip>
+          <a:tile tx="0" ty="0" sx="100000" sy="100000" flip="none" algn="tl"/>
+        </a:blipFill>
+      </a:fillStyleLst>
+      <a:lnStyleLst>
+        <a:ln w="9525" cap="rnd" cmpd="sng" algn="ctr">
+          <a:solidFill>
+            <a:schemeClr val="phClr"/>
+          </a:solidFill>
+          <a:prstDash val="solid"/>
+        </a:ln>
+        <a:ln w="15875" cap="rnd" cmpd="sng" algn="ctr">
+          <a:solidFill>
+            <a:schemeClr val="phClr"/>
+          </a:solidFill>
+          <a:prstDash val="solid"/>
+        </a:ln>
+        <a:ln w="25400" cap="rnd" cmpd="sng" algn="ctr">
+          <a:solidFill>
+            <a:schemeClr val="phClr"/>
+          </a:solidFill>
+          <a:prstDash val="solid"/>
+        </a:ln>
+      </a:lnStyleLst>
+      <a:effectStyleLst>
+        <a:effectStyle>
+          <a:effectLst/>
+        </a:effectStyle>
+        <a:effectStyle>
+          <a:effectLst/>
+        </a:effectStyle>
+        <a:effectStyle>
+          <a:effectLst>
+            <a:innerShdw blurRad="63500" dist="25400" dir="13500000">
+              <a:srgbClr val="000000">
+                <a:alpha val="75000"/>
+              </a:srgbClr>
+            </a:innerShdw>
+          </a:effectLst>
+        </a:effectStyle>
+      </a:effectStyleLst>
+      <a:bgFillStyleLst>
+        <a:solidFill>
+          <a:schemeClr val="phClr"/>
+        </a:solidFill>
+        <a:gradFill rotWithShape="1">
+          <a:gsLst>
+            <a:gs pos="0">
+              <a:schemeClr val="phClr">
+                <a:tint val="100000"/>
+              </a:schemeClr>
+            </a:gs>
+            <a:gs pos="100000">
+              <a:schemeClr val="phClr">
+                <a:tint val="84000"/>
+                <a:shade val="84000"/>
+                <a:lumMod val="90000"/>
+              </a:schemeClr>
+            </a:gs>
+          </a:gsLst>
+          <a:lin ang="5400000" scaled="0"/>
+        </a:gradFill>
+        <a:gradFill rotWithShape="1">
+          <a:gsLst>
+            <a:gs pos="0">
+              <a:schemeClr val="phClr">
+                <a:tint val="84000"/>
+                <a:shade val="90000"/>
+                <a:satMod val="120000"/>
+                <a:lumMod val="90000"/>
+              </a:schemeClr>
+            </a:gs>
+            <a:gs pos="100000">
+              <a:schemeClr val="phClr"/>
+            </a:gs>
+          </a:gsLst>
+          <a:lin ang="5400000" scaled="0"/>
+        </a:gradFill>
+      </a:bgFillStyleLst>
+    </a:fmtScheme>
+  </a:themeElements>
+  <a:objectDefaults/>
+  <a:extraClrSchemeLst/>
+  <a:extLst>
+    <a:ext uri="{05A4C25C-085E-4340-85A3-A5531E510DB2}">
+      <thm15:themeFamily xmlns:thm15="http://schemas.microsoft.com/office/thememl/2012/main" name="Quotable" id="{39EC5628-30ED-4578-ACD8-9820EDB8E15A}" vid="{6F3559E9-1A4C-49D8-94D4-F41003531C49}"/>
+    </a:ext>
+  </a:extLst>
+</a:theme>
+</file>
+
+<file path=ppt/theme/theme2.xml><?xml version="1.0" encoding="utf-8"?>
 <a:theme xmlns:a="http://schemas.openxmlformats.org/drawingml/2006/main" name="Thème Office">
   <a:themeElements>
     <a:clrScheme name="Office">
